--- a/Prepare for Your Salesforce CPQ Specialist Credential/CPQ Specialist.pptx
+++ b/Prepare for Your Salesforce CPQ Specialist Credential/CPQ Specialist.pptx
@@ -6,6 +6,94 @@
   </p:sldMasterIdLst>
   <p:sldIdLst>
     <p:sldId id="256" r:id="rId2"/>
+    <p:sldId id="257" r:id="rId3"/>
+    <p:sldId id="258" r:id="rId4"/>
+    <p:sldId id="259" r:id="rId5"/>
+    <p:sldId id="260" r:id="rId6"/>
+    <p:sldId id="261" r:id="rId7"/>
+    <p:sldId id="262" r:id="rId8"/>
+    <p:sldId id="263" r:id="rId9"/>
+    <p:sldId id="264" r:id="rId10"/>
+    <p:sldId id="265" r:id="rId11"/>
+    <p:sldId id="266" r:id="rId12"/>
+    <p:sldId id="267" r:id="rId13"/>
+    <p:sldId id="268" r:id="rId14"/>
+    <p:sldId id="269" r:id="rId15"/>
+    <p:sldId id="270" r:id="rId16"/>
+    <p:sldId id="271" r:id="rId17"/>
+    <p:sldId id="272" r:id="rId18"/>
+    <p:sldId id="273" r:id="rId19"/>
+    <p:sldId id="274" r:id="rId20"/>
+    <p:sldId id="275" r:id="rId21"/>
+    <p:sldId id="276" r:id="rId22"/>
+    <p:sldId id="277" r:id="rId23"/>
+    <p:sldId id="278" r:id="rId24"/>
+    <p:sldId id="279" r:id="rId25"/>
+    <p:sldId id="280" r:id="rId26"/>
+    <p:sldId id="281" r:id="rId27"/>
+    <p:sldId id="282" r:id="rId28"/>
+    <p:sldId id="283" r:id="rId29"/>
+    <p:sldId id="284" r:id="rId30"/>
+    <p:sldId id="285" r:id="rId31"/>
+    <p:sldId id="286" r:id="rId32"/>
+    <p:sldId id="287" r:id="rId33"/>
+    <p:sldId id="288" r:id="rId34"/>
+    <p:sldId id="289" r:id="rId35"/>
+    <p:sldId id="290" r:id="rId36"/>
+    <p:sldId id="291" r:id="rId37"/>
+    <p:sldId id="292" r:id="rId38"/>
+    <p:sldId id="293" r:id="rId39"/>
+    <p:sldId id="294" r:id="rId40"/>
+    <p:sldId id="295" r:id="rId41"/>
+    <p:sldId id="296" r:id="rId42"/>
+    <p:sldId id="297" r:id="rId43"/>
+    <p:sldId id="298" r:id="rId44"/>
+    <p:sldId id="299" r:id="rId45"/>
+    <p:sldId id="300" r:id="rId46"/>
+    <p:sldId id="301" r:id="rId47"/>
+    <p:sldId id="302" r:id="rId48"/>
+    <p:sldId id="303" r:id="rId49"/>
+    <p:sldId id="304" r:id="rId50"/>
+    <p:sldId id="305" r:id="rId51"/>
+    <p:sldId id="306" r:id="rId52"/>
+    <p:sldId id="307" r:id="rId53"/>
+    <p:sldId id="308" r:id="rId54"/>
+    <p:sldId id="309" r:id="rId55"/>
+    <p:sldId id="310" r:id="rId56"/>
+    <p:sldId id="311" r:id="rId57"/>
+    <p:sldId id="312" r:id="rId58"/>
+    <p:sldId id="313" r:id="rId59"/>
+    <p:sldId id="314" r:id="rId60"/>
+    <p:sldId id="315" r:id="rId61"/>
+    <p:sldId id="316" r:id="rId62"/>
+    <p:sldId id="317" r:id="rId63"/>
+    <p:sldId id="318" r:id="rId64"/>
+    <p:sldId id="319" r:id="rId65"/>
+    <p:sldId id="320" r:id="rId66"/>
+    <p:sldId id="321" r:id="rId67"/>
+    <p:sldId id="322" r:id="rId68"/>
+    <p:sldId id="323" r:id="rId69"/>
+    <p:sldId id="324" r:id="rId70"/>
+    <p:sldId id="325" r:id="rId71"/>
+    <p:sldId id="326" r:id="rId72"/>
+    <p:sldId id="327" r:id="rId73"/>
+    <p:sldId id="328" r:id="rId74"/>
+    <p:sldId id="329" r:id="rId75"/>
+    <p:sldId id="330" r:id="rId76"/>
+    <p:sldId id="331" r:id="rId77"/>
+    <p:sldId id="332" r:id="rId78"/>
+    <p:sldId id="333" r:id="rId79"/>
+    <p:sldId id="334" r:id="rId80"/>
+    <p:sldId id="335" r:id="rId81"/>
+    <p:sldId id="336" r:id="rId82"/>
+    <p:sldId id="337" r:id="rId83"/>
+    <p:sldId id="338" r:id="rId84"/>
+    <p:sldId id="339" r:id="rId85"/>
+    <p:sldId id="340" r:id="rId86"/>
+    <p:sldId id="341" r:id="rId87"/>
+    <p:sldId id="342" r:id="rId88"/>
+    <p:sldId id="343" r:id="rId89"/>
+    <p:sldId id="344" r:id="rId90"/>
   </p:sldIdLst>
   <p:sldSz cx="9144000" cy="6858000" type="screen4x3"/>
   <p:notesSz cx="6858000" cy="9144000"/>
@@ -3110,7 +3198,7 @@
           <a:bodyPr/>
           <a:lstStyle/>
           <a:p>
-            <a:endParaRPr lang="en-IN"/>
+            <a:endParaRPr lang="en-IN" dirty="0"/>
           </a:p>
         </p:txBody>
       </p:sp>
@@ -3133,6 +3221,60 @@
           </a:p>
         </p:txBody>
       </p:sp>
+      <p:pic>
+        <p:nvPicPr>
+          <p:cNvPr id="1026" name="Picture 2"/>
+          <p:cNvPicPr>
+            <a:picLocks noChangeAspect="1" noChangeArrowheads="1"/>
+          </p:cNvPicPr>
+          <p:nvPr/>
+        </p:nvPicPr>
+        <p:blipFill>
+          <a:blip r:embed="rId2">
+            <a:extLst>
+              <a:ext uri="{28A0092B-C50C-407E-A947-70E740481C1C}">
+                <a14:useLocalDpi xmlns:a14="http://schemas.microsoft.com/office/drawing/2010/main" val="0"/>
+              </a:ext>
+            </a:extLst>
+          </a:blip>
+          <a:srcRect/>
+          <a:stretch>
+            <a:fillRect/>
+          </a:stretch>
+        </p:blipFill>
+        <p:spPr bwMode="auto">
+          <a:xfrm>
+            <a:off x="-10385" y="0"/>
+            <a:ext cx="9154385" cy="6858000"/>
+          </a:xfrm>
+          <a:prstGeom prst="rect">
+            <a:avLst/>
+          </a:prstGeom>
+          <a:noFill/>
+          <a:ln>
+            <a:noFill/>
+          </a:ln>
+          <a:extLst>
+            <a:ext uri="{909E8E84-426E-40DD-AFC4-6F175D3DCCD1}">
+              <a14:hiddenFill xmlns:a14="http://schemas.microsoft.com/office/drawing/2010/main">
+                <a:solidFill>
+                  <a:schemeClr val="accent1"/>
+                </a:solidFill>
+              </a14:hiddenFill>
+            </a:ext>
+            <a:ext uri="{91240B29-F687-4F45-9708-019B960494DF}">
+              <a14:hiddenLine xmlns:a14="http://schemas.microsoft.com/office/drawing/2010/main" w="9525">
+                <a:solidFill>
+                  <a:schemeClr val="tx1"/>
+                </a:solidFill>
+                <a:miter lim="800000"/>
+                <a:headEnd/>
+                <a:tailEnd/>
+              </a14:hiddenLine>
+            </a:ext>
+          </a:extLst>
+        </p:spPr>
+      </p:pic>
     </p:spTree>
     <p:extLst>
       <p:ext uri="{BB962C8B-B14F-4D97-AF65-F5344CB8AC3E}">
@@ -3143,6 +3285,6650 @@
   <p:clrMapOvr>
     <a:masterClrMapping/>
   </p:clrMapOvr>
+  <p:timing>
+    <p:tnLst>
+      <p:par>
+        <p:cTn id="1" dur="indefinite" restart="never" nodeType="tmRoot"/>
+      </p:par>
+    </p:tnLst>
+  </p:timing>
+</p:sld>
+</file>
+
+<file path=ppt/slides/slide10.xml><?xml version="1.0" encoding="utf-8"?>
+<p:sld xmlns:a="http://schemas.openxmlformats.org/drawingml/2006/main" xmlns:r="http://schemas.openxmlformats.org/officeDocument/2006/relationships" xmlns:p="http://schemas.openxmlformats.org/presentationml/2006/main">
+  <p:cSld>
+    <p:spTree>
+      <p:nvGrpSpPr>
+        <p:cNvPr id="1" name=""/>
+        <p:cNvGrpSpPr/>
+        <p:nvPr/>
+      </p:nvGrpSpPr>
+      <p:grpSpPr>
+        <a:xfrm>
+          <a:off x="0" y="0"/>
+          <a:ext cx="0" cy="0"/>
+          <a:chOff x="0" y="0"/>
+          <a:chExt cx="0" cy="0"/>
+        </a:xfrm>
+      </p:grpSpPr>
+      <p:sp>
+        <p:nvSpPr>
+          <p:cNvPr id="2" name="Title 1"/>
+          <p:cNvSpPr>
+            <a:spLocks noGrp="1"/>
+          </p:cNvSpPr>
+          <p:nvPr>
+            <p:ph type="title"/>
+          </p:nvPr>
+        </p:nvSpPr>
+        <p:spPr/>
+        <p:txBody>
+          <a:bodyPr/>
+          <a:lstStyle/>
+          <a:p>
+            <a:endParaRPr lang="en-IN"/>
+          </a:p>
+        </p:txBody>
+      </p:sp>
+      <p:sp>
+        <p:nvSpPr>
+          <p:cNvPr id="3" name="Content Placeholder 2"/>
+          <p:cNvSpPr>
+            <a:spLocks noGrp="1"/>
+          </p:cNvSpPr>
+          <p:nvPr>
+            <p:ph idx="1"/>
+          </p:nvPr>
+        </p:nvSpPr>
+        <p:spPr/>
+        <p:txBody>
+          <a:bodyPr/>
+          <a:lstStyle/>
+          <a:p>
+            <a:endParaRPr lang="en-IN"/>
+          </a:p>
+        </p:txBody>
+      </p:sp>
+    </p:spTree>
+    <p:extLst>
+      <p:ext uri="{BB962C8B-B14F-4D97-AF65-F5344CB8AC3E}">
+        <p14:creationId xmlns:p14="http://schemas.microsoft.com/office/powerpoint/2010/main" val="1549540825"/>
+      </p:ext>
+    </p:extLst>
+  </p:cSld>
+  <p:clrMapOvr>
+    <a:masterClrMapping/>
+  </p:clrMapOvr>
+  <p:timing>
+    <p:tnLst>
+      <p:par>
+        <p:cTn id="1" dur="indefinite" restart="never" nodeType="tmRoot"/>
+      </p:par>
+    </p:tnLst>
+  </p:timing>
+</p:sld>
+</file>
+
+<file path=ppt/slides/slide11.xml><?xml version="1.0" encoding="utf-8"?>
+<p:sld xmlns:a="http://schemas.openxmlformats.org/drawingml/2006/main" xmlns:r="http://schemas.openxmlformats.org/officeDocument/2006/relationships" xmlns:p="http://schemas.openxmlformats.org/presentationml/2006/main">
+  <p:cSld>
+    <p:spTree>
+      <p:nvGrpSpPr>
+        <p:cNvPr id="1" name=""/>
+        <p:cNvGrpSpPr/>
+        <p:nvPr/>
+      </p:nvGrpSpPr>
+      <p:grpSpPr>
+        <a:xfrm>
+          <a:off x="0" y="0"/>
+          <a:ext cx="0" cy="0"/>
+          <a:chOff x="0" y="0"/>
+          <a:chExt cx="0" cy="0"/>
+        </a:xfrm>
+      </p:grpSpPr>
+      <p:sp>
+        <p:nvSpPr>
+          <p:cNvPr id="2" name="Title 1"/>
+          <p:cNvSpPr>
+            <a:spLocks noGrp="1"/>
+          </p:cNvSpPr>
+          <p:nvPr>
+            <p:ph type="title"/>
+          </p:nvPr>
+        </p:nvSpPr>
+        <p:spPr/>
+        <p:txBody>
+          <a:bodyPr/>
+          <a:lstStyle/>
+          <a:p>
+            <a:endParaRPr lang="en-IN"/>
+          </a:p>
+        </p:txBody>
+      </p:sp>
+      <p:sp>
+        <p:nvSpPr>
+          <p:cNvPr id="3" name="Content Placeholder 2"/>
+          <p:cNvSpPr>
+            <a:spLocks noGrp="1"/>
+          </p:cNvSpPr>
+          <p:nvPr>
+            <p:ph idx="1"/>
+          </p:nvPr>
+        </p:nvSpPr>
+        <p:spPr/>
+        <p:txBody>
+          <a:bodyPr/>
+          <a:lstStyle/>
+          <a:p>
+            <a:endParaRPr lang="en-IN"/>
+          </a:p>
+        </p:txBody>
+      </p:sp>
+    </p:spTree>
+    <p:extLst>
+      <p:ext uri="{BB962C8B-B14F-4D97-AF65-F5344CB8AC3E}">
+        <p14:creationId xmlns:p14="http://schemas.microsoft.com/office/powerpoint/2010/main" val="2315574089"/>
+      </p:ext>
+    </p:extLst>
+  </p:cSld>
+  <p:clrMapOvr>
+    <a:masterClrMapping/>
+  </p:clrMapOvr>
+  <p:timing>
+    <p:tnLst>
+      <p:par>
+        <p:cTn id="1" dur="indefinite" restart="never" nodeType="tmRoot"/>
+      </p:par>
+    </p:tnLst>
+  </p:timing>
+</p:sld>
+</file>
+
+<file path=ppt/slides/slide12.xml><?xml version="1.0" encoding="utf-8"?>
+<p:sld xmlns:a="http://schemas.openxmlformats.org/drawingml/2006/main" xmlns:r="http://schemas.openxmlformats.org/officeDocument/2006/relationships" xmlns:p="http://schemas.openxmlformats.org/presentationml/2006/main">
+  <p:cSld>
+    <p:spTree>
+      <p:nvGrpSpPr>
+        <p:cNvPr id="1" name=""/>
+        <p:cNvGrpSpPr/>
+        <p:nvPr/>
+      </p:nvGrpSpPr>
+      <p:grpSpPr>
+        <a:xfrm>
+          <a:off x="0" y="0"/>
+          <a:ext cx="0" cy="0"/>
+          <a:chOff x="0" y="0"/>
+          <a:chExt cx="0" cy="0"/>
+        </a:xfrm>
+      </p:grpSpPr>
+      <p:sp>
+        <p:nvSpPr>
+          <p:cNvPr id="2" name="Title 1"/>
+          <p:cNvSpPr>
+            <a:spLocks noGrp="1"/>
+          </p:cNvSpPr>
+          <p:nvPr>
+            <p:ph type="title"/>
+          </p:nvPr>
+        </p:nvSpPr>
+        <p:spPr/>
+        <p:txBody>
+          <a:bodyPr/>
+          <a:lstStyle/>
+          <a:p>
+            <a:endParaRPr lang="en-IN"/>
+          </a:p>
+        </p:txBody>
+      </p:sp>
+      <p:sp>
+        <p:nvSpPr>
+          <p:cNvPr id="3" name="Content Placeholder 2"/>
+          <p:cNvSpPr>
+            <a:spLocks noGrp="1"/>
+          </p:cNvSpPr>
+          <p:nvPr>
+            <p:ph idx="1"/>
+          </p:nvPr>
+        </p:nvSpPr>
+        <p:spPr/>
+        <p:txBody>
+          <a:bodyPr/>
+          <a:lstStyle/>
+          <a:p>
+            <a:endParaRPr lang="en-IN"/>
+          </a:p>
+        </p:txBody>
+      </p:sp>
+    </p:spTree>
+    <p:extLst>
+      <p:ext uri="{BB962C8B-B14F-4D97-AF65-F5344CB8AC3E}">
+        <p14:creationId xmlns:p14="http://schemas.microsoft.com/office/powerpoint/2010/main" val="1770298211"/>
+      </p:ext>
+    </p:extLst>
+  </p:cSld>
+  <p:clrMapOvr>
+    <a:masterClrMapping/>
+  </p:clrMapOvr>
+  <p:timing>
+    <p:tnLst>
+      <p:par>
+        <p:cTn id="1" dur="indefinite" restart="never" nodeType="tmRoot"/>
+      </p:par>
+    </p:tnLst>
+  </p:timing>
+</p:sld>
+</file>
+
+<file path=ppt/slides/slide13.xml><?xml version="1.0" encoding="utf-8"?>
+<p:sld xmlns:a="http://schemas.openxmlformats.org/drawingml/2006/main" xmlns:r="http://schemas.openxmlformats.org/officeDocument/2006/relationships" xmlns:p="http://schemas.openxmlformats.org/presentationml/2006/main">
+  <p:cSld>
+    <p:spTree>
+      <p:nvGrpSpPr>
+        <p:cNvPr id="1" name=""/>
+        <p:cNvGrpSpPr/>
+        <p:nvPr/>
+      </p:nvGrpSpPr>
+      <p:grpSpPr>
+        <a:xfrm>
+          <a:off x="0" y="0"/>
+          <a:ext cx="0" cy="0"/>
+          <a:chOff x="0" y="0"/>
+          <a:chExt cx="0" cy="0"/>
+        </a:xfrm>
+      </p:grpSpPr>
+      <p:sp>
+        <p:nvSpPr>
+          <p:cNvPr id="2" name="Title 1"/>
+          <p:cNvSpPr>
+            <a:spLocks noGrp="1"/>
+          </p:cNvSpPr>
+          <p:nvPr>
+            <p:ph type="title"/>
+          </p:nvPr>
+        </p:nvSpPr>
+        <p:spPr/>
+        <p:txBody>
+          <a:bodyPr/>
+          <a:lstStyle/>
+          <a:p>
+            <a:endParaRPr lang="en-IN"/>
+          </a:p>
+        </p:txBody>
+      </p:sp>
+      <p:sp>
+        <p:nvSpPr>
+          <p:cNvPr id="3" name="Content Placeholder 2"/>
+          <p:cNvSpPr>
+            <a:spLocks noGrp="1"/>
+          </p:cNvSpPr>
+          <p:nvPr>
+            <p:ph idx="1"/>
+          </p:nvPr>
+        </p:nvSpPr>
+        <p:spPr/>
+        <p:txBody>
+          <a:bodyPr/>
+          <a:lstStyle/>
+          <a:p>
+            <a:endParaRPr lang="en-IN"/>
+          </a:p>
+        </p:txBody>
+      </p:sp>
+    </p:spTree>
+    <p:extLst>
+      <p:ext uri="{BB962C8B-B14F-4D97-AF65-F5344CB8AC3E}">
+        <p14:creationId xmlns:p14="http://schemas.microsoft.com/office/powerpoint/2010/main" val="1692429790"/>
+      </p:ext>
+    </p:extLst>
+  </p:cSld>
+  <p:clrMapOvr>
+    <a:masterClrMapping/>
+  </p:clrMapOvr>
+  <p:timing>
+    <p:tnLst>
+      <p:par>
+        <p:cTn id="1" dur="indefinite" restart="never" nodeType="tmRoot"/>
+      </p:par>
+    </p:tnLst>
+  </p:timing>
+</p:sld>
+</file>
+
+<file path=ppt/slides/slide14.xml><?xml version="1.0" encoding="utf-8"?>
+<p:sld xmlns:a="http://schemas.openxmlformats.org/drawingml/2006/main" xmlns:r="http://schemas.openxmlformats.org/officeDocument/2006/relationships" xmlns:p="http://schemas.openxmlformats.org/presentationml/2006/main">
+  <p:cSld>
+    <p:spTree>
+      <p:nvGrpSpPr>
+        <p:cNvPr id="1" name=""/>
+        <p:cNvGrpSpPr/>
+        <p:nvPr/>
+      </p:nvGrpSpPr>
+      <p:grpSpPr>
+        <a:xfrm>
+          <a:off x="0" y="0"/>
+          <a:ext cx="0" cy="0"/>
+          <a:chOff x="0" y="0"/>
+          <a:chExt cx="0" cy="0"/>
+        </a:xfrm>
+      </p:grpSpPr>
+      <p:sp>
+        <p:nvSpPr>
+          <p:cNvPr id="2" name="Title 1"/>
+          <p:cNvSpPr>
+            <a:spLocks noGrp="1"/>
+          </p:cNvSpPr>
+          <p:nvPr>
+            <p:ph type="title"/>
+          </p:nvPr>
+        </p:nvSpPr>
+        <p:spPr/>
+        <p:txBody>
+          <a:bodyPr/>
+          <a:lstStyle/>
+          <a:p>
+            <a:endParaRPr lang="en-IN"/>
+          </a:p>
+        </p:txBody>
+      </p:sp>
+      <p:sp>
+        <p:nvSpPr>
+          <p:cNvPr id="3" name="Content Placeholder 2"/>
+          <p:cNvSpPr>
+            <a:spLocks noGrp="1"/>
+          </p:cNvSpPr>
+          <p:nvPr>
+            <p:ph idx="1"/>
+          </p:nvPr>
+        </p:nvSpPr>
+        <p:spPr/>
+        <p:txBody>
+          <a:bodyPr/>
+          <a:lstStyle/>
+          <a:p>
+            <a:endParaRPr lang="en-IN"/>
+          </a:p>
+        </p:txBody>
+      </p:sp>
+    </p:spTree>
+    <p:extLst>
+      <p:ext uri="{BB962C8B-B14F-4D97-AF65-F5344CB8AC3E}">
+        <p14:creationId xmlns:p14="http://schemas.microsoft.com/office/powerpoint/2010/main" val="495513877"/>
+      </p:ext>
+    </p:extLst>
+  </p:cSld>
+  <p:clrMapOvr>
+    <a:masterClrMapping/>
+  </p:clrMapOvr>
+  <p:timing>
+    <p:tnLst>
+      <p:par>
+        <p:cTn id="1" dur="indefinite" restart="never" nodeType="tmRoot"/>
+      </p:par>
+    </p:tnLst>
+  </p:timing>
+</p:sld>
+</file>
+
+<file path=ppt/slides/slide15.xml><?xml version="1.0" encoding="utf-8"?>
+<p:sld xmlns:a="http://schemas.openxmlformats.org/drawingml/2006/main" xmlns:r="http://schemas.openxmlformats.org/officeDocument/2006/relationships" xmlns:p="http://schemas.openxmlformats.org/presentationml/2006/main">
+  <p:cSld>
+    <p:spTree>
+      <p:nvGrpSpPr>
+        <p:cNvPr id="1" name=""/>
+        <p:cNvGrpSpPr/>
+        <p:nvPr/>
+      </p:nvGrpSpPr>
+      <p:grpSpPr>
+        <a:xfrm>
+          <a:off x="0" y="0"/>
+          <a:ext cx="0" cy="0"/>
+          <a:chOff x="0" y="0"/>
+          <a:chExt cx="0" cy="0"/>
+        </a:xfrm>
+      </p:grpSpPr>
+      <p:sp>
+        <p:nvSpPr>
+          <p:cNvPr id="2" name="Title 1"/>
+          <p:cNvSpPr>
+            <a:spLocks noGrp="1"/>
+          </p:cNvSpPr>
+          <p:nvPr>
+            <p:ph type="title"/>
+          </p:nvPr>
+        </p:nvSpPr>
+        <p:spPr/>
+        <p:txBody>
+          <a:bodyPr/>
+          <a:lstStyle/>
+          <a:p>
+            <a:endParaRPr lang="en-IN"/>
+          </a:p>
+        </p:txBody>
+      </p:sp>
+      <p:sp>
+        <p:nvSpPr>
+          <p:cNvPr id="3" name="Content Placeholder 2"/>
+          <p:cNvSpPr>
+            <a:spLocks noGrp="1"/>
+          </p:cNvSpPr>
+          <p:nvPr>
+            <p:ph idx="1"/>
+          </p:nvPr>
+        </p:nvSpPr>
+        <p:spPr/>
+        <p:txBody>
+          <a:bodyPr/>
+          <a:lstStyle/>
+          <a:p>
+            <a:endParaRPr lang="en-IN"/>
+          </a:p>
+        </p:txBody>
+      </p:sp>
+    </p:spTree>
+    <p:extLst>
+      <p:ext uri="{BB962C8B-B14F-4D97-AF65-F5344CB8AC3E}">
+        <p14:creationId xmlns:p14="http://schemas.microsoft.com/office/powerpoint/2010/main" val="1363585624"/>
+      </p:ext>
+    </p:extLst>
+  </p:cSld>
+  <p:clrMapOvr>
+    <a:masterClrMapping/>
+  </p:clrMapOvr>
+  <p:timing>
+    <p:tnLst>
+      <p:par>
+        <p:cTn id="1" dur="indefinite" restart="never" nodeType="tmRoot"/>
+      </p:par>
+    </p:tnLst>
+  </p:timing>
+</p:sld>
+</file>
+
+<file path=ppt/slides/slide16.xml><?xml version="1.0" encoding="utf-8"?>
+<p:sld xmlns:a="http://schemas.openxmlformats.org/drawingml/2006/main" xmlns:r="http://schemas.openxmlformats.org/officeDocument/2006/relationships" xmlns:p="http://schemas.openxmlformats.org/presentationml/2006/main">
+  <p:cSld>
+    <p:spTree>
+      <p:nvGrpSpPr>
+        <p:cNvPr id="1" name=""/>
+        <p:cNvGrpSpPr/>
+        <p:nvPr/>
+      </p:nvGrpSpPr>
+      <p:grpSpPr>
+        <a:xfrm>
+          <a:off x="0" y="0"/>
+          <a:ext cx="0" cy="0"/>
+          <a:chOff x="0" y="0"/>
+          <a:chExt cx="0" cy="0"/>
+        </a:xfrm>
+      </p:grpSpPr>
+      <p:sp>
+        <p:nvSpPr>
+          <p:cNvPr id="2" name="Title 1"/>
+          <p:cNvSpPr>
+            <a:spLocks noGrp="1"/>
+          </p:cNvSpPr>
+          <p:nvPr>
+            <p:ph type="title"/>
+          </p:nvPr>
+        </p:nvSpPr>
+        <p:spPr/>
+        <p:txBody>
+          <a:bodyPr/>
+          <a:lstStyle/>
+          <a:p>
+            <a:endParaRPr lang="en-IN"/>
+          </a:p>
+        </p:txBody>
+      </p:sp>
+      <p:sp>
+        <p:nvSpPr>
+          <p:cNvPr id="3" name="Content Placeholder 2"/>
+          <p:cNvSpPr>
+            <a:spLocks noGrp="1"/>
+          </p:cNvSpPr>
+          <p:nvPr>
+            <p:ph idx="1"/>
+          </p:nvPr>
+        </p:nvSpPr>
+        <p:spPr/>
+        <p:txBody>
+          <a:bodyPr/>
+          <a:lstStyle/>
+          <a:p>
+            <a:endParaRPr lang="en-IN"/>
+          </a:p>
+        </p:txBody>
+      </p:sp>
+    </p:spTree>
+    <p:extLst>
+      <p:ext uri="{BB962C8B-B14F-4D97-AF65-F5344CB8AC3E}">
+        <p14:creationId xmlns:p14="http://schemas.microsoft.com/office/powerpoint/2010/main" val="2181602737"/>
+      </p:ext>
+    </p:extLst>
+  </p:cSld>
+  <p:clrMapOvr>
+    <a:masterClrMapping/>
+  </p:clrMapOvr>
+  <p:timing>
+    <p:tnLst>
+      <p:par>
+        <p:cTn id="1" dur="indefinite" restart="never" nodeType="tmRoot"/>
+      </p:par>
+    </p:tnLst>
+  </p:timing>
+</p:sld>
+</file>
+
+<file path=ppt/slides/slide17.xml><?xml version="1.0" encoding="utf-8"?>
+<p:sld xmlns:a="http://schemas.openxmlformats.org/drawingml/2006/main" xmlns:r="http://schemas.openxmlformats.org/officeDocument/2006/relationships" xmlns:p="http://schemas.openxmlformats.org/presentationml/2006/main">
+  <p:cSld>
+    <p:spTree>
+      <p:nvGrpSpPr>
+        <p:cNvPr id="1" name=""/>
+        <p:cNvGrpSpPr/>
+        <p:nvPr/>
+      </p:nvGrpSpPr>
+      <p:grpSpPr>
+        <a:xfrm>
+          <a:off x="0" y="0"/>
+          <a:ext cx="0" cy="0"/>
+          <a:chOff x="0" y="0"/>
+          <a:chExt cx="0" cy="0"/>
+        </a:xfrm>
+      </p:grpSpPr>
+      <p:sp>
+        <p:nvSpPr>
+          <p:cNvPr id="2" name="Title 1"/>
+          <p:cNvSpPr>
+            <a:spLocks noGrp="1"/>
+          </p:cNvSpPr>
+          <p:nvPr>
+            <p:ph type="title"/>
+          </p:nvPr>
+        </p:nvSpPr>
+        <p:spPr/>
+        <p:txBody>
+          <a:bodyPr/>
+          <a:lstStyle/>
+          <a:p>
+            <a:endParaRPr lang="en-IN"/>
+          </a:p>
+        </p:txBody>
+      </p:sp>
+      <p:sp>
+        <p:nvSpPr>
+          <p:cNvPr id="3" name="Content Placeholder 2"/>
+          <p:cNvSpPr>
+            <a:spLocks noGrp="1"/>
+          </p:cNvSpPr>
+          <p:nvPr>
+            <p:ph idx="1"/>
+          </p:nvPr>
+        </p:nvSpPr>
+        <p:spPr/>
+        <p:txBody>
+          <a:bodyPr/>
+          <a:lstStyle/>
+          <a:p>
+            <a:endParaRPr lang="en-IN"/>
+          </a:p>
+        </p:txBody>
+      </p:sp>
+    </p:spTree>
+    <p:extLst>
+      <p:ext uri="{BB962C8B-B14F-4D97-AF65-F5344CB8AC3E}">
+        <p14:creationId xmlns:p14="http://schemas.microsoft.com/office/powerpoint/2010/main" val="1609017987"/>
+      </p:ext>
+    </p:extLst>
+  </p:cSld>
+  <p:clrMapOvr>
+    <a:masterClrMapping/>
+  </p:clrMapOvr>
+  <p:timing>
+    <p:tnLst>
+      <p:par>
+        <p:cTn id="1" dur="indefinite" restart="never" nodeType="tmRoot"/>
+      </p:par>
+    </p:tnLst>
+  </p:timing>
+</p:sld>
+</file>
+
+<file path=ppt/slides/slide18.xml><?xml version="1.0" encoding="utf-8"?>
+<p:sld xmlns:a="http://schemas.openxmlformats.org/drawingml/2006/main" xmlns:r="http://schemas.openxmlformats.org/officeDocument/2006/relationships" xmlns:p="http://schemas.openxmlformats.org/presentationml/2006/main">
+  <p:cSld>
+    <p:spTree>
+      <p:nvGrpSpPr>
+        <p:cNvPr id="1" name=""/>
+        <p:cNvGrpSpPr/>
+        <p:nvPr/>
+      </p:nvGrpSpPr>
+      <p:grpSpPr>
+        <a:xfrm>
+          <a:off x="0" y="0"/>
+          <a:ext cx="0" cy="0"/>
+          <a:chOff x="0" y="0"/>
+          <a:chExt cx="0" cy="0"/>
+        </a:xfrm>
+      </p:grpSpPr>
+      <p:sp>
+        <p:nvSpPr>
+          <p:cNvPr id="2" name="Title 1"/>
+          <p:cNvSpPr>
+            <a:spLocks noGrp="1"/>
+          </p:cNvSpPr>
+          <p:nvPr>
+            <p:ph type="title"/>
+          </p:nvPr>
+        </p:nvSpPr>
+        <p:spPr/>
+        <p:txBody>
+          <a:bodyPr/>
+          <a:lstStyle/>
+          <a:p>
+            <a:endParaRPr lang="en-IN"/>
+          </a:p>
+        </p:txBody>
+      </p:sp>
+      <p:sp>
+        <p:nvSpPr>
+          <p:cNvPr id="3" name="Content Placeholder 2"/>
+          <p:cNvSpPr>
+            <a:spLocks noGrp="1"/>
+          </p:cNvSpPr>
+          <p:nvPr>
+            <p:ph idx="1"/>
+          </p:nvPr>
+        </p:nvSpPr>
+        <p:spPr/>
+        <p:txBody>
+          <a:bodyPr/>
+          <a:lstStyle/>
+          <a:p>
+            <a:endParaRPr lang="en-IN"/>
+          </a:p>
+        </p:txBody>
+      </p:sp>
+    </p:spTree>
+    <p:extLst>
+      <p:ext uri="{BB962C8B-B14F-4D97-AF65-F5344CB8AC3E}">
+        <p14:creationId xmlns:p14="http://schemas.microsoft.com/office/powerpoint/2010/main" val="2356390808"/>
+      </p:ext>
+    </p:extLst>
+  </p:cSld>
+  <p:clrMapOvr>
+    <a:masterClrMapping/>
+  </p:clrMapOvr>
+  <p:timing>
+    <p:tnLst>
+      <p:par>
+        <p:cTn id="1" dur="indefinite" restart="never" nodeType="tmRoot"/>
+      </p:par>
+    </p:tnLst>
+  </p:timing>
+</p:sld>
+</file>
+
+<file path=ppt/slides/slide19.xml><?xml version="1.0" encoding="utf-8"?>
+<p:sld xmlns:a="http://schemas.openxmlformats.org/drawingml/2006/main" xmlns:r="http://schemas.openxmlformats.org/officeDocument/2006/relationships" xmlns:p="http://schemas.openxmlformats.org/presentationml/2006/main">
+  <p:cSld>
+    <p:spTree>
+      <p:nvGrpSpPr>
+        <p:cNvPr id="1" name=""/>
+        <p:cNvGrpSpPr/>
+        <p:nvPr/>
+      </p:nvGrpSpPr>
+      <p:grpSpPr>
+        <a:xfrm>
+          <a:off x="0" y="0"/>
+          <a:ext cx="0" cy="0"/>
+          <a:chOff x="0" y="0"/>
+          <a:chExt cx="0" cy="0"/>
+        </a:xfrm>
+      </p:grpSpPr>
+      <p:sp>
+        <p:nvSpPr>
+          <p:cNvPr id="2" name="Title 1"/>
+          <p:cNvSpPr>
+            <a:spLocks noGrp="1"/>
+          </p:cNvSpPr>
+          <p:nvPr>
+            <p:ph type="title"/>
+          </p:nvPr>
+        </p:nvSpPr>
+        <p:spPr/>
+        <p:txBody>
+          <a:bodyPr/>
+          <a:lstStyle/>
+          <a:p>
+            <a:endParaRPr lang="en-IN"/>
+          </a:p>
+        </p:txBody>
+      </p:sp>
+      <p:sp>
+        <p:nvSpPr>
+          <p:cNvPr id="3" name="Content Placeholder 2"/>
+          <p:cNvSpPr>
+            <a:spLocks noGrp="1"/>
+          </p:cNvSpPr>
+          <p:nvPr>
+            <p:ph idx="1"/>
+          </p:nvPr>
+        </p:nvSpPr>
+        <p:spPr/>
+        <p:txBody>
+          <a:bodyPr/>
+          <a:lstStyle/>
+          <a:p>
+            <a:endParaRPr lang="en-IN"/>
+          </a:p>
+        </p:txBody>
+      </p:sp>
+    </p:spTree>
+    <p:extLst>
+      <p:ext uri="{BB962C8B-B14F-4D97-AF65-F5344CB8AC3E}">
+        <p14:creationId xmlns:p14="http://schemas.microsoft.com/office/powerpoint/2010/main" val="1463891422"/>
+      </p:ext>
+    </p:extLst>
+  </p:cSld>
+  <p:clrMapOvr>
+    <a:masterClrMapping/>
+  </p:clrMapOvr>
+  <p:timing>
+    <p:tnLst>
+      <p:par>
+        <p:cTn id="1" dur="indefinite" restart="never" nodeType="tmRoot"/>
+      </p:par>
+    </p:tnLst>
+  </p:timing>
+</p:sld>
+</file>
+
+<file path=ppt/slides/slide2.xml><?xml version="1.0" encoding="utf-8"?>
+<p:sld xmlns:a="http://schemas.openxmlformats.org/drawingml/2006/main" xmlns:r="http://schemas.openxmlformats.org/officeDocument/2006/relationships" xmlns:p="http://schemas.openxmlformats.org/presentationml/2006/main">
+  <p:cSld>
+    <p:spTree>
+      <p:nvGrpSpPr>
+        <p:cNvPr id="1" name=""/>
+        <p:cNvGrpSpPr/>
+        <p:nvPr/>
+      </p:nvGrpSpPr>
+      <p:grpSpPr>
+        <a:xfrm>
+          <a:off x="0" y="0"/>
+          <a:ext cx="0" cy="0"/>
+          <a:chOff x="0" y="0"/>
+          <a:chExt cx="0" cy="0"/>
+        </a:xfrm>
+      </p:grpSpPr>
+      <p:sp>
+        <p:nvSpPr>
+          <p:cNvPr id="2" name="Title 1"/>
+          <p:cNvSpPr>
+            <a:spLocks noGrp="1"/>
+          </p:cNvSpPr>
+          <p:nvPr>
+            <p:ph type="title"/>
+          </p:nvPr>
+        </p:nvSpPr>
+        <p:spPr/>
+        <p:txBody>
+          <a:bodyPr/>
+          <a:lstStyle/>
+          <a:p>
+            <a:endParaRPr lang="en-IN"/>
+          </a:p>
+        </p:txBody>
+      </p:sp>
+      <p:pic>
+        <p:nvPicPr>
+          <p:cNvPr id="2050" name="Picture 2"/>
+          <p:cNvPicPr>
+            <a:picLocks noGrp="1" noChangeAspect="1" noChangeArrowheads="1"/>
+          </p:cNvPicPr>
+          <p:nvPr>
+            <p:ph idx="1"/>
+          </p:nvPr>
+        </p:nvPicPr>
+        <p:blipFill>
+          <a:blip r:embed="rId2">
+            <a:extLst>
+              <a:ext uri="{28A0092B-C50C-407E-A947-70E740481C1C}">
+                <a14:useLocalDpi xmlns:a14="http://schemas.microsoft.com/office/drawing/2010/main" val="0"/>
+              </a:ext>
+            </a:extLst>
+          </a:blip>
+          <a:srcRect/>
+          <a:stretch>
+            <a:fillRect/>
+          </a:stretch>
+        </p:blipFill>
+        <p:spPr bwMode="auto">
+          <a:xfrm>
+            <a:off x="-53088" y="0"/>
+            <a:ext cx="9224352" cy="6858000"/>
+          </a:xfrm>
+          <a:prstGeom prst="rect">
+            <a:avLst/>
+          </a:prstGeom>
+          <a:noFill/>
+          <a:ln>
+            <a:noFill/>
+          </a:ln>
+          <a:extLst>
+            <a:ext uri="{909E8E84-426E-40DD-AFC4-6F175D3DCCD1}">
+              <a14:hiddenFill xmlns:a14="http://schemas.microsoft.com/office/drawing/2010/main">
+                <a:solidFill>
+                  <a:schemeClr val="accent1"/>
+                </a:solidFill>
+              </a14:hiddenFill>
+            </a:ext>
+            <a:ext uri="{91240B29-F687-4F45-9708-019B960494DF}">
+              <a14:hiddenLine xmlns:a14="http://schemas.microsoft.com/office/drawing/2010/main" w="9525">
+                <a:solidFill>
+                  <a:schemeClr val="tx1"/>
+                </a:solidFill>
+                <a:miter lim="800000"/>
+                <a:headEnd/>
+                <a:tailEnd/>
+              </a14:hiddenLine>
+            </a:ext>
+          </a:extLst>
+        </p:spPr>
+      </p:pic>
+    </p:spTree>
+    <p:extLst>
+      <p:ext uri="{BB962C8B-B14F-4D97-AF65-F5344CB8AC3E}">
+        <p14:creationId xmlns:p14="http://schemas.microsoft.com/office/powerpoint/2010/main" val="1087965350"/>
+      </p:ext>
+    </p:extLst>
+  </p:cSld>
+  <p:clrMapOvr>
+    <a:masterClrMapping/>
+  </p:clrMapOvr>
+  <p:timing>
+    <p:tnLst>
+      <p:par>
+        <p:cTn id="1" dur="indefinite" restart="never" nodeType="tmRoot"/>
+      </p:par>
+    </p:tnLst>
+  </p:timing>
+</p:sld>
+</file>
+
+<file path=ppt/slides/slide20.xml><?xml version="1.0" encoding="utf-8"?>
+<p:sld xmlns:a="http://schemas.openxmlformats.org/drawingml/2006/main" xmlns:r="http://schemas.openxmlformats.org/officeDocument/2006/relationships" xmlns:p="http://schemas.openxmlformats.org/presentationml/2006/main">
+  <p:cSld>
+    <p:spTree>
+      <p:nvGrpSpPr>
+        <p:cNvPr id="1" name=""/>
+        <p:cNvGrpSpPr/>
+        <p:nvPr/>
+      </p:nvGrpSpPr>
+      <p:grpSpPr>
+        <a:xfrm>
+          <a:off x="0" y="0"/>
+          <a:ext cx="0" cy="0"/>
+          <a:chOff x="0" y="0"/>
+          <a:chExt cx="0" cy="0"/>
+        </a:xfrm>
+      </p:grpSpPr>
+      <p:sp>
+        <p:nvSpPr>
+          <p:cNvPr id="2" name="Title 1"/>
+          <p:cNvSpPr>
+            <a:spLocks noGrp="1"/>
+          </p:cNvSpPr>
+          <p:nvPr>
+            <p:ph type="title"/>
+          </p:nvPr>
+        </p:nvSpPr>
+        <p:spPr/>
+        <p:txBody>
+          <a:bodyPr/>
+          <a:lstStyle/>
+          <a:p>
+            <a:endParaRPr lang="en-IN"/>
+          </a:p>
+        </p:txBody>
+      </p:sp>
+      <p:sp>
+        <p:nvSpPr>
+          <p:cNvPr id="3" name="Content Placeholder 2"/>
+          <p:cNvSpPr>
+            <a:spLocks noGrp="1"/>
+          </p:cNvSpPr>
+          <p:nvPr>
+            <p:ph idx="1"/>
+          </p:nvPr>
+        </p:nvSpPr>
+        <p:spPr/>
+        <p:txBody>
+          <a:bodyPr/>
+          <a:lstStyle/>
+          <a:p>
+            <a:endParaRPr lang="en-IN"/>
+          </a:p>
+        </p:txBody>
+      </p:sp>
+    </p:spTree>
+    <p:extLst>
+      <p:ext uri="{BB962C8B-B14F-4D97-AF65-F5344CB8AC3E}">
+        <p14:creationId xmlns:p14="http://schemas.microsoft.com/office/powerpoint/2010/main" val="2059340729"/>
+      </p:ext>
+    </p:extLst>
+  </p:cSld>
+  <p:clrMapOvr>
+    <a:masterClrMapping/>
+  </p:clrMapOvr>
+  <p:timing>
+    <p:tnLst>
+      <p:par>
+        <p:cTn id="1" dur="indefinite" restart="never" nodeType="tmRoot"/>
+      </p:par>
+    </p:tnLst>
+  </p:timing>
+</p:sld>
+</file>
+
+<file path=ppt/slides/slide21.xml><?xml version="1.0" encoding="utf-8"?>
+<p:sld xmlns:a="http://schemas.openxmlformats.org/drawingml/2006/main" xmlns:r="http://schemas.openxmlformats.org/officeDocument/2006/relationships" xmlns:p="http://schemas.openxmlformats.org/presentationml/2006/main">
+  <p:cSld>
+    <p:spTree>
+      <p:nvGrpSpPr>
+        <p:cNvPr id="1" name=""/>
+        <p:cNvGrpSpPr/>
+        <p:nvPr/>
+      </p:nvGrpSpPr>
+      <p:grpSpPr>
+        <a:xfrm>
+          <a:off x="0" y="0"/>
+          <a:ext cx="0" cy="0"/>
+          <a:chOff x="0" y="0"/>
+          <a:chExt cx="0" cy="0"/>
+        </a:xfrm>
+      </p:grpSpPr>
+      <p:sp>
+        <p:nvSpPr>
+          <p:cNvPr id="2" name="Title 1"/>
+          <p:cNvSpPr>
+            <a:spLocks noGrp="1"/>
+          </p:cNvSpPr>
+          <p:nvPr>
+            <p:ph type="title"/>
+          </p:nvPr>
+        </p:nvSpPr>
+        <p:spPr/>
+        <p:txBody>
+          <a:bodyPr/>
+          <a:lstStyle/>
+          <a:p>
+            <a:endParaRPr lang="en-IN"/>
+          </a:p>
+        </p:txBody>
+      </p:sp>
+      <p:sp>
+        <p:nvSpPr>
+          <p:cNvPr id="3" name="Content Placeholder 2"/>
+          <p:cNvSpPr>
+            <a:spLocks noGrp="1"/>
+          </p:cNvSpPr>
+          <p:nvPr>
+            <p:ph idx="1"/>
+          </p:nvPr>
+        </p:nvSpPr>
+        <p:spPr/>
+        <p:txBody>
+          <a:bodyPr/>
+          <a:lstStyle/>
+          <a:p>
+            <a:endParaRPr lang="en-IN"/>
+          </a:p>
+        </p:txBody>
+      </p:sp>
+    </p:spTree>
+    <p:extLst>
+      <p:ext uri="{BB962C8B-B14F-4D97-AF65-F5344CB8AC3E}">
+        <p14:creationId xmlns:p14="http://schemas.microsoft.com/office/powerpoint/2010/main" val="1852436762"/>
+      </p:ext>
+    </p:extLst>
+  </p:cSld>
+  <p:clrMapOvr>
+    <a:masterClrMapping/>
+  </p:clrMapOvr>
+  <p:timing>
+    <p:tnLst>
+      <p:par>
+        <p:cTn id="1" dur="indefinite" restart="never" nodeType="tmRoot"/>
+      </p:par>
+    </p:tnLst>
+  </p:timing>
+</p:sld>
+</file>
+
+<file path=ppt/slides/slide22.xml><?xml version="1.0" encoding="utf-8"?>
+<p:sld xmlns:a="http://schemas.openxmlformats.org/drawingml/2006/main" xmlns:r="http://schemas.openxmlformats.org/officeDocument/2006/relationships" xmlns:p="http://schemas.openxmlformats.org/presentationml/2006/main">
+  <p:cSld>
+    <p:spTree>
+      <p:nvGrpSpPr>
+        <p:cNvPr id="1" name=""/>
+        <p:cNvGrpSpPr/>
+        <p:nvPr/>
+      </p:nvGrpSpPr>
+      <p:grpSpPr>
+        <a:xfrm>
+          <a:off x="0" y="0"/>
+          <a:ext cx="0" cy="0"/>
+          <a:chOff x="0" y="0"/>
+          <a:chExt cx="0" cy="0"/>
+        </a:xfrm>
+      </p:grpSpPr>
+      <p:sp>
+        <p:nvSpPr>
+          <p:cNvPr id="2" name="Title 1"/>
+          <p:cNvSpPr>
+            <a:spLocks noGrp="1"/>
+          </p:cNvSpPr>
+          <p:nvPr>
+            <p:ph type="title"/>
+          </p:nvPr>
+        </p:nvSpPr>
+        <p:spPr/>
+        <p:txBody>
+          <a:bodyPr/>
+          <a:lstStyle/>
+          <a:p>
+            <a:endParaRPr lang="en-IN"/>
+          </a:p>
+        </p:txBody>
+      </p:sp>
+      <p:sp>
+        <p:nvSpPr>
+          <p:cNvPr id="3" name="Content Placeholder 2"/>
+          <p:cNvSpPr>
+            <a:spLocks noGrp="1"/>
+          </p:cNvSpPr>
+          <p:nvPr>
+            <p:ph idx="1"/>
+          </p:nvPr>
+        </p:nvSpPr>
+        <p:spPr/>
+        <p:txBody>
+          <a:bodyPr/>
+          <a:lstStyle/>
+          <a:p>
+            <a:endParaRPr lang="en-IN"/>
+          </a:p>
+        </p:txBody>
+      </p:sp>
+    </p:spTree>
+    <p:extLst>
+      <p:ext uri="{BB962C8B-B14F-4D97-AF65-F5344CB8AC3E}">
+        <p14:creationId xmlns:p14="http://schemas.microsoft.com/office/powerpoint/2010/main" val="3346378751"/>
+      </p:ext>
+    </p:extLst>
+  </p:cSld>
+  <p:clrMapOvr>
+    <a:masterClrMapping/>
+  </p:clrMapOvr>
+  <p:timing>
+    <p:tnLst>
+      <p:par>
+        <p:cTn id="1" dur="indefinite" restart="never" nodeType="tmRoot"/>
+      </p:par>
+    </p:tnLst>
+  </p:timing>
+</p:sld>
+</file>
+
+<file path=ppt/slides/slide23.xml><?xml version="1.0" encoding="utf-8"?>
+<p:sld xmlns:a="http://schemas.openxmlformats.org/drawingml/2006/main" xmlns:r="http://schemas.openxmlformats.org/officeDocument/2006/relationships" xmlns:p="http://schemas.openxmlformats.org/presentationml/2006/main">
+  <p:cSld>
+    <p:spTree>
+      <p:nvGrpSpPr>
+        <p:cNvPr id="1" name=""/>
+        <p:cNvGrpSpPr/>
+        <p:nvPr/>
+      </p:nvGrpSpPr>
+      <p:grpSpPr>
+        <a:xfrm>
+          <a:off x="0" y="0"/>
+          <a:ext cx="0" cy="0"/>
+          <a:chOff x="0" y="0"/>
+          <a:chExt cx="0" cy="0"/>
+        </a:xfrm>
+      </p:grpSpPr>
+      <p:sp>
+        <p:nvSpPr>
+          <p:cNvPr id="2" name="Title 1"/>
+          <p:cNvSpPr>
+            <a:spLocks noGrp="1"/>
+          </p:cNvSpPr>
+          <p:nvPr>
+            <p:ph type="title"/>
+          </p:nvPr>
+        </p:nvSpPr>
+        <p:spPr/>
+        <p:txBody>
+          <a:bodyPr/>
+          <a:lstStyle/>
+          <a:p>
+            <a:endParaRPr lang="en-IN"/>
+          </a:p>
+        </p:txBody>
+      </p:sp>
+      <p:sp>
+        <p:nvSpPr>
+          <p:cNvPr id="3" name="Content Placeholder 2"/>
+          <p:cNvSpPr>
+            <a:spLocks noGrp="1"/>
+          </p:cNvSpPr>
+          <p:nvPr>
+            <p:ph idx="1"/>
+          </p:nvPr>
+        </p:nvSpPr>
+        <p:spPr/>
+        <p:txBody>
+          <a:bodyPr/>
+          <a:lstStyle/>
+          <a:p>
+            <a:endParaRPr lang="en-IN"/>
+          </a:p>
+        </p:txBody>
+      </p:sp>
+    </p:spTree>
+    <p:extLst>
+      <p:ext uri="{BB962C8B-B14F-4D97-AF65-F5344CB8AC3E}">
+        <p14:creationId xmlns:p14="http://schemas.microsoft.com/office/powerpoint/2010/main" val="1891377047"/>
+      </p:ext>
+    </p:extLst>
+  </p:cSld>
+  <p:clrMapOvr>
+    <a:masterClrMapping/>
+  </p:clrMapOvr>
+  <p:timing>
+    <p:tnLst>
+      <p:par>
+        <p:cTn id="1" dur="indefinite" restart="never" nodeType="tmRoot"/>
+      </p:par>
+    </p:tnLst>
+  </p:timing>
+</p:sld>
+</file>
+
+<file path=ppt/slides/slide24.xml><?xml version="1.0" encoding="utf-8"?>
+<p:sld xmlns:a="http://schemas.openxmlformats.org/drawingml/2006/main" xmlns:r="http://schemas.openxmlformats.org/officeDocument/2006/relationships" xmlns:p="http://schemas.openxmlformats.org/presentationml/2006/main">
+  <p:cSld>
+    <p:spTree>
+      <p:nvGrpSpPr>
+        <p:cNvPr id="1" name=""/>
+        <p:cNvGrpSpPr/>
+        <p:nvPr/>
+      </p:nvGrpSpPr>
+      <p:grpSpPr>
+        <a:xfrm>
+          <a:off x="0" y="0"/>
+          <a:ext cx="0" cy="0"/>
+          <a:chOff x="0" y="0"/>
+          <a:chExt cx="0" cy="0"/>
+        </a:xfrm>
+      </p:grpSpPr>
+      <p:sp>
+        <p:nvSpPr>
+          <p:cNvPr id="2" name="Title 1"/>
+          <p:cNvSpPr>
+            <a:spLocks noGrp="1"/>
+          </p:cNvSpPr>
+          <p:nvPr>
+            <p:ph type="title"/>
+          </p:nvPr>
+        </p:nvSpPr>
+        <p:spPr/>
+        <p:txBody>
+          <a:bodyPr/>
+          <a:lstStyle/>
+          <a:p>
+            <a:endParaRPr lang="en-IN"/>
+          </a:p>
+        </p:txBody>
+      </p:sp>
+      <p:sp>
+        <p:nvSpPr>
+          <p:cNvPr id="3" name="Content Placeholder 2"/>
+          <p:cNvSpPr>
+            <a:spLocks noGrp="1"/>
+          </p:cNvSpPr>
+          <p:nvPr>
+            <p:ph idx="1"/>
+          </p:nvPr>
+        </p:nvSpPr>
+        <p:spPr/>
+        <p:txBody>
+          <a:bodyPr/>
+          <a:lstStyle/>
+          <a:p>
+            <a:endParaRPr lang="en-IN"/>
+          </a:p>
+        </p:txBody>
+      </p:sp>
+    </p:spTree>
+    <p:extLst>
+      <p:ext uri="{BB962C8B-B14F-4D97-AF65-F5344CB8AC3E}">
+        <p14:creationId xmlns:p14="http://schemas.microsoft.com/office/powerpoint/2010/main" val="2724787249"/>
+      </p:ext>
+    </p:extLst>
+  </p:cSld>
+  <p:clrMapOvr>
+    <a:masterClrMapping/>
+  </p:clrMapOvr>
+  <p:timing>
+    <p:tnLst>
+      <p:par>
+        <p:cTn id="1" dur="indefinite" restart="never" nodeType="tmRoot"/>
+      </p:par>
+    </p:tnLst>
+  </p:timing>
+</p:sld>
+</file>
+
+<file path=ppt/slides/slide25.xml><?xml version="1.0" encoding="utf-8"?>
+<p:sld xmlns:a="http://schemas.openxmlformats.org/drawingml/2006/main" xmlns:r="http://schemas.openxmlformats.org/officeDocument/2006/relationships" xmlns:p="http://schemas.openxmlformats.org/presentationml/2006/main">
+  <p:cSld>
+    <p:spTree>
+      <p:nvGrpSpPr>
+        <p:cNvPr id="1" name=""/>
+        <p:cNvGrpSpPr/>
+        <p:nvPr/>
+      </p:nvGrpSpPr>
+      <p:grpSpPr>
+        <a:xfrm>
+          <a:off x="0" y="0"/>
+          <a:ext cx="0" cy="0"/>
+          <a:chOff x="0" y="0"/>
+          <a:chExt cx="0" cy="0"/>
+        </a:xfrm>
+      </p:grpSpPr>
+      <p:sp>
+        <p:nvSpPr>
+          <p:cNvPr id="2" name="Title 1"/>
+          <p:cNvSpPr>
+            <a:spLocks noGrp="1"/>
+          </p:cNvSpPr>
+          <p:nvPr>
+            <p:ph type="title"/>
+          </p:nvPr>
+        </p:nvSpPr>
+        <p:spPr/>
+        <p:txBody>
+          <a:bodyPr/>
+          <a:lstStyle/>
+          <a:p>
+            <a:endParaRPr lang="en-IN"/>
+          </a:p>
+        </p:txBody>
+      </p:sp>
+      <p:sp>
+        <p:nvSpPr>
+          <p:cNvPr id="3" name="Content Placeholder 2"/>
+          <p:cNvSpPr>
+            <a:spLocks noGrp="1"/>
+          </p:cNvSpPr>
+          <p:nvPr>
+            <p:ph idx="1"/>
+          </p:nvPr>
+        </p:nvSpPr>
+        <p:spPr/>
+        <p:txBody>
+          <a:bodyPr/>
+          <a:lstStyle/>
+          <a:p>
+            <a:endParaRPr lang="en-IN"/>
+          </a:p>
+        </p:txBody>
+      </p:sp>
+    </p:spTree>
+    <p:extLst>
+      <p:ext uri="{BB962C8B-B14F-4D97-AF65-F5344CB8AC3E}">
+        <p14:creationId xmlns:p14="http://schemas.microsoft.com/office/powerpoint/2010/main" val="416594077"/>
+      </p:ext>
+    </p:extLst>
+  </p:cSld>
+  <p:clrMapOvr>
+    <a:masterClrMapping/>
+  </p:clrMapOvr>
+  <p:timing>
+    <p:tnLst>
+      <p:par>
+        <p:cTn id="1" dur="indefinite" restart="never" nodeType="tmRoot"/>
+      </p:par>
+    </p:tnLst>
+  </p:timing>
+</p:sld>
+</file>
+
+<file path=ppt/slides/slide26.xml><?xml version="1.0" encoding="utf-8"?>
+<p:sld xmlns:a="http://schemas.openxmlformats.org/drawingml/2006/main" xmlns:r="http://schemas.openxmlformats.org/officeDocument/2006/relationships" xmlns:p="http://schemas.openxmlformats.org/presentationml/2006/main">
+  <p:cSld>
+    <p:spTree>
+      <p:nvGrpSpPr>
+        <p:cNvPr id="1" name=""/>
+        <p:cNvGrpSpPr/>
+        <p:nvPr/>
+      </p:nvGrpSpPr>
+      <p:grpSpPr>
+        <a:xfrm>
+          <a:off x="0" y="0"/>
+          <a:ext cx="0" cy="0"/>
+          <a:chOff x="0" y="0"/>
+          <a:chExt cx="0" cy="0"/>
+        </a:xfrm>
+      </p:grpSpPr>
+      <p:sp>
+        <p:nvSpPr>
+          <p:cNvPr id="2" name="Title 1"/>
+          <p:cNvSpPr>
+            <a:spLocks noGrp="1"/>
+          </p:cNvSpPr>
+          <p:nvPr>
+            <p:ph type="title"/>
+          </p:nvPr>
+        </p:nvSpPr>
+        <p:spPr/>
+        <p:txBody>
+          <a:bodyPr/>
+          <a:lstStyle/>
+          <a:p>
+            <a:endParaRPr lang="en-IN"/>
+          </a:p>
+        </p:txBody>
+      </p:sp>
+      <p:sp>
+        <p:nvSpPr>
+          <p:cNvPr id="3" name="Content Placeholder 2"/>
+          <p:cNvSpPr>
+            <a:spLocks noGrp="1"/>
+          </p:cNvSpPr>
+          <p:nvPr>
+            <p:ph idx="1"/>
+          </p:nvPr>
+        </p:nvSpPr>
+        <p:spPr/>
+        <p:txBody>
+          <a:bodyPr/>
+          <a:lstStyle/>
+          <a:p>
+            <a:endParaRPr lang="en-IN"/>
+          </a:p>
+        </p:txBody>
+      </p:sp>
+    </p:spTree>
+    <p:extLst>
+      <p:ext uri="{BB962C8B-B14F-4D97-AF65-F5344CB8AC3E}">
+        <p14:creationId xmlns:p14="http://schemas.microsoft.com/office/powerpoint/2010/main" val="2984673309"/>
+      </p:ext>
+    </p:extLst>
+  </p:cSld>
+  <p:clrMapOvr>
+    <a:masterClrMapping/>
+  </p:clrMapOvr>
+  <p:timing>
+    <p:tnLst>
+      <p:par>
+        <p:cTn id="1" dur="indefinite" restart="never" nodeType="tmRoot"/>
+      </p:par>
+    </p:tnLst>
+  </p:timing>
+</p:sld>
+</file>
+
+<file path=ppt/slides/slide27.xml><?xml version="1.0" encoding="utf-8"?>
+<p:sld xmlns:a="http://schemas.openxmlformats.org/drawingml/2006/main" xmlns:r="http://schemas.openxmlformats.org/officeDocument/2006/relationships" xmlns:p="http://schemas.openxmlformats.org/presentationml/2006/main">
+  <p:cSld>
+    <p:spTree>
+      <p:nvGrpSpPr>
+        <p:cNvPr id="1" name=""/>
+        <p:cNvGrpSpPr/>
+        <p:nvPr/>
+      </p:nvGrpSpPr>
+      <p:grpSpPr>
+        <a:xfrm>
+          <a:off x="0" y="0"/>
+          <a:ext cx="0" cy="0"/>
+          <a:chOff x="0" y="0"/>
+          <a:chExt cx="0" cy="0"/>
+        </a:xfrm>
+      </p:grpSpPr>
+      <p:sp>
+        <p:nvSpPr>
+          <p:cNvPr id="2" name="Title 1"/>
+          <p:cNvSpPr>
+            <a:spLocks noGrp="1"/>
+          </p:cNvSpPr>
+          <p:nvPr>
+            <p:ph type="title"/>
+          </p:nvPr>
+        </p:nvSpPr>
+        <p:spPr/>
+        <p:txBody>
+          <a:bodyPr/>
+          <a:lstStyle/>
+          <a:p>
+            <a:endParaRPr lang="en-IN"/>
+          </a:p>
+        </p:txBody>
+      </p:sp>
+      <p:sp>
+        <p:nvSpPr>
+          <p:cNvPr id="3" name="Content Placeholder 2"/>
+          <p:cNvSpPr>
+            <a:spLocks noGrp="1"/>
+          </p:cNvSpPr>
+          <p:nvPr>
+            <p:ph idx="1"/>
+          </p:nvPr>
+        </p:nvSpPr>
+        <p:spPr/>
+        <p:txBody>
+          <a:bodyPr/>
+          <a:lstStyle/>
+          <a:p>
+            <a:endParaRPr lang="en-IN"/>
+          </a:p>
+        </p:txBody>
+      </p:sp>
+    </p:spTree>
+    <p:extLst>
+      <p:ext uri="{BB962C8B-B14F-4D97-AF65-F5344CB8AC3E}">
+        <p14:creationId xmlns:p14="http://schemas.microsoft.com/office/powerpoint/2010/main" val="2982767094"/>
+      </p:ext>
+    </p:extLst>
+  </p:cSld>
+  <p:clrMapOvr>
+    <a:masterClrMapping/>
+  </p:clrMapOvr>
+  <p:timing>
+    <p:tnLst>
+      <p:par>
+        <p:cTn id="1" dur="indefinite" restart="never" nodeType="tmRoot"/>
+      </p:par>
+    </p:tnLst>
+  </p:timing>
+</p:sld>
+</file>
+
+<file path=ppt/slides/slide28.xml><?xml version="1.0" encoding="utf-8"?>
+<p:sld xmlns:a="http://schemas.openxmlformats.org/drawingml/2006/main" xmlns:r="http://schemas.openxmlformats.org/officeDocument/2006/relationships" xmlns:p="http://schemas.openxmlformats.org/presentationml/2006/main">
+  <p:cSld>
+    <p:spTree>
+      <p:nvGrpSpPr>
+        <p:cNvPr id="1" name=""/>
+        <p:cNvGrpSpPr/>
+        <p:nvPr/>
+      </p:nvGrpSpPr>
+      <p:grpSpPr>
+        <a:xfrm>
+          <a:off x="0" y="0"/>
+          <a:ext cx="0" cy="0"/>
+          <a:chOff x="0" y="0"/>
+          <a:chExt cx="0" cy="0"/>
+        </a:xfrm>
+      </p:grpSpPr>
+      <p:sp>
+        <p:nvSpPr>
+          <p:cNvPr id="2" name="Title 1"/>
+          <p:cNvSpPr>
+            <a:spLocks noGrp="1"/>
+          </p:cNvSpPr>
+          <p:nvPr>
+            <p:ph type="title"/>
+          </p:nvPr>
+        </p:nvSpPr>
+        <p:spPr/>
+        <p:txBody>
+          <a:bodyPr/>
+          <a:lstStyle/>
+          <a:p>
+            <a:endParaRPr lang="en-IN"/>
+          </a:p>
+        </p:txBody>
+      </p:sp>
+      <p:sp>
+        <p:nvSpPr>
+          <p:cNvPr id="3" name="Content Placeholder 2"/>
+          <p:cNvSpPr>
+            <a:spLocks noGrp="1"/>
+          </p:cNvSpPr>
+          <p:nvPr>
+            <p:ph idx="1"/>
+          </p:nvPr>
+        </p:nvSpPr>
+        <p:spPr/>
+        <p:txBody>
+          <a:bodyPr/>
+          <a:lstStyle/>
+          <a:p>
+            <a:endParaRPr lang="en-IN"/>
+          </a:p>
+        </p:txBody>
+      </p:sp>
+    </p:spTree>
+    <p:extLst>
+      <p:ext uri="{BB962C8B-B14F-4D97-AF65-F5344CB8AC3E}">
+        <p14:creationId xmlns:p14="http://schemas.microsoft.com/office/powerpoint/2010/main" val="3440476476"/>
+      </p:ext>
+    </p:extLst>
+  </p:cSld>
+  <p:clrMapOvr>
+    <a:masterClrMapping/>
+  </p:clrMapOvr>
+  <p:timing>
+    <p:tnLst>
+      <p:par>
+        <p:cTn id="1" dur="indefinite" restart="never" nodeType="tmRoot"/>
+      </p:par>
+    </p:tnLst>
+  </p:timing>
+</p:sld>
+</file>
+
+<file path=ppt/slides/slide29.xml><?xml version="1.0" encoding="utf-8"?>
+<p:sld xmlns:a="http://schemas.openxmlformats.org/drawingml/2006/main" xmlns:r="http://schemas.openxmlformats.org/officeDocument/2006/relationships" xmlns:p="http://schemas.openxmlformats.org/presentationml/2006/main">
+  <p:cSld>
+    <p:spTree>
+      <p:nvGrpSpPr>
+        <p:cNvPr id="1" name=""/>
+        <p:cNvGrpSpPr/>
+        <p:nvPr/>
+      </p:nvGrpSpPr>
+      <p:grpSpPr>
+        <a:xfrm>
+          <a:off x="0" y="0"/>
+          <a:ext cx="0" cy="0"/>
+          <a:chOff x="0" y="0"/>
+          <a:chExt cx="0" cy="0"/>
+        </a:xfrm>
+      </p:grpSpPr>
+      <p:sp>
+        <p:nvSpPr>
+          <p:cNvPr id="2" name="Title 1"/>
+          <p:cNvSpPr>
+            <a:spLocks noGrp="1"/>
+          </p:cNvSpPr>
+          <p:nvPr>
+            <p:ph type="title"/>
+          </p:nvPr>
+        </p:nvSpPr>
+        <p:spPr/>
+        <p:txBody>
+          <a:bodyPr/>
+          <a:lstStyle/>
+          <a:p>
+            <a:endParaRPr lang="en-IN"/>
+          </a:p>
+        </p:txBody>
+      </p:sp>
+      <p:sp>
+        <p:nvSpPr>
+          <p:cNvPr id="3" name="Content Placeholder 2"/>
+          <p:cNvSpPr>
+            <a:spLocks noGrp="1"/>
+          </p:cNvSpPr>
+          <p:nvPr>
+            <p:ph idx="1"/>
+          </p:nvPr>
+        </p:nvSpPr>
+        <p:spPr/>
+        <p:txBody>
+          <a:bodyPr/>
+          <a:lstStyle/>
+          <a:p>
+            <a:endParaRPr lang="en-IN"/>
+          </a:p>
+        </p:txBody>
+      </p:sp>
+    </p:spTree>
+    <p:extLst>
+      <p:ext uri="{BB962C8B-B14F-4D97-AF65-F5344CB8AC3E}">
+        <p14:creationId xmlns:p14="http://schemas.microsoft.com/office/powerpoint/2010/main" val="3919129782"/>
+      </p:ext>
+    </p:extLst>
+  </p:cSld>
+  <p:clrMapOvr>
+    <a:masterClrMapping/>
+  </p:clrMapOvr>
+  <p:timing>
+    <p:tnLst>
+      <p:par>
+        <p:cTn id="1" dur="indefinite" restart="never" nodeType="tmRoot"/>
+      </p:par>
+    </p:tnLst>
+  </p:timing>
+</p:sld>
+</file>
+
+<file path=ppt/slides/slide3.xml><?xml version="1.0" encoding="utf-8"?>
+<p:sld xmlns:a="http://schemas.openxmlformats.org/drawingml/2006/main" xmlns:r="http://schemas.openxmlformats.org/officeDocument/2006/relationships" xmlns:p="http://schemas.openxmlformats.org/presentationml/2006/main">
+  <p:cSld>
+    <p:spTree>
+      <p:nvGrpSpPr>
+        <p:cNvPr id="1" name=""/>
+        <p:cNvGrpSpPr/>
+        <p:nvPr/>
+      </p:nvGrpSpPr>
+      <p:grpSpPr>
+        <a:xfrm>
+          <a:off x="0" y="0"/>
+          <a:ext cx="0" cy="0"/>
+          <a:chOff x="0" y="0"/>
+          <a:chExt cx="0" cy="0"/>
+        </a:xfrm>
+      </p:grpSpPr>
+      <p:sp>
+        <p:nvSpPr>
+          <p:cNvPr id="2" name="Title 1"/>
+          <p:cNvSpPr>
+            <a:spLocks noGrp="1"/>
+          </p:cNvSpPr>
+          <p:nvPr>
+            <p:ph type="title"/>
+          </p:nvPr>
+        </p:nvSpPr>
+        <p:spPr/>
+        <p:txBody>
+          <a:bodyPr/>
+          <a:lstStyle/>
+          <a:p>
+            <a:endParaRPr lang="en-IN"/>
+          </a:p>
+        </p:txBody>
+      </p:sp>
+      <p:sp>
+        <p:nvSpPr>
+          <p:cNvPr id="3" name="Content Placeholder 2"/>
+          <p:cNvSpPr>
+            <a:spLocks noGrp="1"/>
+          </p:cNvSpPr>
+          <p:nvPr>
+            <p:ph idx="1"/>
+          </p:nvPr>
+        </p:nvSpPr>
+        <p:spPr/>
+        <p:txBody>
+          <a:bodyPr/>
+          <a:lstStyle/>
+          <a:p>
+            <a:endParaRPr lang="en-IN"/>
+          </a:p>
+        </p:txBody>
+      </p:sp>
+    </p:spTree>
+    <p:extLst>
+      <p:ext uri="{BB962C8B-B14F-4D97-AF65-F5344CB8AC3E}">
+        <p14:creationId xmlns:p14="http://schemas.microsoft.com/office/powerpoint/2010/main" val="1967438098"/>
+      </p:ext>
+    </p:extLst>
+  </p:cSld>
+  <p:clrMapOvr>
+    <a:masterClrMapping/>
+  </p:clrMapOvr>
+  <p:timing>
+    <p:tnLst>
+      <p:par>
+        <p:cTn id="1" dur="indefinite" restart="never" nodeType="tmRoot"/>
+      </p:par>
+    </p:tnLst>
+  </p:timing>
+</p:sld>
+</file>
+
+<file path=ppt/slides/slide30.xml><?xml version="1.0" encoding="utf-8"?>
+<p:sld xmlns:a="http://schemas.openxmlformats.org/drawingml/2006/main" xmlns:r="http://schemas.openxmlformats.org/officeDocument/2006/relationships" xmlns:p="http://schemas.openxmlformats.org/presentationml/2006/main">
+  <p:cSld>
+    <p:spTree>
+      <p:nvGrpSpPr>
+        <p:cNvPr id="1" name=""/>
+        <p:cNvGrpSpPr/>
+        <p:nvPr/>
+      </p:nvGrpSpPr>
+      <p:grpSpPr>
+        <a:xfrm>
+          <a:off x="0" y="0"/>
+          <a:ext cx="0" cy="0"/>
+          <a:chOff x="0" y="0"/>
+          <a:chExt cx="0" cy="0"/>
+        </a:xfrm>
+      </p:grpSpPr>
+      <p:sp>
+        <p:nvSpPr>
+          <p:cNvPr id="2" name="Title 1"/>
+          <p:cNvSpPr>
+            <a:spLocks noGrp="1"/>
+          </p:cNvSpPr>
+          <p:nvPr>
+            <p:ph type="title"/>
+          </p:nvPr>
+        </p:nvSpPr>
+        <p:spPr/>
+        <p:txBody>
+          <a:bodyPr/>
+          <a:lstStyle/>
+          <a:p>
+            <a:endParaRPr lang="en-IN"/>
+          </a:p>
+        </p:txBody>
+      </p:sp>
+      <p:sp>
+        <p:nvSpPr>
+          <p:cNvPr id="3" name="Content Placeholder 2"/>
+          <p:cNvSpPr>
+            <a:spLocks noGrp="1"/>
+          </p:cNvSpPr>
+          <p:nvPr>
+            <p:ph idx="1"/>
+          </p:nvPr>
+        </p:nvSpPr>
+        <p:spPr/>
+        <p:txBody>
+          <a:bodyPr/>
+          <a:lstStyle/>
+          <a:p>
+            <a:endParaRPr lang="en-IN"/>
+          </a:p>
+        </p:txBody>
+      </p:sp>
+    </p:spTree>
+    <p:extLst>
+      <p:ext uri="{BB962C8B-B14F-4D97-AF65-F5344CB8AC3E}">
+        <p14:creationId xmlns:p14="http://schemas.microsoft.com/office/powerpoint/2010/main" val="3542084103"/>
+      </p:ext>
+    </p:extLst>
+  </p:cSld>
+  <p:clrMapOvr>
+    <a:masterClrMapping/>
+  </p:clrMapOvr>
+  <p:timing>
+    <p:tnLst>
+      <p:par>
+        <p:cTn id="1" dur="indefinite" restart="never" nodeType="tmRoot"/>
+      </p:par>
+    </p:tnLst>
+  </p:timing>
+</p:sld>
+</file>
+
+<file path=ppt/slides/slide31.xml><?xml version="1.0" encoding="utf-8"?>
+<p:sld xmlns:a="http://schemas.openxmlformats.org/drawingml/2006/main" xmlns:r="http://schemas.openxmlformats.org/officeDocument/2006/relationships" xmlns:p="http://schemas.openxmlformats.org/presentationml/2006/main">
+  <p:cSld>
+    <p:spTree>
+      <p:nvGrpSpPr>
+        <p:cNvPr id="1" name=""/>
+        <p:cNvGrpSpPr/>
+        <p:nvPr/>
+      </p:nvGrpSpPr>
+      <p:grpSpPr>
+        <a:xfrm>
+          <a:off x="0" y="0"/>
+          <a:ext cx="0" cy="0"/>
+          <a:chOff x="0" y="0"/>
+          <a:chExt cx="0" cy="0"/>
+        </a:xfrm>
+      </p:grpSpPr>
+      <p:sp>
+        <p:nvSpPr>
+          <p:cNvPr id="2" name="Title 1"/>
+          <p:cNvSpPr>
+            <a:spLocks noGrp="1"/>
+          </p:cNvSpPr>
+          <p:nvPr>
+            <p:ph type="title"/>
+          </p:nvPr>
+        </p:nvSpPr>
+        <p:spPr/>
+        <p:txBody>
+          <a:bodyPr/>
+          <a:lstStyle/>
+          <a:p>
+            <a:endParaRPr lang="en-IN"/>
+          </a:p>
+        </p:txBody>
+      </p:sp>
+      <p:sp>
+        <p:nvSpPr>
+          <p:cNvPr id="3" name="Content Placeholder 2"/>
+          <p:cNvSpPr>
+            <a:spLocks noGrp="1"/>
+          </p:cNvSpPr>
+          <p:nvPr>
+            <p:ph idx="1"/>
+          </p:nvPr>
+        </p:nvSpPr>
+        <p:spPr/>
+        <p:txBody>
+          <a:bodyPr/>
+          <a:lstStyle/>
+          <a:p>
+            <a:endParaRPr lang="en-IN"/>
+          </a:p>
+        </p:txBody>
+      </p:sp>
+    </p:spTree>
+    <p:extLst>
+      <p:ext uri="{BB962C8B-B14F-4D97-AF65-F5344CB8AC3E}">
+        <p14:creationId xmlns:p14="http://schemas.microsoft.com/office/powerpoint/2010/main" val="1211221237"/>
+      </p:ext>
+    </p:extLst>
+  </p:cSld>
+  <p:clrMapOvr>
+    <a:masterClrMapping/>
+  </p:clrMapOvr>
+  <p:timing>
+    <p:tnLst>
+      <p:par>
+        <p:cTn id="1" dur="indefinite" restart="never" nodeType="tmRoot"/>
+      </p:par>
+    </p:tnLst>
+  </p:timing>
+</p:sld>
+</file>
+
+<file path=ppt/slides/slide32.xml><?xml version="1.0" encoding="utf-8"?>
+<p:sld xmlns:a="http://schemas.openxmlformats.org/drawingml/2006/main" xmlns:r="http://schemas.openxmlformats.org/officeDocument/2006/relationships" xmlns:p="http://schemas.openxmlformats.org/presentationml/2006/main">
+  <p:cSld>
+    <p:spTree>
+      <p:nvGrpSpPr>
+        <p:cNvPr id="1" name=""/>
+        <p:cNvGrpSpPr/>
+        <p:nvPr/>
+      </p:nvGrpSpPr>
+      <p:grpSpPr>
+        <a:xfrm>
+          <a:off x="0" y="0"/>
+          <a:ext cx="0" cy="0"/>
+          <a:chOff x="0" y="0"/>
+          <a:chExt cx="0" cy="0"/>
+        </a:xfrm>
+      </p:grpSpPr>
+      <p:sp>
+        <p:nvSpPr>
+          <p:cNvPr id="2" name="Title 1"/>
+          <p:cNvSpPr>
+            <a:spLocks noGrp="1"/>
+          </p:cNvSpPr>
+          <p:nvPr>
+            <p:ph type="title"/>
+          </p:nvPr>
+        </p:nvSpPr>
+        <p:spPr/>
+        <p:txBody>
+          <a:bodyPr/>
+          <a:lstStyle/>
+          <a:p>
+            <a:endParaRPr lang="en-IN"/>
+          </a:p>
+        </p:txBody>
+      </p:sp>
+      <p:sp>
+        <p:nvSpPr>
+          <p:cNvPr id="3" name="Content Placeholder 2"/>
+          <p:cNvSpPr>
+            <a:spLocks noGrp="1"/>
+          </p:cNvSpPr>
+          <p:nvPr>
+            <p:ph idx="1"/>
+          </p:nvPr>
+        </p:nvSpPr>
+        <p:spPr/>
+        <p:txBody>
+          <a:bodyPr/>
+          <a:lstStyle/>
+          <a:p>
+            <a:endParaRPr lang="en-IN"/>
+          </a:p>
+        </p:txBody>
+      </p:sp>
+    </p:spTree>
+    <p:extLst>
+      <p:ext uri="{BB962C8B-B14F-4D97-AF65-F5344CB8AC3E}">
+        <p14:creationId xmlns:p14="http://schemas.microsoft.com/office/powerpoint/2010/main" val="47746057"/>
+      </p:ext>
+    </p:extLst>
+  </p:cSld>
+  <p:clrMapOvr>
+    <a:masterClrMapping/>
+  </p:clrMapOvr>
+  <p:timing>
+    <p:tnLst>
+      <p:par>
+        <p:cTn id="1" dur="indefinite" restart="never" nodeType="tmRoot"/>
+      </p:par>
+    </p:tnLst>
+  </p:timing>
+</p:sld>
+</file>
+
+<file path=ppt/slides/slide33.xml><?xml version="1.0" encoding="utf-8"?>
+<p:sld xmlns:a="http://schemas.openxmlformats.org/drawingml/2006/main" xmlns:r="http://schemas.openxmlformats.org/officeDocument/2006/relationships" xmlns:p="http://schemas.openxmlformats.org/presentationml/2006/main">
+  <p:cSld>
+    <p:spTree>
+      <p:nvGrpSpPr>
+        <p:cNvPr id="1" name=""/>
+        <p:cNvGrpSpPr/>
+        <p:nvPr/>
+      </p:nvGrpSpPr>
+      <p:grpSpPr>
+        <a:xfrm>
+          <a:off x="0" y="0"/>
+          <a:ext cx="0" cy="0"/>
+          <a:chOff x="0" y="0"/>
+          <a:chExt cx="0" cy="0"/>
+        </a:xfrm>
+      </p:grpSpPr>
+      <p:sp>
+        <p:nvSpPr>
+          <p:cNvPr id="2" name="Title 1"/>
+          <p:cNvSpPr>
+            <a:spLocks noGrp="1"/>
+          </p:cNvSpPr>
+          <p:nvPr>
+            <p:ph type="title"/>
+          </p:nvPr>
+        </p:nvSpPr>
+        <p:spPr/>
+        <p:txBody>
+          <a:bodyPr/>
+          <a:lstStyle/>
+          <a:p>
+            <a:endParaRPr lang="en-IN"/>
+          </a:p>
+        </p:txBody>
+      </p:sp>
+      <p:sp>
+        <p:nvSpPr>
+          <p:cNvPr id="3" name="Content Placeholder 2"/>
+          <p:cNvSpPr>
+            <a:spLocks noGrp="1"/>
+          </p:cNvSpPr>
+          <p:nvPr>
+            <p:ph idx="1"/>
+          </p:nvPr>
+        </p:nvSpPr>
+        <p:spPr/>
+        <p:txBody>
+          <a:bodyPr/>
+          <a:lstStyle/>
+          <a:p>
+            <a:endParaRPr lang="en-IN"/>
+          </a:p>
+        </p:txBody>
+      </p:sp>
+    </p:spTree>
+    <p:extLst>
+      <p:ext uri="{BB962C8B-B14F-4D97-AF65-F5344CB8AC3E}">
+        <p14:creationId xmlns:p14="http://schemas.microsoft.com/office/powerpoint/2010/main" val="1886085611"/>
+      </p:ext>
+    </p:extLst>
+  </p:cSld>
+  <p:clrMapOvr>
+    <a:masterClrMapping/>
+  </p:clrMapOvr>
+  <p:timing>
+    <p:tnLst>
+      <p:par>
+        <p:cTn id="1" dur="indefinite" restart="never" nodeType="tmRoot"/>
+      </p:par>
+    </p:tnLst>
+  </p:timing>
+</p:sld>
+</file>
+
+<file path=ppt/slides/slide34.xml><?xml version="1.0" encoding="utf-8"?>
+<p:sld xmlns:a="http://schemas.openxmlformats.org/drawingml/2006/main" xmlns:r="http://schemas.openxmlformats.org/officeDocument/2006/relationships" xmlns:p="http://schemas.openxmlformats.org/presentationml/2006/main">
+  <p:cSld>
+    <p:spTree>
+      <p:nvGrpSpPr>
+        <p:cNvPr id="1" name=""/>
+        <p:cNvGrpSpPr/>
+        <p:nvPr/>
+      </p:nvGrpSpPr>
+      <p:grpSpPr>
+        <a:xfrm>
+          <a:off x="0" y="0"/>
+          <a:ext cx="0" cy="0"/>
+          <a:chOff x="0" y="0"/>
+          <a:chExt cx="0" cy="0"/>
+        </a:xfrm>
+      </p:grpSpPr>
+      <p:sp>
+        <p:nvSpPr>
+          <p:cNvPr id="2" name="Title 1"/>
+          <p:cNvSpPr>
+            <a:spLocks noGrp="1"/>
+          </p:cNvSpPr>
+          <p:nvPr>
+            <p:ph type="title"/>
+          </p:nvPr>
+        </p:nvSpPr>
+        <p:spPr/>
+        <p:txBody>
+          <a:bodyPr/>
+          <a:lstStyle/>
+          <a:p>
+            <a:endParaRPr lang="en-IN"/>
+          </a:p>
+        </p:txBody>
+      </p:sp>
+      <p:sp>
+        <p:nvSpPr>
+          <p:cNvPr id="3" name="Content Placeholder 2"/>
+          <p:cNvSpPr>
+            <a:spLocks noGrp="1"/>
+          </p:cNvSpPr>
+          <p:nvPr>
+            <p:ph idx="1"/>
+          </p:nvPr>
+        </p:nvSpPr>
+        <p:spPr/>
+        <p:txBody>
+          <a:bodyPr/>
+          <a:lstStyle/>
+          <a:p>
+            <a:endParaRPr lang="en-IN"/>
+          </a:p>
+        </p:txBody>
+      </p:sp>
+    </p:spTree>
+    <p:extLst>
+      <p:ext uri="{BB962C8B-B14F-4D97-AF65-F5344CB8AC3E}">
+        <p14:creationId xmlns:p14="http://schemas.microsoft.com/office/powerpoint/2010/main" val="1807988227"/>
+      </p:ext>
+    </p:extLst>
+  </p:cSld>
+  <p:clrMapOvr>
+    <a:masterClrMapping/>
+  </p:clrMapOvr>
+  <p:timing>
+    <p:tnLst>
+      <p:par>
+        <p:cTn id="1" dur="indefinite" restart="never" nodeType="tmRoot"/>
+      </p:par>
+    </p:tnLst>
+  </p:timing>
+</p:sld>
+</file>
+
+<file path=ppt/slides/slide35.xml><?xml version="1.0" encoding="utf-8"?>
+<p:sld xmlns:a="http://schemas.openxmlformats.org/drawingml/2006/main" xmlns:r="http://schemas.openxmlformats.org/officeDocument/2006/relationships" xmlns:p="http://schemas.openxmlformats.org/presentationml/2006/main">
+  <p:cSld>
+    <p:spTree>
+      <p:nvGrpSpPr>
+        <p:cNvPr id="1" name=""/>
+        <p:cNvGrpSpPr/>
+        <p:nvPr/>
+      </p:nvGrpSpPr>
+      <p:grpSpPr>
+        <a:xfrm>
+          <a:off x="0" y="0"/>
+          <a:ext cx="0" cy="0"/>
+          <a:chOff x="0" y="0"/>
+          <a:chExt cx="0" cy="0"/>
+        </a:xfrm>
+      </p:grpSpPr>
+      <p:sp>
+        <p:nvSpPr>
+          <p:cNvPr id="2" name="Title 1"/>
+          <p:cNvSpPr>
+            <a:spLocks noGrp="1"/>
+          </p:cNvSpPr>
+          <p:nvPr>
+            <p:ph type="title"/>
+          </p:nvPr>
+        </p:nvSpPr>
+        <p:spPr/>
+        <p:txBody>
+          <a:bodyPr/>
+          <a:lstStyle/>
+          <a:p>
+            <a:endParaRPr lang="en-IN"/>
+          </a:p>
+        </p:txBody>
+      </p:sp>
+      <p:sp>
+        <p:nvSpPr>
+          <p:cNvPr id="3" name="Content Placeholder 2"/>
+          <p:cNvSpPr>
+            <a:spLocks noGrp="1"/>
+          </p:cNvSpPr>
+          <p:nvPr>
+            <p:ph idx="1"/>
+          </p:nvPr>
+        </p:nvSpPr>
+        <p:spPr/>
+        <p:txBody>
+          <a:bodyPr/>
+          <a:lstStyle/>
+          <a:p>
+            <a:endParaRPr lang="en-IN"/>
+          </a:p>
+        </p:txBody>
+      </p:sp>
+    </p:spTree>
+    <p:extLst>
+      <p:ext uri="{BB962C8B-B14F-4D97-AF65-F5344CB8AC3E}">
+        <p14:creationId xmlns:p14="http://schemas.microsoft.com/office/powerpoint/2010/main" val="1691760823"/>
+      </p:ext>
+    </p:extLst>
+  </p:cSld>
+  <p:clrMapOvr>
+    <a:masterClrMapping/>
+  </p:clrMapOvr>
+  <p:timing>
+    <p:tnLst>
+      <p:par>
+        <p:cTn id="1" dur="indefinite" restart="never" nodeType="tmRoot"/>
+      </p:par>
+    </p:tnLst>
+  </p:timing>
+</p:sld>
+</file>
+
+<file path=ppt/slides/slide36.xml><?xml version="1.0" encoding="utf-8"?>
+<p:sld xmlns:a="http://schemas.openxmlformats.org/drawingml/2006/main" xmlns:r="http://schemas.openxmlformats.org/officeDocument/2006/relationships" xmlns:p="http://schemas.openxmlformats.org/presentationml/2006/main">
+  <p:cSld>
+    <p:spTree>
+      <p:nvGrpSpPr>
+        <p:cNvPr id="1" name=""/>
+        <p:cNvGrpSpPr/>
+        <p:nvPr/>
+      </p:nvGrpSpPr>
+      <p:grpSpPr>
+        <a:xfrm>
+          <a:off x="0" y="0"/>
+          <a:ext cx="0" cy="0"/>
+          <a:chOff x="0" y="0"/>
+          <a:chExt cx="0" cy="0"/>
+        </a:xfrm>
+      </p:grpSpPr>
+      <p:sp>
+        <p:nvSpPr>
+          <p:cNvPr id="2" name="Title 1"/>
+          <p:cNvSpPr>
+            <a:spLocks noGrp="1"/>
+          </p:cNvSpPr>
+          <p:nvPr>
+            <p:ph type="title"/>
+          </p:nvPr>
+        </p:nvSpPr>
+        <p:spPr/>
+        <p:txBody>
+          <a:bodyPr/>
+          <a:lstStyle/>
+          <a:p>
+            <a:endParaRPr lang="en-IN"/>
+          </a:p>
+        </p:txBody>
+      </p:sp>
+      <p:sp>
+        <p:nvSpPr>
+          <p:cNvPr id="3" name="Content Placeholder 2"/>
+          <p:cNvSpPr>
+            <a:spLocks noGrp="1"/>
+          </p:cNvSpPr>
+          <p:nvPr>
+            <p:ph idx="1"/>
+          </p:nvPr>
+        </p:nvSpPr>
+        <p:spPr/>
+        <p:txBody>
+          <a:bodyPr/>
+          <a:lstStyle/>
+          <a:p>
+            <a:endParaRPr lang="en-IN"/>
+          </a:p>
+        </p:txBody>
+      </p:sp>
+    </p:spTree>
+    <p:extLst>
+      <p:ext uri="{BB962C8B-B14F-4D97-AF65-F5344CB8AC3E}">
+        <p14:creationId xmlns:p14="http://schemas.microsoft.com/office/powerpoint/2010/main" val="2854847956"/>
+      </p:ext>
+    </p:extLst>
+  </p:cSld>
+  <p:clrMapOvr>
+    <a:masterClrMapping/>
+  </p:clrMapOvr>
+  <p:timing>
+    <p:tnLst>
+      <p:par>
+        <p:cTn id="1" dur="indefinite" restart="never" nodeType="tmRoot"/>
+      </p:par>
+    </p:tnLst>
+  </p:timing>
+</p:sld>
+</file>
+
+<file path=ppt/slides/slide37.xml><?xml version="1.0" encoding="utf-8"?>
+<p:sld xmlns:a="http://schemas.openxmlformats.org/drawingml/2006/main" xmlns:r="http://schemas.openxmlformats.org/officeDocument/2006/relationships" xmlns:p="http://schemas.openxmlformats.org/presentationml/2006/main">
+  <p:cSld>
+    <p:spTree>
+      <p:nvGrpSpPr>
+        <p:cNvPr id="1" name=""/>
+        <p:cNvGrpSpPr/>
+        <p:nvPr/>
+      </p:nvGrpSpPr>
+      <p:grpSpPr>
+        <a:xfrm>
+          <a:off x="0" y="0"/>
+          <a:ext cx="0" cy="0"/>
+          <a:chOff x="0" y="0"/>
+          <a:chExt cx="0" cy="0"/>
+        </a:xfrm>
+      </p:grpSpPr>
+      <p:sp>
+        <p:nvSpPr>
+          <p:cNvPr id="2" name="Title 1"/>
+          <p:cNvSpPr>
+            <a:spLocks noGrp="1"/>
+          </p:cNvSpPr>
+          <p:nvPr>
+            <p:ph type="title"/>
+          </p:nvPr>
+        </p:nvSpPr>
+        <p:spPr/>
+        <p:txBody>
+          <a:bodyPr/>
+          <a:lstStyle/>
+          <a:p>
+            <a:endParaRPr lang="en-IN"/>
+          </a:p>
+        </p:txBody>
+      </p:sp>
+      <p:sp>
+        <p:nvSpPr>
+          <p:cNvPr id="3" name="Content Placeholder 2"/>
+          <p:cNvSpPr>
+            <a:spLocks noGrp="1"/>
+          </p:cNvSpPr>
+          <p:nvPr>
+            <p:ph idx="1"/>
+          </p:nvPr>
+        </p:nvSpPr>
+        <p:spPr/>
+        <p:txBody>
+          <a:bodyPr/>
+          <a:lstStyle/>
+          <a:p>
+            <a:endParaRPr lang="en-IN"/>
+          </a:p>
+        </p:txBody>
+      </p:sp>
+    </p:spTree>
+    <p:extLst>
+      <p:ext uri="{BB962C8B-B14F-4D97-AF65-F5344CB8AC3E}">
+        <p14:creationId xmlns:p14="http://schemas.microsoft.com/office/powerpoint/2010/main" val="3448597584"/>
+      </p:ext>
+    </p:extLst>
+  </p:cSld>
+  <p:clrMapOvr>
+    <a:masterClrMapping/>
+  </p:clrMapOvr>
+  <p:timing>
+    <p:tnLst>
+      <p:par>
+        <p:cTn id="1" dur="indefinite" restart="never" nodeType="tmRoot"/>
+      </p:par>
+    </p:tnLst>
+  </p:timing>
+</p:sld>
+</file>
+
+<file path=ppt/slides/slide38.xml><?xml version="1.0" encoding="utf-8"?>
+<p:sld xmlns:a="http://schemas.openxmlformats.org/drawingml/2006/main" xmlns:r="http://schemas.openxmlformats.org/officeDocument/2006/relationships" xmlns:p="http://schemas.openxmlformats.org/presentationml/2006/main">
+  <p:cSld>
+    <p:spTree>
+      <p:nvGrpSpPr>
+        <p:cNvPr id="1" name=""/>
+        <p:cNvGrpSpPr/>
+        <p:nvPr/>
+      </p:nvGrpSpPr>
+      <p:grpSpPr>
+        <a:xfrm>
+          <a:off x="0" y="0"/>
+          <a:ext cx="0" cy="0"/>
+          <a:chOff x="0" y="0"/>
+          <a:chExt cx="0" cy="0"/>
+        </a:xfrm>
+      </p:grpSpPr>
+      <p:sp>
+        <p:nvSpPr>
+          <p:cNvPr id="2" name="Title 1"/>
+          <p:cNvSpPr>
+            <a:spLocks noGrp="1"/>
+          </p:cNvSpPr>
+          <p:nvPr>
+            <p:ph type="title"/>
+          </p:nvPr>
+        </p:nvSpPr>
+        <p:spPr/>
+        <p:txBody>
+          <a:bodyPr/>
+          <a:lstStyle/>
+          <a:p>
+            <a:endParaRPr lang="en-IN"/>
+          </a:p>
+        </p:txBody>
+      </p:sp>
+      <p:sp>
+        <p:nvSpPr>
+          <p:cNvPr id="3" name="Content Placeholder 2"/>
+          <p:cNvSpPr>
+            <a:spLocks noGrp="1"/>
+          </p:cNvSpPr>
+          <p:nvPr>
+            <p:ph idx="1"/>
+          </p:nvPr>
+        </p:nvSpPr>
+        <p:spPr/>
+        <p:txBody>
+          <a:bodyPr/>
+          <a:lstStyle/>
+          <a:p>
+            <a:endParaRPr lang="en-IN"/>
+          </a:p>
+        </p:txBody>
+      </p:sp>
+    </p:spTree>
+    <p:extLst>
+      <p:ext uri="{BB962C8B-B14F-4D97-AF65-F5344CB8AC3E}">
+        <p14:creationId xmlns:p14="http://schemas.microsoft.com/office/powerpoint/2010/main" val="3371123268"/>
+      </p:ext>
+    </p:extLst>
+  </p:cSld>
+  <p:clrMapOvr>
+    <a:masterClrMapping/>
+  </p:clrMapOvr>
+  <p:timing>
+    <p:tnLst>
+      <p:par>
+        <p:cTn id="1" dur="indefinite" restart="never" nodeType="tmRoot"/>
+      </p:par>
+    </p:tnLst>
+  </p:timing>
+</p:sld>
+</file>
+
+<file path=ppt/slides/slide39.xml><?xml version="1.0" encoding="utf-8"?>
+<p:sld xmlns:a="http://schemas.openxmlformats.org/drawingml/2006/main" xmlns:r="http://schemas.openxmlformats.org/officeDocument/2006/relationships" xmlns:p="http://schemas.openxmlformats.org/presentationml/2006/main">
+  <p:cSld>
+    <p:spTree>
+      <p:nvGrpSpPr>
+        <p:cNvPr id="1" name=""/>
+        <p:cNvGrpSpPr/>
+        <p:nvPr/>
+      </p:nvGrpSpPr>
+      <p:grpSpPr>
+        <a:xfrm>
+          <a:off x="0" y="0"/>
+          <a:ext cx="0" cy="0"/>
+          <a:chOff x="0" y="0"/>
+          <a:chExt cx="0" cy="0"/>
+        </a:xfrm>
+      </p:grpSpPr>
+      <p:sp>
+        <p:nvSpPr>
+          <p:cNvPr id="2" name="Title 1"/>
+          <p:cNvSpPr>
+            <a:spLocks noGrp="1"/>
+          </p:cNvSpPr>
+          <p:nvPr>
+            <p:ph type="title"/>
+          </p:nvPr>
+        </p:nvSpPr>
+        <p:spPr/>
+        <p:txBody>
+          <a:bodyPr/>
+          <a:lstStyle/>
+          <a:p>
+            <a:endParaRPr lang="en-IN"/>
+          </a:p>
+        </p:txBody>
+      </p:sp>
+      <p:sp>
+        <p:nvSpPr>
+          <p:cNvPr id="3" name="Content Placeholder 2"/>
+          <p:cNvSpPr>
+            <a:spLocks noGrp="1"/>
+          </p:cNvSpPr>
+          <p:nvPr>
+            <p:ph idx="1"/>
+          </p:nvPr>
+        </p:nvSpPr>
+        <p:spPr/>
+        <p:txBody>
+          <a:bodyPr/>
+          <a:lstStyle/>
+          <a:p>
+            <a:endParaRPr lang="en-IN"/>
+          </a:p>
+        </p:txBody>
+      </p:sp>
+    </p:spTree>
+    <p:extLst>
+      <p:ext uri="{BB962C8B-B14F-4D97-AF65-F5344CB8AC3E}">
+        <p14:creationId xmlns:p14="http://schemas.microsoft.com/office/powerpoint/2010/main" val="1561267744"/>
+      </p:ext>
+    </p:extLst>
+  </p:cSld>
+  <p:clrMapOvr>
+    <a:masterClrMapping/>
+  </p:clrMapOvr>
+  <p:timing>
+    <p:tnLst>
+      <p:par>
+        <p:cTn id="1" dur="indefinite" restart="never" nodeType="tmRoot"/>
+      </p:par>
+    </p:tnLst>
+  </p:timing>
+</p:sld>
+</file>
+
+<file path=ppt/slides/slide4.xml><?xml version="1.0" encoding="utf-8"?>
+<p:sld xmlns:a="http://schemas.openxmlformats.org/drawingml/2006/main" xmlns:r="http://schemas.openxmlformats.org/officeDocument/2006/relationships" xmlns:p="http://schemas.openxmlformats.org/presentationml/2006/main">
+  <p:cSld>
+    <p:spTree>
+      <p:nvGrpSpPr>
+        <p:cNvPr id="1" name=""/>
+        <p:cNvGrpSpPr/>
+        <p:nvPr/>
+      </p:nvGrpSpPr>
+      <p:grpSpPr>
+        <a:xfrm>
+          <a:off x="0" y="0"/>
+          <a:ext cx="0" cy="0"/>
+          <a:chOff x="0" y="0"/>
+          <a:chExt cx="0" cy="0"/>
+        </a:xfrm>
+      </p:grpSpPr>
+      <p:sp>
+        <p:nvSpPr>
+          <p:cNvPr id="2" name="Title 1"/>
+          <p:cNvSpPr>
+            <a:spLocks noGrp="1"/>
+          </p:cNvSpPr>
+          <p:nvPr>
+            <p:ph type="title"/>
+          </p:nvPr>
+        </p:nvSpPr>
+        <p:spPr/>
+        <p:txBody>
+          <a:bodyPr/>
+          <a:lstStyle/>
+          <a:p>
+            <a:endParaRPr lang="en-IN"/>
+          </a:p>
+        </p:txBody>
+      </p:sp>
+      <p:sp>
+        <p:nvSpPr>
+          <p:cNvPr id="3" name="Content Placeholder 2"/>
+          <p:cNvSpPr>
+            <a:spLocks noGrp="1"/>
+          </p:cNvSpPr>
+          <p:nvPr>
+            <p:ph idx="1"/>
+          </p:nvPr>
+        </p:nvSpPr>
+        <p:spPr/>
+        <p:txBody>
+          <a:bodyPr/>
+          <a:lstStyle/>
+          <a:p>
+            <a:endParaRPr lang="en-IN"/>
+          </a:p>
+        </p:txBody>
+      </p:sp>
+    </p:spTree>
+    <p:extLst>
+      <p:ext uri="{BB962C8B-B14F-4D97-AF65-F5344CB8AC3E}">
+        <p14:creationId xmlns:p14="http://schemas.microsoft.com/office/powerpoint/2010/main" val="444814100"/>
+      </p:ext>
+    </p:extLst>
+  </p:cSld>
+  <p:clrMapOvr>
+    <a:masterClrMapping/>
+  </p:clrMapOvr>
+  <p:timing>
+    <p:tnLst>
+      <p:par>
+        <p:cTn id="1" dur="indefinite" restart="never" nodeType="tmRoot"/>
+      </p:par>
+    </p:tnLst>
+  </p:timing>
+</p:sld>
+</file>
+
+<file path=ppt/slides/slide40.xml><?xml version="1.0" encoding="utf-8"?>
+<p:sld xmlns:a="http://schemas.openxmlformats.org/drawingml/2006/main" xmlns:r="http://schemas.openxmlformats.org/officeDocument/2006/relationships" xmlns:p="http://schemas.openxmlformats.org/presentationml/2006/main">
+  <p:cSld>
+    <p:spTree>
+      <p:nvGrpSpPr>
+        <p:cNvPr id="1" name=""/>
+        <p:cNvGrpSpPr/>
+        <p:nvPr/>
+      </p:nvGrpSpPr>
+      <p:grpSpPr>
+        <a:xfrm>
+          <a:off x="0" y="0"/>
+          <a:ext cx="0" cy="0"/>
+          <a:chOff x="0" y="0"/>
+          <a:chExt cx="0" cy="0"/>
+        </a:xfrm>
+      </p:grpSpPr>
+      <p:sp>
+        <p:nvSpPr>
+          <p:cNvPr id="2" name="Title 1"/>
+          <p:cNvSpPr>
+            <a:spLocks noGrp="1"/>
+          </p:cNvSpPr>
+          <p:nvPr>
+            <p:ph type="title"/>
+          </p:nvPr>
+        </p:nvSpPr>
+        <p:spPr/>
+        <p:txBody>
+          <a:bodyPr/>
+          <a:lstStyle/>
+          <a:p>
+            <a:endParaRPr lang="en-IN"/>
+          </a:p>
+        </p:txBody>
+      </p:sp>
+      <p:sp>
+        <p:nvSpPr>
+          <p:cNvPr id="3" name="Content Placeholder 2"/>
+          <p:cNvSpPr>
+            <a:spLocks noGrp="1"/>
+          </p:cNvSpPr>
+          <p:nvPr>
+            <p:ph idx="1"/>
+          </p:nvPr>
+        </p:nvSpPr>
+        <p:spPr/>
+        <p:txBody>
+          <a:bodyPr/>
+          <a:lstStyle/>
+          <a:p>
+            <a:endParaRPr lang="en-IN"/>
+          </a:p>
+        </p:txBody>
+      </p:sp>
+    </p:spTree>
+    <p:extLst>
+      <p:ext uri="{BB962C8B-B14F-4D97-AF65-F5344CB8AC3E}">
+        <p14:creationId xmlns:p14="http://schemas.microsoft.com/office/powerpoint/2010/main" val="2045372816"/>
+      </p:ext>
+    </p:extLst>
+  </p:cSld>
+  <p:clrMapOvr>
+    <a:masterClrMapping/>
+  </p:clrMapOvr>
+  <p:timing>
+    <p:tnLst>
+      <p:par>
+        <p:cTn id="1" dur="indefinite" restart="never" nodeType="tmRoot"/>
+      </p:par>
+    </p:tnLst>
+  </p:timing>
+</p:sld>
+</file>
+
+<file path=ppt/slides/slide41.xml><?xml version="1.0" encoding="utf-8"?>
+<p:sld xmlns:a="http://schemas.openxmlformats.org/drawingml/2006/main" xmlns:r="http://schemas.openxmlformats.org/officeDocument/2006/relationships" xmlns:p="http://schemas.openxmlformats.org/presentationml/2006/main">
+  <p:cSld>
+    <p:spTree>
+      <p:nvGrpSpPr>
+        <p:cNvPr id="1" name=""/>
+        <p:cNvGrpSpPr/>
+        <p:nvPr/>
+      </p:nvGrpSpPr>
+      <p:grpSpPr>
+        <a:xfrm>
+          <a:off x="0" y="0"/>
+          <a:ext cx="0" cy="0"/>
+          <a:chOff x="0" y="0"/>
+          <a:chExt cx="0" cy="0"/>
+        </a:xfrm>
+      </p:grpSpPr>
+      <p:sp>
+        <p:nvSpPr>
+          <p:cNvPr id="2" name="Title 1"/>
+          <p:cNvSpPr>
+            <a:spLocks noGrp="1"/>
+          </p:cNvSpPr>
+          <p:nvPr>
+            <p:ph type="title"/>
+          </p:nvPr>
+        </p:nvSpPr>
+        <p:spPr/>
+        <p:txBody>
+          <a:bodyPr/>
+          <a:lstStyle/>
+          <a:p>
+            <a:endParaRPr lang="en-IN"/>
+          </a:p>
+        </p:txBody>
+      </p:sp>
+      <p:sp>
+        <p:nvSpPr>
+          <p:cNvPr id="3" name="Content Placeholder 2"/>
+          <p:cNvSpPr>
+            <a:spLocks noGrp="1"/>
+          </p:cNvSpPr>
+          <p:nvPr>
+            <p:ph idx="1"/>
+          </p:nvPr>
+        </p:nvSpPr>
+        <p:spPr/>
+        <p:txBody>
+          <a:bodyPr/>
+          <a:lstStyle/>
+          <a:p>
+            <a:endParaRPr lang="en-IN"/>
+          </a:p>
+        </p:txBody>
+      </p:sp>
+    </p:spTree>
+    <p:extLst>
+      <p:ext uri="{BB962C8B-B14F-4D97-AF65-F5344CB8AC3E}">
+        <p14:creationId xmlns:p14="http://schemas.microsoft.com/office/powerpoint/2010/main" val="3622953750"/>
+      </p:ext>
+    </p:extLst>
+  </p:cSld>
+  <p:clrMapOvr>
+    <a:masterClrMapping/>
+  </p:clrMapOvr>
+  <p:timing>
+    <p:tnLst>
+      <p:par>
+        <p:cTn id="1" dur="indefinite" restart="never" nodeType="tmRoot"/>
+      </p:par>
+    </p:tnLst>
+  </p:timing>
+</p:sld>
+</file>
+
+<file path=ppt/slides/slide42.xml><?xml version="1.0" encoding="utf-8"?>
+<p:sld xmlns:a="http://schemas.openxmlformats.org/drawingml/2006/main" xmlns:r="http://schemas.openxmlformats.org/officeDocument/2006/relationships" xmlns:p="http://schemas.openxmlformats.org/presentationml/2006/main">
+  <p:cSld>
+    <p:spTree>
+      <p:nvGrpSpPr>
+        <p:cNvPr id="1" name=""/>
+        <p:cNvGrpSpPr/>
+        <p:nvPr/>
+      </p:nvGrpSpPr>
+      <p:grpSpPr>
+        <a:xfrm>
+          <a:off x="0" y="0"/>
+          <a:ext cx="0" cy="0"/>
+          <a:chOff x="0" y="0"/>
+          <a:chExt cx="0" cy="0"/>
+        </a:xfrm>
+      </p:grpSpPr>
+      <p:sp>
+        <p:nvSpPr>
+          <p:cNvPr id="2" name="Title 1"/>
+          <p:cNvSpPr>
+            <a:spLocks noGrp="1"/>
+          </p:cNvSpPr>
+          <p:nvPr>
+            <p:ph type="title"/>
+          </p:nvPr>
+        </p:nvSpPr>
+        <p:spPr/>
+        <p:txBody>
+          <a:bodyPr/>
+          <a:lstStyle/>
+          <a:p>
+            <a:endParaRPr lang="en-IN"/>
+          </a:p>
+        </p:txBody>
+      </p:sp>
+      <p:sp>
+        <p:nvSpPr>
+          <p:cNvPr id="3" name="Content Placeholder 2"/>
+          <p:cNvSpPr>
+            <a:spLocks noGrp="1"/>
+          </p:cNvSpPr>
+          <p:nvPr>
+            <p:ph idx="1"/>
+          </p:nvPr>
+        </p:nvSpPr>
+        <p:spPr/>
+        <p:txBody>
+          <a:bodyPr/>
+          <a:lstStyle/>
+          <a:p>
+            <a:endParaRPr lang="en-IN"/>
+          </a:p>
+        </p:txBody>
+      </p:sp>
+    </p:spTree>
+    <p:extLst>
+      <p:ext uri="{BB962C8B-B14F-4D97-AF65-F5344CB8AC3E}">
+        <p14:creationId xmlns:p14="http://schemas.microsoft.com/office/powerpoint/2010/main" val="1473425283"/>
+      </p:ext>
+    </p:extLst>
+  </p:cSld>
+  <p:clrMapOvr>
+    <a:masterClrMapping/>
+  </p:clrMapOvr>
+  <p:timing>
+    <p:tnLst>
+      <p:par>
+        <p:cTn id="1" dur="indefinite" restart="never" nodeType="tmRoot"/>
+      </p:par>
+    </p:tnLst>
+  </p:timing>
+</p:sld>
+</file>
+
+<file path=ppt/slides/slide43.xml><?xml version="1.0" encoding="utf-8"?>
+<p:sld xmlns:a="http://schemas.openxmlformats.org/drawingml/2006/main" xmlns:r="http://schemas.openxmlformats.org/officeDocument/2006/relationships" xmlns:p="http://schemas.openxmlformats.org/presentationml/2006/main">
+  <p:cSld>
+    <p:spTree>
+      <p:nvGrpSpPr>
+        <p:cNvPr id="1" name=""/>
+        <p:cNvGrpSpPr/>
+        <p:nvPr/>
+      </p:nvGrpSpPr>
+      <p:grpSpPr>
+        <a:xfrm>
+          <a:off x="0" y="0"/>
+          <a:ext cx="0" cy="0"/>
+          <a:chOff x="0" y="0"/>
+          <a:chExt cx="0" cy="0"/>
+        </a:xfrm>
+      </p:grpSpPr>
+      <p:sp>
+        <p:nvSpPr>
+          <p:cNvPr id="2" name="Title 1"/>
+          <p:cNvSpPr>
+            <a:spLocks noGrp="1"/>
+          </p:cNvSpPr>
+          <p:nvPr>
+            <p:ph type="title"/>
+          </p:nvPr>
+        </p:nvSpPr>
+        <p:spPr/>
+        <p:txBody>
+          <a:bodyPr/>
+          <a:lstStyle/>
+          <a:p>
+            <a:endParaRPr lang="en-IN"/>
+          </a:p>
+        </p:txBody>
+      </p:sp>
+      <p:sp>
+        <p:nvSpPr>
+          <p:cNvPr id="3" name="Content Placeholder 2"/>
+          <p:cNvSpPr>
+            <a:spLocks noGrp="1"/>
+          </p:cNvSpPr>
+          <p:nvPr>
+            <p:ph idx="1"/>
+          </p:nvPr>
+        </p:nvSpPr>
+        <p:spPr/>
+        <p:txBody>
+          <a:bodyPr/>
+          <a:lstStyle/>
+          <a:p>
+            <a:endParaRPr lang="en-IN"/>
+          </a:p>
+        </p:txBody>
+      </p:sp>
+    </p:spTree>
+    <p:extLst>
+      <p:ext uri="{BB962C8B-B14F-4D97-AF65-F5344CB8AC3E}">
+        <p14:creationId xmlns:p14="http://schemas.microsoft.com/office/powerpoint/2010/main" val="877473401"/>
+      </p:ext>
+    </p:extLst>
+  </p:cSld>
+  <p:clrMapOvr>
+    <a:masterClrMapping/>
+  </p:clrMapOvr>
+  <p:timing>
+    <p:tnLst>
+      <p:par>
+        <p:cTn id="1" dur="indefinite" restart="never" nodeType="tmRoot"/>
+      </p:par>
+    </p:tnLst>
+  </p:timing>
+</p:sld>
+</file>
+
+<file path=ppt/slides/slide44.xml><?xml version="1.0" encoding="utf-8"?>
+<p:sld xmlns:a="http://schemas.openxmlformats.org/drawingml/2006/main" xmlns:r="http://schemas.openxmlformats.org/officeDocument/2006/relationships" xmlns:p="http://schemas.openxmlformats.org/presentationml/2006/main">
+  <p:cSld>
+    <p:spTree>
+      <p:nvGrpSpPr>
+        <p:cNvPr id="1" name=""/>
+        <p:cNvGrpSpPr/>
+        <p:nvPr/>
+      </p:nvGrpSpPr>
+      <p:grpSpPr>
+        <a:xfrm>
+          <a:off x="0" y="0"/>
+          <a:ext cx="0" cy="0"/>
+          <a:chOff x="0" y="0"/>
+          <a:chExt cx="0" cy="0"/>
+        </a:xfrm>
+      </p:grpSpPr>
+      <p:sp>
+        <p:nvSpPr>
+          <p:cNvPr id="2" name="Title 1"/>
+          <p:cNvSpPr>
+            <a:spLocks noGrp="1"/>
+          </p:cNvSpPr>
+          <p:nvPr>
+            <p:ph type="title"/>
+          </p:nvPr>
+        </p:nvSpPr>
+        <p:spPr/>
+        <p:txBody>
+          <a:bodyPr/>
+          <a:lstStyle/>
+          <a:p>
+            <a:endParaRPr lang="en-IN"/>
+          </a:p>
+        </p:txBody>
+      </p:sp>
+      <p:sp>
+        <p:nvSpPr>
+          <p:cNvPr id="3" name="Content Placeholder 2"/>
+          <p:cNvSpPr>
+            <a:spLocks noGrp="1"/>
+          </p:cNvSpPr>
+          <p:nvPr>
+            <p:ph idx="1"/>
+          </p:nvPr>
+        </p:nvSpPr>
+        <p:spPr/>
+        <p:txBody>
+          <a:bodyPr/>
+          <a:lstStyle/>
+          <a:p>
+            <a:endParaRPr lang="en-IN"/>
+          </a:p>
+        </p:txBody>
+      </p:sp>
+    </p:spTree>
+    <p:extLst>
+      <p:ext uri="{BB962C8B-B14F-4D97-AF65-F5344CB8AC3E}">
+        <p14:creationId xmlns:p14="http://schemas.microsoft.com/office/powerpoint/2010/main" val="2549615311"/>
+      </p:ext>
+    </p:extLst>
+  </p:cSld>
+  <p:clrMapOvr>
+    <a:masterClrMapping/>
+  </p:clrMapOvr>
+  <p:timing>
+    <p:tnLst>
+      <p:par>
+        <p:cTn id="1" dur="indefinite" restart="never" nodeType="tmRoot"/>
+      </p:par>
+    </p:tnLst>
+  </p:timing>
+</p:sld>
+</file>
+
+<file path=ppt/slides/slide45.xml><?xml version="1.0" encoding="utf-8"?>
+<p:sld xmlns:a="http://schemas.openxmlformats.org/drawingml/2006/main" xmlns:r="http://schemas.openxmlformats.org/officeDocument/2006/relationships" xmlns:p="http://schemas.openxmlformats.org/presentationml/2006/main">
+  <p:cSld>
+    <p:spTree>
+      <p:nvGrpSpPr>
+        <p:cNvPr id="1" name=""/>
+        <p:cNvGrpSpPr/>
+        <p:nvPr/>
+      </p:nvGrpSpPr>
+      <p:grpSpPr>
+        <a:xfrm>
+          <a:off x="0" y="0"/>
+          <a:ext cx="0" cy="0"/>
+          <a:chOff x="0" y="0"/>
+          <a:chExt cx="0" cy="0"/>
+        </a:xfrm>
+      </p:grpSpPr>
+      <p:sp>
+        <p:nvSpPr>
+          <p:cNvPr id="2" name="Title 1"/>
+          <p:cNvSpPr>
+            <a:spLocks noGrp="1"/>
+          </p:cNvSpPr>
+          <p:nvPr>
+            <p:ph type="title"/>
+          </p:nvPr>
+        </p:nvSpPr>
+        <p:spPr/>
+        <p:txBody>
+          <a:bodyPr/>
+          <a:lstStyle/>
+          <a:p>
+            <a:endParaRPr lang="en-IN"/>
+          </a:p>
+        </p:txBody>
+      </p:sp>
+      <p:sp>
+        <p:nvSpPr>
+          <p:cNvPr id="3" name="Content Placeholder 2"/>
+          <p:cNvSpPr>
+            <a:spLocks noGrp="1"/>
+          </p:cNvSpPr>
+          <p:nvPr>
+            <p:ph idx="1"/>
+          </p:nvPr>
+        </p:nvSpPr>
+        <p:spPr/>
+        <p:txBody>
+          <a:bodyPr/>
+          <a:lstStyle/>
+          <a:p>
+            <a:endParaRPr lang="en-IN"/>
+          </a:p>
+        </p:txBody>
+      </p:sp>
+    </p:spTree>
+    <p:extLst>
+      <p:ext uri="{BB962C8B-B14F-4D97-AF65-F5344CB8AC3E}">
+        <p14:creationId xmlns:p14="http://schemas.microsoft.com/office/powerpoint/2010/main" val="343501664"/>
+      </p:ext>
+    </p:extLst>
+  </p:cSld>
+  <p:clrMapOvr>
+    <a:masterClrMapping/>
+  </p:clrMapOvr>
+  <p:timing>
+    <p:tnLst>
+      <p:par>
+        <p:cTn id="1" dur="indefinite" restart="never" nodeType="tmRoot"/>
+      </p:par>
+    </p:tnLst>
+  </p:timing>
+</p:sld>
+</file>
+
+<file path=ppt/slides/slide46.xml><?xml version="1.0" encoding="utf-8"?>
+<p:sld xmlns:a="http://schemas.openxmlformats.org/drawingml/2006/main" xmlns:r="http://schemas.openxmlformats.org/officeDocument/2006/relationships" xmlns:p="http://schemas.openxmlformats.org/presentationml/2006/main">
+  <p:cSld>
+    <p:spTree>
+      <p:nvGrpSpPr>
+        <p:cNvPr id="1" name=""/>
+        <p:cNvGrpSpPr/>
+        <p:nvPr/>
+      </p:nvGrpSpPr>
+      <p:grpSpPr>
+        <a:xfrm>
+          <a:off x="0" y="0"/>
+          <a:ext cx="0" cy="0"/>
+          <a:chOff x="0" y="0"/>
+          <a:chExt cx="0" cy="0"/>
+        </a:xfrm>
+      </p:grpSpPr>
+      <p:sp>
+        <p:nvSpPr>
+          <p:cNvPr id="2" name="Title 1"/>
+          <p:cNvSpPr>
+            <a:spLocks noGrp="1"/>
+          </p:cNvSpPr>
+          <p:nvPr>
+            <p:ph type="title"/>
+          </p:nvPr>
+        </p:nvSpPr>
+        <p:spPr/>
+        <p:txBody>
+          <a:bodyPr/>
+          <a:lstStyle/>
+          <a:p>
+            <a:endParaRPr lang="en-IN"/>
+          </a:p>
+        </p:txBody>
+      </p:sp>
+      <p:sp>
+        <p:nvSpPr>
+          <p:cNvPr id="3" name="Content Placeholder 2"/>
+          <p:cNvSpPr>
+            <a:spLocks noGrp="1"/>
+          </p:cNvSpPr>
+          <p:nvPr>
+            <p:ph idx="1"/>
+          </p:nvPr>
+        </p:nvSpPr>
+        <p:spPr/>
+        <p:txBody>
+          <a:bodyPr/>
+          <a:lstStyle/>
+          <a:p>
+            <a:endParaRPr lang="en-IN"/>
+          </a:p>
+        </p:txBody>
+      </p:sp>
+    </p:spTree>
+    <p:extLst>
+      <p:ext uri="{BB962C8B-B14F-4D97-AF65-F5344CB8AC3E}">
+        <p14:creationId xmlns:p14="http://schemas.microsoft.com/office/powerpoint/2010/main" val="2969444520"/>
+      </p:ext>
+    </p:extLst>
+  </p:cSld>
+  <p:clrMapOvr>
+    <a:masterClrMapping/>
+  </p:clrMapOvr>
+  <p:timing>
+    <p:tnLst>
+      <p:par>
+        <p:cTn id="1" dur="indefinite" restart="never" nodeType="tmRoot"/>
+      </p:par>
+    </p:tnLst>
+  </p:timing>
+</p:sld>
+</file>
+
+<file path=ppt/slides/slide47.xml><?xml version="1.0" encoding="utf-8"?>
+<p:sld xmlns:a="http://schemas.openxmlformats.org/drawingml/2006/main" xmlns:r="http://schemas.openxmlformats.org/officeDocument/2006/relationships" xmlns:p="http://schemas.openxmlformats.org/presentationml/2006/main">
+  <p:cSld>
+    <p:spTree>
+      <p:nvGrpSpPr>
+        <p:cNvPr id="1" name=""/>
+        <p:cNvGrpSpPr/>
+        <p:nvPr/>
+      </p:nvGrpSpPr>
+      <p:grpSpPr>
+        <a:xfrm>
+          <a:off x="0" y="0"/>
+          <a:ext cx="0" cy="0"/>
+          <a:chOff x="0" y="0"/>
+          <a:chExt cx="0" cy="0"/>
+        </a:xfrm>
+      </p:grpSpPr>
+      <p:sp>
+        <p:nvSpPr>
+          <p:cNvPr id="2" name="Title 1"/>
+          <p:cNvSpPr>
+            <a:spLocks noGrp="1"/>
+          </p:cNvSpPr>
+          <p:nvPr>
+            <p:ph type="title"/>
+          </p:nvPr>
+        </p:nvSpPr>
+        <p:spPr/>
+        <p:txBody>
+          <a:bodyPr/>
+          <a:lstStyle/>
+          <a:p>
+            <a:endParaRPr lang="en-IN"/>
+          </a:p>
+        </p:txBody>
+      </p:sp>
+      <p:sp>
+        <p:nvSpPr>
+          <p:cNvPr id="3" name="Content Placeholder 2"/>
+          <p:cNvSpPr>
+            <a:spLocks noGrp="1"/>
+          </p:cNvSpPr>
+          <p:nvPr>
+            <p:ph idx="1"/>
+          </p:nvPr>
+        </p:nvSpPr>
+        <p:spPr/>
+        <p:txBody>
+          <a:bodyPr/>
+          <a:lstStyle/>
+          <a:p>
+            <a:endParaRPr lang="en-IN"/>
+          </a:p>
+        </p:txBody>
+      </p:sp>
+    </p:spTree>
+    <p:extLst>
+      <p:ext uri="{BB962C8B-B14F-4D97-AF65-F5344CB8AC3E}">
+        <p14:creationId xmlns:p14="http://schemas.microsoft.com/office/powerpoint/2010/main" val="3879773247"/>
+      </p:ext>
+    </p:extLst>
+  </p:cSld>
+  <p:clrMapOvr>
+    <a:masterClrMapping/>
+  </p:clrMapOvr>
+  <p:timing>
+    <p:tnLst>
+      <p:par>
+        <p:cTn id="1" dur="indefinite" restart="never" nodeType="tmRoot"/>
+      </p:par>
+    </p:tnLst>
+  </p:timing>
+</p:sld>
+</file>
+
+<file path=ppt/slides/slide48.xml><?xml version="1.0" encoding="utf-8"?>
+<p:sld xmlns:a="http://schemas.openxmlformats.org/drawingml/2006/main" xmlns:r="http://schemas.openxmlformats.org/officeDocument/2006/relationships" xmlns:p="http://schemas.openxmlformats.org/presentationml/2006/main">
+  <p:cSld>
+    <p:spTree>
+      <p:nvGrpSpPr>
+        <p:cNvPr id="1" name=""/>
+        <p:cNvGrpSpPr/>
+        <p:nvPr/>
+      </p:nvGrpSpPr>
+      <p:grpSpPr>
+        <a:xfrm>
+          <a:off x="0" y="0"/>
+          <a:ext cx="0" cy="0"/>
+          <a:chOff x="0" y="0"/>
+          <a:chExt cx="0" cy="0"/>
+        </a:xfrm>
+      </p:grpSpPr>
+      <p:sp>
+        <p:nvSpPr>
+          <p:cNvPr id="2" name="Title 1"/>
+          <p:cNvSpPr>
+            <a:spLocks noGrp="1"/>
+          </p:cNvSpPr>
+          <p:nvPr>
+            <p:ph type="title"/>
+          </p:nvPr>
+        </p:nvSpPr>
+        <p:spPr/>
+        <p:txBody>
+          <a:bodyPr/>
+          <a:lstStyle/>
+          <a:p>
+            <a:endParaRPr lang="en-IN"/>
+          </a:p>
+        </p:txBody>
+      </p:sp>
+      <p:sp>
+        <p:nvSpPr>
+          <p:cNvPr id="3" name="Content Placeholder 2"/>
+          <p:cNvSpPr>
+            <a:spLocks noGrp="1"/>
+          </p:cNvSpPr>
+          <p:nvPr>
+            <p:ph idx="1"/>
+          </p:nvPr>
+        </p:nvSpPr>
+        <p:spPr/>
+        <p:txBody>
+          <a:bodyPr/>
+          <a:lstStyle/>
+          <a:p>
+            <a:endParaRPr lang="en-IN"/>
+          </a:p>
+        </p:txBody>
+      </p:sp>
+    </p:spTree>
+    <p:extLst>
+      <p:ext uri="{BB962C8B-B14F-4D97-AF65-F5344CB8AC3E}">
+        <p14:creationId xmlns:p14="http://schemas.microsoft.com/office/powerpoint/2010/main" val="3329001510"/>
+      </p:ext>
+    </p:extLst>
+  </p:cSld>
+  <p:clrMapOvr>
+    <a:masterClrMapping/>
+  </p:clrMapOvr>
+  <p:timing>
+    <p:tnLst>
+      <p:par>
+        <p:cTn id="1" dur="indefinite" restart="never" nodeType="tmRoot"/>
+      </p:par>
+    </p:tnLst>
+  </p:timing>
+</p:sld>
+</file>
+
+<file path=ppt/slides/slide49.xml><?xml version="1.0" encoding="utf-8"?>
+<p:sld xmlns:a="http://schemas.openxmlformats.org/drawingml/2006/main" xmlns:r="http://schemas.openxmlformats.org/officeDocument/2006/relationships" xmlns:p="http://schemas.openxmlformats.org/presentationml/2006/main">
+  <p:cSld>
+    <p:spTree>
+      <p:nvGrpSpPr>
+        <p:cNvPr id="1" name=""/>
+        <p:cNvGrpSpPr/>
+        <p:nvPr/>
+      </p:nvGrpSpPr>
+      <p:grpSpPr>
+        <a:xfrm>
+          <a:off x="0" y="0"/>
+          <a:ext cx="0" cy="0"/>
+          <a:chOff x="0" y="0"/>
+          <a:chExt cx="0" cy="0"/>
+        </a:xfrm>
+      </p:grpSpPr>
+      <p:sp>
+        <p:nvSpPr>
+          <p:cNvPr id="2" name="Title 1"/>
+          <p:cNvSpPr>
+            <a:spLocks noGrp="1"/>
+          </p:cNvSpPr>
+          <p:nvPr>
+            <p:ph type="title"/>
+          </p:nvPr>
+        </p:nvSpPr>
+        <p:spPr/>
+        <p:txBody>
+          <a:bodyPr/>
+          <a:lstStyle/>
+          <a:p>
+            <a:endParaRPr lang="en-IN"/>
+          </a:p>
+        </p:txBody>
+      </p:sp>
+      <p:sp>
+        <p:nvSpPr>
+          <p:cNvPr id="3" name="Content Placeholder 2"/>
+          <p:cNvSpPr>
+            <a:spLocks noGrp="1"/>
+          </p:cNvSpPr>
+          <p:nvPr>
+            <p:ph idx="1"/>
+          </p:nvPr>
+        </p:nvSpPr>
+        <p:spPr/>
+        <p:txBody>
+          <a:bodyPr/>
+          <a:lstStyle/>
+          <a:p>
+            <a:endParaRPr lang="en-IN"/>
+          </a:p>
+        </p:txBody>
+      </p:sp>
+    </p:spTree>
+    <p:extLst>
+      <p:ext uri="{BB962C8B-B14F-4D97-AF65-F5344CB8AC3E}">
+        <p14:creationId xmlns:p14="http://schemas.microsoft.com/office/powerpoint/2010/main" val="3063348094"/>
+      </p:ext>
+    </p:extLst>
+  </p:cSld>
+  <p:clrMapOvr>
+    <a:masterClrMapping/>
+  </p:clrMapOvr>
+  <p:timing>
+    <p:tnLst>
+      <p:par>
+        <p:cTn id="1" dur="indefinite" restart="never" nodeType="tmRoot"/>
+      </p:par>
+    </p:tnLst>
+  </p:timing>
+</p:sld>
+</file>
+
+<file path=ppt/slides/slide5.xml><?xml version="1.0" encoding="utf-8"?>
+<p:sld xmlns:a="http://schemas.openxmlformats.org/drawingml/2006/main" xmlns:r="http://schemas.openxmlformats.org/officeDocument/2006/relationships" xmlns:p="http://schemas.openxmlformats.org/presentationml/2006/main">
+  <p:cSld>
+    <p:spTree>
+      <p:nvGrpSpPr>
+        <p:cNvPr id="1" name=""/>
+        <p:cNvGrpSpPr/>
+        <p:nvPr/>
+      </p:nvGrpSpPr>
+      <p:grpSpPr>
+        <a:xfrm>
+          <a:off x="0" y="0"/>
+          <a:ext cx="0" cy="0"/>
+          <a:chOff x="0" y="0"/>
+          <a:chExt cx="0" cy="0"/>
+        </a:xfrm>
+      </p:grpSpPr>
+      <p:sp>
+        <p:nvSpPr>
+          <p:cNvPr id="2" name="Title 1"/>
+          <p:cNvSpPr>
+            <a:spLocks noGrp="1"/>
+          </p:cNvSpPr>
+          <p:nvPr>
+            <p:ph type="title"/>
+          </p:nvPr>
+        </p:nvSpPr>
+        <p:spPr/>
+        <p:txBody>
+          <a:bodyPr/>
+          <a:lstStyle/>
+          <a:p>
+            <a:endParaRPr lang="en-IN"/>
+          </a:p>
+        </p:txBody>
+      </p:sp>
+      <p:sp>
+        <p:nvSpPr>
+          <p:cNvPr id="3" name="Content Placeholder 2"/>
+          <p:cNvSpPr>
+            <a:spLocks noGrp="1"/>
+          </p:cNvSpPr>
+          <p:nvPr>
+            <p:ph idx="1"/>
+          </p:nvPr>
+        </p:nvSpPr>
+        <p:spPr/>
+        <p:txBody>
+          <a:bodyPr/>
+          <a:lstStyle/>
+          <a:p>
+            <a:endParaRPr lang="en-IN"/>
+          </a:p>
+        </p:txBody>
+      </p:sp>
+    </p:spTree>
+    <p:extLst>
+      <p:ext uri="{BB962C8B-B14F-4D97-AF65-F5344CB8AC3E}">
+        <p14:creationId xmlns:p14="http://schemas.microsoft.com/office/powerpoint/2010/main" val="144393098"/>
+      </p:ext>
+    </p:extLst>
+  </p:cSld>
+  <p:clrMapOvr>
+    <a:masterClrMapping/>
+  </p:clrMapOvr>
+  <p:timing>
+    <p:tnLst>
+      <p:par>
+        <p:cTn id="1" dur="indefinite" restart="never" nodeType="tmRoot"/>
+      </p:par>
+    </p:tnLst>
+  </p:timing>
+</p:sld>
+</file>
+
+<file path=ppt/slides/slide50.xml><?xml version="1.0" encoding="utf-8"?>
+<p:sld xmlns:a="http://schemas.openxmlformats.org/drawingml/2006/main" xmlns:r="http://schemas.openxmlformats.org/officeDocument/2006/relationships" xmlns:p="http://schemas.openxmlformats.org/presentationml/2006/main">
+  <p:cSld>
+    <p:spTree>
+      <p:nvGrpSpPr>
+        <p:cNvPr id="1" name=""/>
+        <p:cNvGrpSpPr/>
+        <p:nvPr/>
+      </p:nvGrpSpPr>
+      <p:grpSpPr>
+        <a:xfrm>
+          <a:off x="0" y="0"/>
+          <a:ext cx="0" cy="0"/>
+          <a:chOff x="0" y="0"/>
+          <a:chExt cx="0" cy="0"/>
+        </a:xfrm>
+      </p:grpSpPr>
+      <p:sp>
+        <p:nvSpPr>
+          <p:cNvPr id="2" name="Title 1"/>
+          <p:cNvSpPr>
+            <a:spLocks noGrp="1"/>
+          </p:cNvSpPr>
+          <p:nvPr>
+            <p:ph type="title"/>
+          </p:nvPr>
+        </p:nvSpPr>
+        <p:spPr/>
+        <p:txBody>
+          <a:bodyPr/>
+          <a:lstStyle/>
+          <a:p>
+            <a:endParaRPr lang="en-IN"/>
+          </a:p>
+        </p:txBody>
+      </p:sp>
+      <p:sp>
+        <p:nvSpPr>
+          <p:cNvPr id="3" name="Content Placeholder 2"/>
+          <p:cNvSpPr>
+            <a:spLocks noGrp="1"/>
+          </p:cNvSpPr>
+          <p:nvPr>
+            <p:ph idx="1"/>
+          </p:nvPr>
+        </p:nvSpPr>
+        <p:spPr/>
+        <p:txBody>
+          <a:bodyPr/>
+          <a:lstStyle/>
+          <a:p>
+            <a:endParaRPr lang="en-IN"/>
+          </a:p>
+        </p:txBody>
+      </p:sp>
+    </p:spTree>
+    <p:extLst>
+      <p:ext uri="{BB962C8B-B14F-4D97-AF65-F5344CB8AC3E}">
+        <p14:creationId xmlns:p14="http://schemas.microsoft.com/office/powerpoint/2010/main" val="467238509"/>
+      </p:ext>
+    </p:extLst>
+  </p:cSld>
+  <p:clrMapOvr>
+    <a:masterClrMapping/>
+  </p:clrMapOvr>
+  <p:timing>
+    <p:tnLst>
+      <p:par>
+        <p:cTn id="1" dur="indefinite" restart="never" nodeType="tmRoot"/>
+      </p:par>
+    </p:tnLst>
+  </p:timing>
+</p:sld>
+</file>
+
+<file path=ppt/slides/slide51.xml><?xml version="1.0" encoding="utf-8"?>
+<p:sld xmlns:a="http://schemas.openxmlformats.org/drawingml/2006/main" xmlns:r="http://schemas.openxmlformats.org/officeDocument/2006/relationships" xmlns:p="http://schemas.openxmlformats.org/presentationml/2006/main">
+  <p:cSld>
+    <p:spTree>
+      <p:nvGrpSpPr>
+        <p:cNvPr id="1" name=""/>
+        <p:cNvGrpSpPr/>
+        <p:nvPr/>
+      </p:nvGrpSpPr>
+      <p:grpSpPr>
+        <a:xfrm>
+          <a:off x="0" y="0"/>
+          <a:ext cx="0" cy="0"/>
+          <a:chOff x="0" y="0"/>
+          <a:chExt cx="0" cy="0"/>
+        </a:xfrm>
+      </p:grpSpPr>
+      <p:sp>
+        <p:nvSpPr>
+          <p:cNvPr id="2" name="Title 1"/>
+          <p:cNvSpPr>
+            <a:spLocks noGrp="1"/>
+          </p:cNvSpPr>
+          <p:nvPr>
+            <p:ph type="title"/>
+          </p:nvPr>
+        </p:nvSpPr>
+        <p:spPr/>
+        <p:txBody>
+          <a:bodyPr/>
+          <a:lstStyle/>
+          <a:p>
+            <a:endParaRPr lang="en-IN"/>
+          </a:p>
+        </p:txBody>
+      </p:sp>
+      <p:sp>
+        <p:nvSpPr>
+          <p:cNvPr id="3" name="Content Placeholder 2"/>
+          <p:cNvSpPr>
+            <a:spLocks noGrp="1"/>
+          </p:cNvSpPr>
+          <p:nvPr>
+            <p:ph idx="1"/>
+          </p:nvPr>
+        </p:nvSpPr>
+        <p:spPr/>
+        <p:txBody>
+          <a:bodyPr/>
+          <a:lstStyle/>
+          <a:p>
+            <a:endParaRPr lang="en-IN"/>
+          </a:p>
+        </p:txBody>
+      </p:sp>
+    </p:spTree>
+    <p:extLst>
+      <p:ext uri="{BB962C8B-B14F-4D97-AF65-F5344CB8AC3E}">
+        <p14:creationId xmlns:p14="http://schemas.microsoft.com/office/powerpoint/2010/main" val="611897061"/>
+      </p:ext>
+    </p:extLst>
+  </p:cSld>
+  <p:clrMapOvr>
+    <a:masterClrMapping/>
+  </p:clrMapOvr>
+  <p:timing>
+    <p:tnLst>
+      <p:par>
+        <p:cTn id="1" dur="indefinite" restart="never" nodeType="tmRoot"/>
+      </p:par>
+    </p:tnLst>
+  </p:timing>
+</p:sld>
+</file>
+
+<file path=ppt/slides/slide52.xml><?xml version="1.0" encoding="utf-8"?>
+<p:sld xmlns:a="http://schemas.openxmlformats.org/drawingml/2006/main" xmlns:r="http://schemas.openxmlformats.org/officeDocument/2006/relationships" xmlns:p="http://schemas.openxmlformats.org/presentationml/2006/main">
+  <p:cSld>
+    <p:spTree>
+      <p:nvGrpSpPr>
+        <p:cNvPr id="1" name=""/>
+        <p:cNvGrpSpPr/>
+        <p:nvPr/>
+      </p:nvGrpSpPr>
+      <p:grpSpPr>
+        <a:xfrm>
+          <a:off x="0" y="0"/>
+          <a:ext cx="0" cy="0"/>
+          <a:chOff x="0" y="0"/>
+          <a:chExt cx="0" cy="0"/>
+        </a:xfrm>
+      </p:grpSpPr>
+      <p:sp>
+        <p:nvSpPr>
+          <p:cNvPr id="2" name="Title 1"/>
+          <p:cNvSpPr>
+            <a:spLocks noGrp="1"/>
+          </p:cNvSpPr>
+          <p:nvPr>
+            <p:ph type="title"/>
+          </p:nvPr>
+        </p:nvSpPr>
+        <p:spPr/>
+        <p:txBody>
+          <a:bodyPr/>
+          <a:lstStyle/>
+          <a:p>
+            <a:endParaRPr lang="en-IN"/>
+          </a:p>
+        </p:txBody>
+      </p:sp>
+      <p:sp>
+        <p:nvSpPr>
+          <p:cNvPr id="3" name="Content Placeholder 2"/>
+          <p:cNvSpPr>
+            <a:spLocks noGrp="1"/>
+          </p:cNvSpPr>
+          <p:nvPr>
+            <p:ph idx="1"/>
+          </p:nvPr>
+        </p:nvSpPr>
+        <p:spPr/>
+        <p:txBody>
+          <a:bodyPr/>
+          <a:lstStyle/>
+          <a:p>
+            <a:endParaRPr lang="en-IN"/>
+          </a:p>
+        </p:txBody>
+      </p:sp>
+    </p:spTree>
+    <p:extLst>
+      <p:ext uri="{BB962C8B-B14F-4D97-AF65-F5344CB8AC3E}">
+        <p14:creationId xmlns:p14="http://schemas.microsoft.com/office/powerpoint/2010/main" val="2053143986"/>
+      </p:ext>
+    </p:extLst>
+  </p:cSld>
+  <p:clrMapOvr>
+    <a:masterClrMapping/>
+  </p:clrMapOvr>
+  <p:timing>
+    <p:tnLst>
+      <p:par>
+        <p:cTn id="1" dur="indefinite" restart="never" nodeType="tmRoot"/>
+      </p:par>
+    </p:tnLst>
+  </p:timing>
+</p:sld>
+</file>
+
+<file path=ppt/slides/slide53.xml><?xml version="1.0" encoding="utf-8"?>
+<p:sld xmlns:a="http://schemas.openxmlformats.org/drawingml/2006/main" xmlns:r="http://schemas.openxmlformats.org/officeDocument/2006/relationships" xmlns:p="http://schemas.openxmlformats.org/presentationml/2006/main">
+  <p:cSld>
+    <p:spTree>
+      <p:nvGrpSpPr>
+        <p:cNvPr id="1" name=""/>
+        <p:cNvGrpSpPr/>
+        <p:nvPr/>
+      </p:nvGrpSpPr>
+      <p:grpSpPr>
+        <a:xfrm>
+          <a:off x="0" y="0"/>
+          <a:ext cx="0" cy="0"/>
+          <a:chOff x="0" y="0"/>
+          <a:chExt cx="0" cy="0"/>
+        </a:xfrm>
+      </p:grpSpPr>
+      <p:sp>
+        <p:nvSpPr>
+          <p:cNvPr id="2" name="Title 1"/>
+          <p:cNvSpPr>
+            <a:spLocks noGrp="1"/>
+          </p:cNvSpPr>
+          <p:nvPr>
+            <p:ph type="title"/>
+          </p:nvPr>
+        </p:nvSpPr>
+        <p:spPr/>
+        <p:txBody>
+          <a:bodyPr/>
+          <a:lstStyle/>
+          <a:p>
+            <a:endParaRPr lang="en-IN"/>
+          </a:p>
+        </p:txBody>
+      </p:sp>
+      <p:sp>
+        <p:nvSpPr>
+          <p:cNvPr id="3" name="Content Placeholder 2"/>
+          <p:cNvSpPr>
+            <a:spLocks noGrp="1"/>
+          </p:cNvSpPr>
+          <p:nvPr>
+            <p:ph idx="1"/>
+          </p:nvPr>
+        </p:nvSpPr>
+        <p:spPr/>
+        <p:txBody>
+          <a:bodyPr/>
+          <a:lstStyle/>
+          <a:p>
+            <a:endParaRPr lang="en-IN"/>
+          </a:p>
+        </p:txBody>
+      </p:sp>
+    </p:spTree>
+    <p:extLst>
+      <p:ext uri="{BB962C8B-B14F-4D97-AF65-F5344CB8AC3E}">
+        <p14:creationId xmlns:p14="http://schemas.microsoft.com/office/powerpoint/2010/main" val="2318562564"/>
+      </p:ext>
+    </p:extLst>
+  </p:cSld>
+  <p:clrMapOvr>
+    <a:masterClrMapping/>
+  </p:clrMapOvr>
+  <p:timing>
+    <p:tnLst>
+      <p:par>
+        <p:cTn id="1" dur="indefinite" restart="never" nodeType="tmRoot"/>
+      </p:par>
+    </p:tnLst>
+  </p:timing>
+</p:sld>
+</file>
+
+<file path=ppt/slides/slide54.xml><?xml version="1.0" encoding="utf-8"?>
+<p:sld xmlns:a="http://schemas.openxmlformats.org/drawingml/2006/main" xmlns:r="http://schemas.openxmlformats.org/officeDocument/2006/relationships" xmlns:p="http://schemas.openxmlformats.org/presentationml/2006/main">
+  <p:cSld>
+    <p:spTree>
+      <p:nvGrpSpPr>
+        <p:cNvPr id="1" name=""/>
+        <p:cNvGrpSpPr/>
+        <p:nvPr/>
+      </p:nvGrpSpPr>
+      <p:grpSpPr>
+        <a:xfrm>
+          <a:off x="0" y="0"/>
+          <a:ext cx="0" cy="0"/>
+          <a:chOff x="0" y="0"/>
+          <a:chExt cx="0" cy="0"/>
+        </a:xfrm>
+      </p:grpSpPr>
+      <p:sp>
+        <p:nvSpPr>
+          <p:cNvPr id="2" name="Title 1"/>
+          <p:cNvSpPr>
+            <a:spLocks noGrp="1"/>
+          </p:cNvSpPr>
+          <p:nvPr>
+            <p:ph type="title"/>
+          </p:nvPr>
+        </p:nvSpPr>
+        <p:spPr/>
+        <p:txBody>
+          <a:bodyPr/>
+          <a:lstStyle/>
+          <a:p>
+            <a:endParaRPr lang="en-IN"/>
+          </a:p>
+        </p:txBody>
+      </p:sp>
+      <p:sp>
+        <p:nvSpPr>
+          <p:cNvPr id="3" name="Content Placeholder 2"/>
+          <p:cNvSpPr>
+            <a:spLocks noGrp="1"/>
+          </p:cNvSpPr>
+          <p:nvPr>
+            <p:ph idx="1"/>
+          </p:nvPr>
+        </p:nvSpPr>
+        <p:spPr/>
+        <p:txBody>
+          <a:bodyPr/>
+          <a:lstStyle/>
+          <a:p>
+            <a:endParaRPr lang="en-IN"/>
+          </a:p>
+        </p:txBody>
+      </p:sp>
+    </p:spTree>
+    <p:extLst>
+      <p:ext uri="{BB962C8B-B14F-4D97-AF65-F5344CB8AC3E}">
+        <p14:creationId xmlns:p14="http://schemas.microsoft.com/office/powerpoint/2010/main" val="1390537899"/>
+      </p:ext>
+    </p:extLst>
+  </p:cSld>
+  <p:clrMapOvr>
+    <a:masterClrMapping/>
+  </p:clrMapOvr>
+  <p:timing>
+    <p:tnLst>
+      <p:par>
+        <p:cTn id="1" dur="indefinite" restart="never" nodeType="tmRoot"/>
+      </p:par>
+    </p:tnLst>
+  </p:timing>
+</p:sld>
+</file>
+
+<file path=ppt/slides/slide55.xml><?xml version="1.0" encoding="utf-8"?>
+<p:sld xmlns:a="http://schemas.openxmlformats.org/drawingml/2006/main" xmlns:r="http://schemas.openxmlformats.org/officeDocument/2006/relationships" xmlns:p="http://schemas.openxmlformats.org/presentationml/2006/main">
+  <p:cSld>
+    <p:spTree>
+      <p:nvGrpSpPr>
+        <p:cNvPr id="1" name=""/>
+        <p:cNvGrpSpPr/>
+        <p:nvPr/>
+      </p:nvGrpSpPr>
+      <p:grpSpPr>
+        <a:xfrm>
+          <a:off x="0" y="0"/>
+          <a:ext cx="0" cy="0"/>
+          <a:chOff x="0" y="0"/>
+          <a:chExt cx="0" cy="0"/>
+        </a:xfrm>
+      </p:grpSpPr>
+      <p:sp>
+        <p:nvSpPr>
+          <p:cNvPr id="2" name="Title 1"/>
+          <p:cNvSpPr>
+            <a:spLocks noGrp="1"/>
+          </p:cNvSpPr>
+          <p:nvPr>
+            <p:ph type="title"/>
+          </p:nvPr>
+        </p:nvSpPr>
+        <p:spPr/>
+        <p:txBody>
+          <a:bodyPr/>
+          <a:lstStyle/>
+          <a:p>
+            <a:endParaRPr lang="en-IN"/>
+          </a:p>
+        </p:txBody>
+      </p:sp>
+      <p:sp>
+        <p:nvSpPr>
+          <p:cNvPr id="3" name="Content Placeholder 2"/>
+          <p:cNvSpPr>
+            <a:spLocks noGrp="1"/>
+          </p:cNvSpPr>
+          <p:nvPr>
+            <p:ph idx="1"/>
+          </p:nvPr>
+        </p:nvSpPr>
+        <p:spPr/>
+        <p:txBody>
+          <a:bodyPr/>
+          <a:lstStyle/>
+          <a:p>
+            <a:endParaRPr lang="en-IN"/>
+          </a:p>
+        </p:txBody>
+      </p:sp>
+    </p:spTree>
+    <p:extLst>
+      <p:ext uri="{BB962C8B-B14F-4D97-AF65-F5344CB8AC3E}">
+        <p14:creationId xmlns:p14="http://schemas.microsoft.com/office/powerpoint/2010/main" val="3007504575"/>
+      </p:ext>
+    </p:extLst>
+  </p:cSld>
+  <p:clrMapOvr>
+    <a:masterClrMapping/>
+  </p:clrMapOvr>
+  <p:timing>
+    <p:tnLst>
+      <p:par>
+        <p:cTn id="1" dur="indefinite" restart="never" nodeType="tmRoot"/>
+      </p:par>
+    </p:tnLst>
+  </p:timing>
+</p:sld>
+</file>
+
+<file path=ppt/slides/slide56.xml><?xml version="1.0" encoding="utf-8"?>
+<p:sld xmlns:a="http://schemas.openxmlformats.org/drawingml/2006/main" xmlns:r="http://schemas.openxmlformats.org/officeDocument/2006/relationships" xmlns:p="http://schemas.openxmlformats.org/presentationml/2006/main">
+  <p:cSld>
+    <p:spTree>
+      <p:nvGrpSpPr>
+        <p:cNvPr id="1" name=""/>
+        <p:cNvGrpSpPr/>
+        <p:nvPr/>
+      </p:nvGrpSpPr>
+      <p:grpSpPr>
+        <a:xfrm>
+          <a:off x="0" y="0"/>
+          <a:ext cx="0" cy="0"/>
+          <a:chOff x="0" y="0"/>
+          <a:chExt cx="0" cy="0"/>
+        </a:xfrm>
+      </p:grpSpPr>
+      <p:sp>
+        <p:nvSpPr>
+          <p:cNvPr id="2" name="Title 1"/>
+          <p:cNvSpPr>
+            <a:spLocks noGrp="1"/>
+          </p:cNvSpPr>
+          <p:nvPr>
+            <p:ph type="title"/>
+          </p:nvPr>
+        </p:nvSpPr>
+        <p:spPr/>
+        <p:txBody>
+          <a:bodyPr/>
+          <a:lstStyle/>
+          <a:p>
+            <a:endParaRPr lang="en-IN"/>
+          </a:p>
+        </p:txBody>
+      </p:sp>
+      <p:sp>
+        <p:nvSpPr>
+          <p:cNvPr id="3" name="Content Placeholder 2"/>
+          <p:cNvSpPr>
+            <a:spLocks noGrp="1"/>
+          </p:cNvSpPr>
+          <p:nvPr>
+            <p:ph idx="1"/>
+          </p:nvPr>
+        </p:nvSpPr>
+        <p:spPr/>
+        <p:txBody>
+          <a:bodyPr/>
+          <a:lstStyle/>
+          <a:p>
+            <a:endParaRPr lang="en-IN"/>
+          </a:p>
+        </p:txBody>
+      </p:sp>
+    </p:spTree>
+    <p:extLst>
+      <p:ext uri="{BB962C8B-B14F-4D97-AF65-F5344CB8AC3E}">
+        <p14:creationId xmlns:p14="http://schemas.microsoft.com/office/powerpoint/2010/main" val="4176758738"/>
+      </p:ext>
+    </p:extLst>
+  </p:cSld>
+  <p:clrMapOvr>
+    <a:masterClrMapping/>
+  </p:clrMapOvr>
+  <p:timing>
+    <p:tnLst>
+      <p:par>
+        <p:cTn id="1" dur="indefinite" restart="never" nodeType="tmRoot"/>
+      </p:par>
+    </p:tnLst>
+  </p:timing>
+</p:sld>
+</file>
+
+<file path=ppt/slides/slide57.xml><?xml version="1.0" encoding="utf-8"?>
+<p:sld xmlns:a="http://schemas.openxmlformats.org/drawingml/2006/main" xmlns:r="http://schemas.openxmlformats.org/officeDocument/2006/relationships" xmlns:p="http://schemas.openxmlformats.org/presentationml/2006/main">
+  <p:cSld>
+    <p:spTree>
+      <p:nvGrpSpPr>
+        <p:cNvPr id="1" name=""/>
+        <p:cNvGrpSpPr/>
+        <p:nvPr/>
+      </p:nvGrpSpPr>
+      <p:grpSpPr>
+        <a:xfrm>
+          <a:off x="0" y="0"/>
+          <a:ext cx="0" cy="0"/>
+          <a:chOff x="0" y="0"/>
+          <a:chExt cx="0" cy="0"/>
+        </a:xfrm>
+      </p:grpSpPr>
+      <p:sp>
+        <p:nvSpPr>
+          <p:cNvPr id="2" name="Title 1"/>
+          <p:cNvSpPr>
+            <a:spLocks noGrp="1"/>
+          </p:cNvSpPr>
+          <p:nvPr>
+            <p:ph type="title"/>
+          </p:nvPr>
+        </p:nvSpPr>
+        <p:spPr/>
+        <p:txBody>
+          <a:bodyPr/>
+          <a:lstStyle/>
+          <a:p>
+            <a:endParaRPr lang="en-IN"/>
+          </a:p>
+        </p:txBody>
+      </p:sp>
+      <p:sp>
+        <p:nvSpPr>
+          <p:cNvPr id="3" name="Content Placeholder 2"/>
+          <p:cNvSpPr>
+            <a:spLocks noGrp="1"/>
+          </p:cNvSpPr>
+          <p:nvPr>
+            <p:ph idx="1"/>
+          </p:nvPr>
+        </p:nvSpPr>
+        <p:spPr/>
+        <p:txBody>
+          <a:bodyPr/>
+          <a:lstStyle/>
+          <a:p>
+            <a:endParaRPr lang="en-IN"/>
+          </a:p>
+        </p:txBody>
+      </p:sp>
+    </p:spTree>
+    <p:extLst>
+      <p:ext uri="{BB962C8B-B14F-4D97-AF65-F5344CB8AC3E}">
+        <p14:creationId xmlns:p14="http://schemas.microsoft.com/office/powerpoint/2010/main" val="1324381619"/>
+      </p:ext>
+    </p:extLst>
+  </p:cSld>
+  <p:clrMapOvr>
+    <a:masterClrMapping/>
+  </p:clrMapOvr>
+  <p:timing>
+    <p:tnLst>
+      <p:par>
+        <p:cTn id="1" dur="indefinite" restart="never" nodeType="tmRoot"/>
+      </p:par>
+    </p:tnLst>
+  </p:timing>
+</p:sld>
+</file>
+
+<file path=ppt/slides/slide58.xml><?xml version="1.0" encoding="utf-8"?>
+<p:sld xmlns:a="http://schemas.openxmlformats.org/drawingml/2006/main" xmlns:r="http://schemas.openxmlformats.org/officeDocument/2006/relationships" xmlns:p="http://schemas.openxmlformats.org/presentationml/2006/main">
+  <p:cSld>
+    <p:spTree>
+      <p:nvGrpSpPr>
+        <p:cNvPr id="1" name=""/>
+        <p:cNvGrpSpPr/>
+        <p:nvPr/>
+      </p:nvGrpSpPr>
+      <p:grpSpPr>
+        <a:xfrm>
+          <a:off x="0" y="0"/>
+          <a:ext cx="0" cy="0"/>
+          <a:chOff x="0" y="0"/>
+          <a:chExt cx="0" cy="0"/>
+        </a:xfrm>
+      </p:grpSpPr>
+      <p:sp>
+        <p:nvSpPr>
+          <p:cNvPr id="2" name="Title 1"/>
+          <p:cNvSpPr>
+            <a:spLocks noGrp="1"/>
+          </p:cNvSpPr>
+          <p:nvPr>
+            <p:ph type="title"/>
+          </p:nvPr>
+        </p:nvSpPr>
+        <p:spPr/>
+        <p:txBody>
+          <a:bodyPr/>
+          <a:lstStyle/>
+          <a:p>
+            <a:endParaRPr lang="en-IN"/>
+          </a:p>
+        </p:txBody>
+      </p:sp>
+      <p:sp>
+        <p:nvSpPr>
+          <p:cNvPr id="3" name="Content Placeholder 2"/>
+          <p:cNvSpPr>
+            <a:spLocks noGrp="1"/>
+          </p:cNvSpPr>
+          <p:nvPr>
+            <p:ph idx="1"/>
+          </p:nvPr>
+        </p:nvSpPr>
+        <p:spPr/>
+        <p:txBody>
+          <a:bodyPr/>
+          <a:lstStyle/>
+          <a:p>
+            <a:endParaRPr lang="en-IN"/>
+          </a:p>
+        </p:txBody>
+      </p:sp>
+    </p:spTree>
+    <p:extLst>
+      <p:ext uri="{BB962C8B-B14F-4D97-AF65-F5344CB8AC3E}">
+        <p14:creationId xmlns:p14="http://schemas.microsoft.com/office/powerpoint/2010/main" val="2323571126"/>
+      </p:ext>
+    </p:extLst>
+  </p:cSld>
+  <p:clrMapOvr>
+    <a:masterClrMapping/>
+  </p:clrMapOvr>
+  <p:timing>
+    <p:tnLst>
+      <p:par>
+        <p:cTn id="1" dur="indefinite" restart="never" nodeType="tmRoot"/>
+      </p:par>
+    </p:tnLst>
+  </p:timing>
+</p:sld>
+</file>
+
+<file path=ppt/slides/slide59.xml><?xml version="1.0" encoding="utf-8"?>
+<p:sld xmlns:a="http://schemas.openxmlformats.org/drawingml/2006/main" xmlns:r="http://schemas.openxmlformats.org/officeDocument/2006/relationships" xmlns:p="http://schemas.openxmlformats.org/presentationml/2006/main">
+  <p:cSld>
+    <p:spTree>
+      <p:nvGrpSpPr>
+        <p:cNvPr id="1" name=""/>
+        <p:cNvGrpSpPr/>
+        <p:nvPr/>
+      </p:nvGrpSpPr>
+      <p:grpSpPr>
+        <a:xfrm>
+          <a:off x="0" y="0"/>
+          <a:ext cx="0" cy="0"/>
+          <a:chOff x="0" y="0"/>
+          <a:chExt cx="0" cy="0"/>
+        </a:xfrm>
+      </p:grpSpPr>
+      <p:sp>
+        <p:nvSpPr>
+          <p:cNvPr id="2" name="Title 1"/>
+          <p:cNvSpPr>
+            <a:spLocks noGrp="1"/>
+          </p:cNvSpPr>
+          <p:nvPr>
+            <p:ph type="title"/>
+          </p:nvPr>
+        </p:nvSpPr>
+        <p:spPr/>
+        <p:txBody>
+          <a:bodyPr/>
+          <a:lstStyle/>
+          <a:p>
+            <a:endParaRPr lang="en-IN"/>
+          </a:p>
+        </p:txBody>
+      </p:sp>
+      <p:sp>
+        <p:nvSpPr>
+          <p:cNvPr id="3" name="Content Placeholder 2"/>
+          <p:cNvSpPr>
+            <a:spLocks noGrp="1"/>
+          </p:cNvSpPr>
+          <p:nvPr>
+            <p:ph idx="1"/>
+          </p:nvPr>
+        </p:nvSpPr>
+        <p:spPr/>
+        <p:txBody>
+          <a:bodyPr/>
+          <a:lstStyle/>
+          <a:p>
+            <a:endParaRPr lang="en-IN"/>
+          </a:p>
+        </p:txBody>
+      </p:sp>
+    </p:spTree>
+    <p:extLst>
+      <p:ext uri="{BB962C8B-B14F-4D97-AF65-F5344CB8AC3E}">
+        <p14:creationId xmlns:p14="http://schemas.microsoft.com/office/powerpoint/2010/main" val="439960522"/>
+      </p:ext>
+    </p:extLst>
+  </p:cSld>
+  <p:clrMapOvr>
+    <a:masterClrMapping/>
+  </p:clrMapOvr>
+  <p:timing>
+    <p:tnLst>
+      <p:par>
+        <p:cTn id="1" dur="indefinite" restart="never" nodeType="tmRoot"/>
+      </p:par>
+    </p:tnLst>
+  </p:timing>
+</p:sld>
+</file>
+
+<file path=ppt/slides/slide6.xml><?xml version="1.0" encoding="utf-8"?>
+<p:sld xmlns:a="http://schemas.openxmlformats.org/drawingml/2006/main" xmlns:r="http://schemas.openxmlformats.org/officeDocument/2006/relationships" xmlns:p="http://schemas.openxmlformats.org/presentationml/2006/main">
+  <p:cSld>
+    <p:spTree>
+      <p:nvGrpSpPr>
+        <p:cNvPr id="1" name=""/>
+        <p:cNvGrpSpPr/>
+        <p:nvPr/>
+      </p:nvGrpSpPr>
+      <p:grpSpPr>
+        <a:xfrm>
+          <a:off x="0" y="0"/>
+          <a:ext cx="0" cy="0"/>
+          <a:chOff x="0" y="0"/>
+          <a:chExt cx="0" cy="0"/>
+        </a:xfrm>
+      </p:grpSpPr>
+      <p:sp>
+        <p:nvSpPr>
+          <p:cNvPr id="2" name="Title 1"/>
+          <p:cNvSpPr>
+            <a:spLocks noGrp="1"/>
+          </p:cNvSpPr>
+          <p:nvPr>
+            <p:ph type="title"/>
+          </p:nvPr>
+        </p:nvSpPr>
+        <p:spPr/>
+        <p:txBody>
+          <a:bodyPr/>
+          <a:lstStyle/>
+          <a:p>
+            <a:endParaRPr lang="en-IN"/>
+          </a:p>
+        </p:txBody>
+      </p:sp>
+      <p:sp>
+        <p:nvSpPr>
+          <p:cNvPr id="3" name="Content Placeholder 2"/>
+          <p:cNvSpPr>
+            <a:spLocks noGrp="1"/>
+          </p:cNvSpPr>
+          <p:nvPr>
+            <p:ph idx="1"/>
+          </p:nvPr>
+        </p:nvSpPr>
+        <p:spPr/>
+        <p:txBody>
+          <a:bodyPr/>
+          <a:lstStyle/>
+          <a:p>
+            <a:endParaRPr lang="en-IN"/>
+          </a:p>
+        </p:txBody>
+      </p:sp>
+    </p:spTree>
+    <p:extLst>
+      <p:ext uri="{BB962C8B-B14F-4D97-AF65-F5344CB8AC3E}">
+        <p14:creationId xmlns:p14="http://schemas.microsoft.com/office/powerpoint/2010/main" val="1354321165"/>
+      </p:ext>
+    </p:extLst>
+  </p:cSld>
+  <p:clrMapOvr>
+    <a:masterClrMapping/>
+  </p:clrMapOvr>
+  <p:timing>
+    <p:tnLst>
+      <p:par>
+        <p:cTn id="1" dur="indefinite" restart="never" nodeType="tmRoot"/>
+      </p:par>
+    </p:tnLst>
+  </p:timing>
+</p:sld>
+</file>
+
+<file path=ppt/slides/slide60.xml><?xml version="1.0" encoding="utf-8"?>
+<p:sld xmlns:a="http://schemas.openxmlformats.org/drawingml/2006/main" xmlns:r="http://schemas.openxmlformats.org/officeDocument/2006/relationships" xmlns:p="http://schemas.openxmlformats.org/presentationml/2006/main">
+  <p:cSld>
+    <p:spTree>
+      <p:nvGrpSpPr>
+        <p:cNvPr id="1" name=""/>
+        <p:cNvGrpSpPr/>
+        <p:nvPr/>
+      </p:nvGrpSpPr>
+      <p:grpSpPr>
+        <a:xfrm>
+          <a:off x="0" y="0"/>
+          <a:ext cx="0" cy="0"/>
+          <a:chOff x="0" y="0"/>
+          <a:chExt cx="0" cy="0"/>
+        </a:xfrm>
+      </p:grpSpPr>
+      <p:sp>
+        <p:nvSpPr>
+          <p:cNvPr id="2" name="Title 1"/>
+          <p:cNvSpPr>
+            <a:spLocks noGrp="1"/>
+          </p:cNvSpPr>
+          <p:nvPr>
+            <p:ph type="title"/>
+          </p:nvPr>
+        </p:nvSpPr>
+        <p:spPr/>
+        <p:txBody>
+          <a:bodyPr/>
+          <a:lstStyle/>
+          <a:p>
+            <a:endParaRPr lang="en-IN"/>
+          </a:p>
+        </p:txBody>
+      </p:sp>
+      <p:sp>
+        <p:nvSpPr>
+          <p:cNvPr id="3" name="Content Placeholder 2"/>
+          <p:cNvSpPr>
+            <a:spLocks noGrp="1"/>
+          </p:cNvSpPr>
+          <p:nvPr>
+            <p:ph idx="1"/>
+          </p:nvPr>
+        </p:nvSpPr>
+        <p:spPr/>
+        <p:txBody>
+          <a:bodyPr/>
+          <a:lstStyle/>
+          <a:p>
+            <a:endParaRPr lang="en-IN"/>
+          </a:p>
+        </p:txBody>
+      </p:sp>
+    </p:spTree>
+    <p:extLst>
+      <p:ext uri="{BB962C8B-B14F-4D97-AF65-F5344CB8AC3E}">
+        <p14:creationId xmlns:p14="http://schemas.microsoft.com/office/powerpoint/2010/main" val="3542746618"/>
+      </p:ext>
+    </p:extLst>
+  </p:cSld>
+  <p:clrMapOvr>
+    <a:masterClrMapping/>
+  </p:clrMapOvr>
+  <p:timing>
+    <p:tnLst>
+      <p:par>
+        <p:cTn id="1" dur="indefinite" restart="never" nodeType="tmRoot"/>
+      </p:par>
+    </p:tnLst>
+  </p:timing>
+</p:sld>
+</file>
+
+<file path=ppt/slides/slide61.xml><?xml version="1.0" encoding="utf-8"?>
+<p:sld xmlns:a="http://schemas.openxmlformats.org/drawingml/2006/main" xmlns:r="http://schemas.openxmlformats.org/officeDocument/2006/relationships" xmlns:p="http://schemas.openxmlformats.org/presentationml/2006/main">
+  <p:cSld>
+    <p:spTree>
+      <p:nvGrpSpPr>
+        <p:cNvPr id="1" name=""/>
+        <p:cNvGrpSpPr/>
+        <p:nvPr/>
+      </p:nvGrpSpPr>
+      <p:grpSpPr>
+        <a:xfrm>
+          <a:off x="0" y="0"/>
+          <a:ext cx="0" cy="0"/>
+          <a:chOff x="0" y="0"/>
+          <a:chExt cx="0" cy="0"/>
+        </a:xfrm>
+      </p:grpSpPr>
+      <p:sp>
+        <p:nvSpPr>
+          <p:cNvPr id="2" name="Title 1"/>
+          <p:cNvSpPr>
+            <a:spLocks noGrp="1"/>
+          </p:cNvSpPr>
+          <p:nvPr>
+            <p:ph type="title"/>
+          </p:nvPr>
+        </p:nvSpPr>
+        <p:spPr/>
+        <p:txBody>
+          <a:bodyPr/>
+          <a:lstStyle/>
+          <a:p>
+            <a:endParaRPr lang="en-IN"/>
+          </a:p>
+        </p:txBody>
+      </p:sp>
+      <p:sp>
+        <p:nvSpPr>
+          <p:cNvPr id="3" name="Content Placeholder 2"/>
+          <p:cNvSpPr>
+            <a:spLocks noGrp="1"/>
+          </p:cNvSpPr>
+          <p:nvPr>
+            <p:ph idx="1"/>
+          </p:nvPr>
+        </p:nvSpPr>
+        <p:spPr/>
+        <p:txBody>
+          <a:bodyPr/>
+          <a:lstStyle/>
+          <a:p>
+            <a:endParaRPr lang="en-IN"/>
+          </a:p>
+        </p:txBody>
+      </p:sp>
+    </p:spTree>
+    <p:extLst>
+      <p:ext uri="{BB962C8B-B14F-4D97-AF65-F5344CB8AC3E}">
+        <p14:creationId xmlns:p14="http://schemas.microsoft.com/office/powerpoint/2010/main" val="1366869381"/>
+      </p:ext>
+    </p:extLst>
+  </p:cSld>
+  <p:clrMapOvr>
+    <a:masterClrMapping/>
+  </p:clrMapOvr>
+  <p:timing>
+    <p:tnLst>
+      <p:par>
+        <p:cTn id="1" dur="indefinite" restart="never" nodeType="tmRoot"/>
+      </p:par>
+    </p:tnLst>
+  </p:timing>
+</p:sld>
+</file>
+
+<file path=ppt/slides/slide62.xml><?xml version="1.0" encoding="utf-8"?>
+<p:sld xmlns:a="http://schemas.openxmlformats.org/drawingml/2006/main" xmlns:r="http://schemas.openxmlformats.org/officeDocument/2006/relationships" xmlns:p="http://schemas.openxmlformats.org/presentationml/2006/main">
+  <p:cSld>
+    <p:spTree>
+      <p:nvGrpSpPr>
+        <p:cNvPr id="1" name=""/>
+        <p:cNvGrpSpPr/>
+        <p:nvPr/>
+      </p:nvGrpSpPr>
+      <p:grpSpPr>
+        <a:xfrm>
+          <a:off x="0" y="0"/>
+          <a:ext cx="0" cy="0"/>
+          <a:chOff x="0" y="0"/>
+          <a:chExt cx="0" cy="0"/>
+        </a:xfrm>
+      </p:grpSpPr>
+      <p:sp>
+        <p:nvSpPr>
+          <p:cNvPr id="2" name="Title 1"/>
+          <p:cNvSpPr>
+            <a:spLocks noGrp="1"/>
+          </p:cNvSpPr>
+          <p:nvPr>
+            <p:ph type="title"/>
+          </p:nvPr>
+        </p:nvSpPr>
+        <p:spPr/>
+        <p:txBody>
+          <a:bodyPr/>
+          <a:lstStyle/>
+          <a:p>
+            <a:endParaRPr lang="en-IN"/>
+          </a:p>
+        </p:txBody>
+      </p:sp>
+      <p:sp>
+        <p:nvSpPr>
+          <p:cNvPr id="3" name="Content Placeholder 2"/>
+          <p:cNvSpPr>
+            <a:spLocks noGrp="1"/>
+          </p:cNvSpPr>
+          <p:nvPr>
+            <p:ph idx="1"/>
+          </p:nvPr>
+        </p:nvSpPr>
+        <p:spPr/>
+        <p:txBody>
+          <a:bodyPr/>
+          <a:lstStyle/>
+          <a:p>
+            <a:endParaRPr lang="en-IN"/>
+          </a:p>
+        </p:txBody>
+      </p:sp>
+    </p:spTree>
+    <p:extLst>
+      <p:ext uri="{BB962C8B-B14F-4D97-AF65-F5344CB8AC3E}">
+        <p14:creationId xmlns:p14="http://schemas.microsoft.com/office/powerpoint/2010/main" val="3619579632"/>
+      </p:ext>
+    </p:extLst>
+  </p:cSld>
+  <p:clrMapOvr>
+    <a:masterClrMapping/>
+  </p:clrMapOvr>
+  <p:timing>
+    <p:tnLst>
+      <p:par>
+        <p:cTn id="1" dur="indefinite" restart="never" nodeType="tmRoot"/>
+      </p:par>
+    </p:tnLst>
+  </p:timing>
+</p:sld>
+</file>
+
+<file path=ppt/slides/slide63.xml><?xml version="1.0" encoding="utf-8"?>
+<p:sld xmlns:a="http://schemas.openxmlformats.org/drawingml/2006/main" xmlns:r="http://schemas.openxmlformats.org/officeDocument/2006/relationships" xmlns:p="http://schemas.openxmlformats.org/presentationml/2006/main">
+  <p:cSld>
+    <p:spTree>
+      <p:nvGrpSpPr>
+        <p:cNvPr id="1" name=""/>
+        <p:cNvGrpSpPr/>
+        <p:nvPr/>
+      </p:nvGrpSpPr>
+      <p:grpSpPr>
+        <a:xfrm>
+          <a:off x="0" y="0"/>
+          <a:ext cx="0" cy="0"/>
+          <a:chOff x="0" y="0"/>
+          <a:chExt cx="0" cy="0"/>
+        </a:xfrm>
+      </p:grpSpPr>
+      <p:sp>
+        <p:nvSpPr>
+          <p:cNvPr id="2" name="Title 1"/>
+          <p:cNvSpPr>
+            <a:spLocks noGrp="1"/>
+          </p:cNvSpPr>
+          <p:nvPr>
+            <p:ph type="title"/>
+          </p:nvPr>
+        </p:nvSpPr>
+        <p:spPr/>
+        <p:txBody>
+          <a:bodyPr/>
+          <a:lstStyle/>
+          <a:p>
+            <a:endParaRPr lang="en-IN"/>
+          </a:p>
+        </p:txBody>
+      </p:sp>
+      <p:sp>
+        <p:nvSpPr>
+          <p:cNvPr id="3" name="Content Placeholder 2"/>
+          <p:cNvSpPr>
+            <a:spLocks noGrp="1"/>
+          </p:cNvSpPr>
+          <p:nvPr>
+            <p:ph idx="1"/>
+          </p:nvPr>
+        </p:nvSpPr>
+        <p:spPr/>
+        <p:txBody>
+          <a:bodyPr/>
+          <a:lstStyle/>
+          <a:p>
+            <a:endParaRPr lang="en-IN"/>
+          </a:p>
+        </p:txBody>
+      </p:sp>
+    </p:spTree>
+    <p:extLst>
+      <p:ext uri="{BB962C8B-B14F-4D97-AF65-F5344CB8AC3E}">
+        <p14:creationId xmlns:p14="http://schemas.microsoft.com/office/powerpoint/2010/main" val="1453588941"/>
+      </p:ext>
+    </p:extLst>
+  </p:cSld>
+  <p:clrMapOvr>
+    <a:masterClrMapping/>
+  </p:clrMapOvr>
+  <p:timing>
+    <p:tnLst>
+      <p:par>
+        <p:cTn id="1" dur="indefinite" restart="never" nodeType="tmRoot"/>
+      </p:par>
+    </p:tnLst>
+  </p:timing>
+</p:sld>
+</file>
+
+<file path=ppt/slides/slide64.xml><?xml version="1.0" encoding="utf-8"?>
+<p:sld xmlns:a="http://schemas.openxmlformats.org/drawingml/2006/main" xmlns:r="http://schemas.openxmlformats.org/officeDocument/2006/relationships" xmlns:p="http://schemas.openxmlformats.org/presentationml/2006/main">
+  <p:cSld>
+    <p:spTree>
+      <p:nvGrpSpPr>
+        <p:cNvPr id="1" name=""/>
+        <p:cNvGrpSpPr/>
+        <p:nvPr/>
+      </p:nvGrpSpPr>
+      <p:grpSpPr>
+        <a:xfrm>
+          <a:off x="0" y="0"/>
+          <a:ext cx="0" cy="0"/>
+          <a:chOff x="0" y="0"/>
+          <a:chExt cx="0" cy="0"/>
+        </a:xfrm>
+      </p:grpSpPr>
+      <p:sp>
+        <p:nvSpPr>
+          <p:cNvPr id="2" name="Title 1"/>
+          <p:cNvSpPr>
+            <a:spLocks noGrp="1"/>
+          </p:cNvSpPr>
+          <p:nvPr>
+            <p:ph type="title"/>
+          </p:nvPr>
+        </p:nvSpPr>
+        <p:spPr/>
+        <p:txBody>
+          <a:bodyPr/>
+          <a:lstStyle/>
+          <a:p>
+            <a:endParaRPr lang="en-IN"/>
+          </a:p>
+        </p:txBody>
+      </p:sp>
+      <p:sp>
+        <p:nvSpPr>
+          <p:cNvPr id="3" name="Content Placeholder 2"/>
+          <p:cNvSpPr>
+            <a:spLocks noGrp="1"/>
+          </p:cNvSpPr>
+          <p:nvPr>
+            <p:ph idx="1"/>
+          </p:nvPr>
+        </p:nvSpPr>
+        <p:spPr/>
+        <p:txBody>
+          <a:bodyPr/>
+          <a:lstStyle/>
+          <a:p>
+            <a:endParaRPr lang="en-IN"/>
+          </a:p>
+        </p:txBody>
+      </p:sp>
+    </p:spTree>
+    <p:extLst>
+      <p:ext uri="{BB962C8B-B14F-4D97-AF65-F5344CB8AC3E}">
+        <p14:creationId xmlns:p14="http://schemas.microsoft.com/office/powerpoint/2010/main" val="802771809"/>
+      </p:ext>
+    </p:extLst>
+  </p:cSld>
+  <p:clrMapOvr>
+    <a:masterClrMapping/>
+  </p:clrMapOvr>
+  <p:timing>
+    <p:tnLst>
+      <p:par>
+        <p:cTn id="1" dur="indefinite" restart="never" nodeType="tmRoot"/>
+      </p:par>
+    </p:tnLst>
+  </p:timing>
+</p:sld>
+</file>
+
+<file path=ppt/slides/slide65.xml><?xml version="1.0" encoding="utf-8"?>
+<p:sld xmlns:a="http://schemas.openxmlformats.org/drawingml/2006/main" xmlns:r="http://schemas.openxmlformats.org/officeDocument/2006/relationships" xmlns:p="http://schemas.openxmlformats.org/presentationml/2006/main">
+  <p:cSld>
+    <p:spTree>
+      <p:nvGrpSpPr>
+        <p:cNvPr id="1" name=""/>
+        <p:cNvGrpSpPr/>
+        <p:nvPr/>
+      </p:nvGrpSpPr>
+      <p:grpSpPr>
+        <a:xfrm>
+          <a:off x="0" y="0"/>
+          <a:ext cx="0" cy="0"/>
+          <a:chOff x="0" y="0"/>
+          <a:chExt cx="0" cy="0"/>
+        </a:xfrm>
+      </p:grpSpPr>
+      <p:sp>
+        <p:nvSpPr>
+          <p:cNvPr id="2" name="Title 1"/>
+          <p:cNvSpPr>
+            <a:spLocks noGrp="1"/>
+          </p:cNvSpPr>
+          <p:nvPr>
+            <p:ph type="title"/>
+          </p:nvPr>
+        </p:nvSpPr>
+        <p:spPr/>
+        <p:txBody>
+          <a:bodyPr/>
+          <a:lstStyle/>
+          <a:p>
+            <a:endParaRPr lang="en-IN"/>
+          </a:p>
+        </p:txBody>
+      </p:sp>
+      <p:sp>
+        <p:nvSpPr>
+          <p:cNvPr id="3" name="Content Placeholder 2"/>
+          <p:cNvSpPr>
+            <a:spLocks noGrp="1"/>
+          </p:cNvSpPr>
+          <p:nvPr>
+            <p:ph idx="1"/>
+          </p:nvPr>
+        </p:nvSpPr>
+        <p:spPr/>
+        <p:txBody>
+          <a:bodyPr/>
+          <a:lstStyle/>
+          <a:p>
+            <a:endParaRPr lang="en-IN"/>
+          </a:p>
+        </p:txBody>
+      </p:sp>
+    </p:spTree>
+    <p:extLst>
+      <p:ext uri="{BB962C8B-B14F-4D97-AF65-F5344CB8AC3E}">
+        <p14:creationId xmlns:p14="http://schemas.microsoft.com/office/powerpoint/2010/main" val="2967285258"/>
+      </p:ext>
+    </p:extLst>
+  </p:cSld>
+  <p:clrMapOvr>
+    <a:masterClrMapping/>
+  </p:clrMapOvr>
+  <p:timing>
+    <p:tnLst>
+      <p:par>
+        <p:cTn id="1" dur="indefinite" restart="never" nodeType="tmRoot"/>
+      </p:par>
+    </p:tnLst>
+  </p:timing>
+</p:sld>
+</file>
+
+<file path=ppt/slides/slide66.xml><?xml version="1.0" encoding="utf-8"?>
+<p:sld xmlns:a="http://schemas.openxmlformats.org/drawingml/2006/main" xmlns:r="http://schemas.openxmlformats.org/officeDocument/2006/relationships" xmlns:p="http://schemas.openxmlformats.org/presentationml/2006/main">
+  <p:cSld>
+    <p:spTree>
+      <p:nvGrpSpPr>
+        <p:cNvPr id="1" name=""/>
+        <p:cNvGrpSpPr/>
+        <p:nvPr/>
+      </p:nvGrpSpPr>
+      <p:grpSpPr>
+        <a:xfrm>
+          <a:off x="0" y="0"/>
+          <a:ext cx="0" cy="0"/>
+          <a:chOff x="0" y="0"/>
+          <a:chExt cx="0" cy="0"/>
+        </a:xfrm>
+      </p:grpSpPr>
+      <p:sp>
+        <p:nvSpPr>
+          <p:cNvPr id="2" name="Title 1"/>
+          <p:cNvSpPr>
+            <a:spLocks noGrp="1"/>
+          </p:cNvSpPr>
+          <p:nvPr>
+            <p:ph type="title"/>
+          </p:nvPr>
+        </p:nvSpPr>
+        <p:spPr/>
+        <p:txBody>
+          <a:bodyPr/>
+          <a:lstStyle/>
+          <a:p>
+            <a:endParaRPr lang="en-IN"/>
+          </a:p>
+        </p:txBody>
+      </p:sp>
+      <p:sp>
+        <p:nvSpPr>
+          <p:cNvPr id="3" name="Content Placeholder 2"/>
+          <p:cNvSpPr>
+            <a:spLocks noGrp="1"/>
+          </p:cNvSpPr>
+          <p:nvPr>
+            <p:ph idx="1"/>
+          </p:nvPr>
+        </p:nvSpPr>
+        <p:spPr/>
+        <p:txBody>
+          <a:bodyPr/>
+          <a:lstStyle/>
+          <a:p>
+            <a:endParaRPr lang="en-IN"/>
+          </a:p>
+        </p:txBody>
+      </p:sp>
+    </p:spTree>
+    <p:extLst>
+      <p:ext uri="{BB962C8B-B14F-4D97-AF65-F5344CB8AC3E}">
+        <p14:creationId xmlns:p14="http://schemas.microsoft.com/office/powerpoint/2010/main" val="841006510"/>
+      </p:ext>
+    </p:extLst>
+  </p:cSld>
+  <p:clrMapOvr>
+    <a:masterClrMapping/>
+  </p:clrMapOvr>
+  <p:timing>
+    <p:tnLst>
+      <p:par>
+        <p:cTn id="1" dur="indefinite" restart="never" nodeType="tmRoot"/>
+      </p:par>
+    </p:tnLst>
+  </p:timing>
+</p:sld>
+</file>
+
+<file path=ppt/slides/slide67.xml><?xml version="1.0" encoding="utf-8"?>
+<p:sld xmlns:a="http://schemas.openxmlformats.org/drawingml/2006/main" xmlns:r="http://schemas.openxmlformats.org/officeDocument/2006/relationships" xmlns:p="http://schemas.openxmlformats.org/presentationml/2006/main">
+  <p:cSld>
+    <p:spTree>
+      <p:nvGrpSpPr>
+        <p:cNvPr id="1" name=""/>
+        <p:cNvGrpSpPr/>
+        <p:nvPr/>
+      </p:nvGrpSpPr>
+      <p:grpSpPr>
+        <a:xfrm>
+          <a:off x="0" y="0"/>
+          <a:ext cx="0" cy="0"/>
+          <a:chOff x="0" y="0"/>
+          <a:chExt cx="0" cy="0"/>
+        </a:xfrm>
+      </p:grpSpPr>
+      <p:sp>
+        <p:nvSpPr>
+          <p:cNvPr id="2" name="Title 1"/>
+          <p:cNvSpPr>
+            <a:spLocks noGrp="1"/>
+          </p:cNvSpPr>
+          <p:nvPr>
+            <p:ph type="title"/>
+          </p:nvPr>
+        </p:nvSpPr>
+        <p:spPr/>
+        <p:txBody>
+          <a:bodyPr/>
+          <a:lstStyle/>
+          <a:p>
+            <a:endParaRPr lang="en-IN"/>
+          </a:p>
+        </p:txBody>
+      </p:sp>
+      <p:sp>
+        <p:nvSpPr>
+          <p:cNvPr id="3" name="Content Placeholder 2"/>
+          <p:cNvSpPr>
+            <a:spLocks noGrp="1"/>
+          </p:cNvSpPr>
+          <p:nvPr>
+            <p:ph idx="1"/>
+          </p:nvPr>
+        </p:nvSpPr>
+        <p:spPr/>
+        <p:txBody>
+          <a:bodyPr/>
+          <a:lstStyle/>
+          <a:p>
+            <a:endParaRPr lang="en-IN"/>
+          </a:p>
+        </p:txBody>
+      </p:sp>
+    </p:spTree>
+    <p:extLst>
+      <p:ext uri="{BB962C8B-B14F-4D97-AF65-F5344CB8AC3E}">
+        <p14:creationId xmlns:p14="http://schemas.microsoft.com/office/powerpoint/2010/main" val="364747441"/>
+      </p:ext>
+    </p:extLst>
+  </p:cSld>
+  <p:clrMapOvr>
+    <a:masterClrMapping/>
+  </p:clrMapOvr>
+  <p:timing>
+    <p:tnLst>
+      <p:par>
+        <p:cTn id="1" dur="indefinite" restart="never" nodeType="tmRoot"/>
+      </p:par>
+    </p:tnLst>
+  </p:timing>
+</p:sld>
+</file>
+
+<file path=ppt/slides/slide68.xml><?xml version="1.0" encoding="utf-8"?>
+<p:sld xmlns:a="http://schemas.openxmlformats.org/drawingml/2006/main" xmlns:r="http://schemas.openxmlformats.org/officeDocument/2006/relationships" xmlns:p="http://schemas.openxmlformats.org/presentationml/2006/main">
+  <p:cSld>
+    <p:spTree>
+      <p:nvGrpSpPr>
+        <p:cNvPr id="1" name=""/>
+        <p:cNvGrpSpPr/>
+        <p:nvPr/>
+      </p:nvGrpSpPr>
+      <p:grpSpPr>
+        <a:xfrm>
+          <a:off x="0" y="0"/>
+          <a:ext cx="0" cy="0"/>
+          <a:chOff x="0" y="0"/>
+          <a:chExt cx="0" cy="0"/>
+        </a:xfrm>
+      </p:grpSpPr>
+      <p:sp>
+        <p:nvSpPr>
+          <p:cNvPr id="2" name="Title 1"/>
+          <p:cNvSpPr>
+            <a:spLocks noGrp="1"/>
+          </p:cNvSpPr>
+          <p:nvPr>
+            <p:ph type="title"/>
+          </p:nvPr>
+        </p:nvSpPr>
+        <p:spPr/>
+        <p:txBody>
+          <a:bodyPr/>
+          <a:lstStyle/>
+          <a:p>
+            <a:endParaRPr lang="en-IN"/>
+          </a:p>
+        </p:txBody>
+      </p:sp>
+      <p:sp>
+        <p:nvSpPr>
+          <p:cNvPr id="3" name="Content Placeholder 2"/>
+          <p:cNvSpPr>
+            <a:spLocks noGrp="1"/>
+          </p:cNvSpPr>
+          <p:nvPr>
+            <p:ph idx="1"/>
+          </p:nvPr>
+        </p:nvSpPr>
+        <p:spPr/>
+        <p:txBody>
+          <a:bodyPr/>
+          <a:lstStyle/>
+          <a:p>
+            <a:endParaRPr lang="en-IN"/>
+          </a:p>
+        </p:txBody>
+      </p:sp>
+    </p:spTree>
+    <p:extLst>
+      <p:ext uri="{BB962C8B-B14F-4D97-AF65-F5344CB8AC3E}">
+        <p14:creationId xmlns:p14="http://schemas.microsoft.com/office/powerpoint/2010/main" val="1099039581"/>
+      </p:ext>
+    </p:extLst>
+  </p:cSld>
+  <p:clrMapOvr>
+    <a:masterClrMapping/>
+  </p:clrMapOvr>
+  <p:timing>
+    <p:tnLst>
+      <p:par>
+        <p:cTn id="1" dur="indefinite" restart="never" nodeType="tmRoot"/>
+      </p:par>
+    </p:tnLst>
+  </p:timing>
+</p:sld>
+</file>
+
+<file path=ppt/slides/slide69.xml><?xml version="1.0" encoding="utf-8"?>
+<p:sld xmlns:a="http://schemas.openxmlformats.org/drawingml/2006/main" xmlns:r="http://schemas.openxmlformats.org/officeDocument/2006/relationships" xmlns:p="http://schemas.openxmlformats.org/presentationml/2006/main">
+  <p:cSld>
+    <p:spTree>
+      <p:nvGrpSpPr>
+        <p:cNvPr id="1" name=""/>
+        <p:cNvGrpSpPr/>
+        <p:nvPr/>
+      </p:nvGrpSpPr>
+      <p:grpSpPr>
+        <a:xfrm>
+          <a:off x="0" y="0"/>
+          <a:ext cx="0" cy="0"/>
+          <a:chOff x="0" y="0"/>
+          <a:chExt cx="0" cy="0"/>
+        </a:xfrm>
+      </p:grpSpPr>
+      <p:sp>
+        <p:nvSpPr>
+          <p:cNvPr id="2" name="Title 1"/>
+          <p:cNvSpPr>
+            <a:spLocks noGrp="1"/>
+          </p:cNvSpPr>
+          <p:nvPr>
+            <p:ph type="title"/>
+          </p:nvPr>
+        </p:nvSpPr>
+        <p:spPr/>
+        <p:txBody>
+          <a:bodyPr/>
+          <a:lstStyle/>
+          <a:p>
+            <a:endParaRPr lang="en-IN"/>
+          </a:p>
+        </p:txBody>
+      </p:sp>
+      <p:sp>
+        <p:nvSpPr>
+          <p:cNvPr id="3" name="Content Placeholder 2"/>
+          <p:cNvSpPr>
+            <a:spLocks noGrp="1"/>
+          </p:cNvSpPr>
+          <p:nvPr>
+            <p:ph idx="1"/>
+          </p:nvPr>
+        </p:nvSpPr>
+        <p:spPr/>
+        <p:txBody>
+          <a:bodyPr/>
+          <a:lstStyle/>
+          <a:p>
+            <a:endParaRPr lang="en-IN"/>
+          </a:p>
+        </p:txBody>
+      </p:sp>
+    </p:spTree>
+    <p:extLst>
+      <p:ext uri="{BB962C8B-B14F-4D97-AF65-F5344CB8AC3E}">
+        <p14:creationId xmlns:p14="http://schemas.microsoft.com/office/powerpoint/2010/main" val="2025810098"/>
+      </p:ext>
+    </p:extLst>
+  </p:cSld>
+  <p:clrMapOvr>
+    <a:masterClrMapping/>
+  </p:clrMapOvr>
+  <p:timing>
+    <p:tnLst>
+      <p:par>
+        <p:cTn id="1" dur="indefinite" restart="never" nodeType="tmRoot"/>
+      </p:par>
+    </p:tnLst>
+  </p:timing>
+</p:sld>
+</file>
+
+<file path=ppt/slides/slide7.xml><?xml version="1.0" encoding="utf-8"?>
+<p:sld xmlns:a="http://schemas.openxmlformats.org/drawingml/2006/main" xmlns:r="http://schemas.openxmlformats.org/officeDocument/2006/relationships" xmlns:p="http://schemas.openxmlformats.org/presentationml/2006/main">
+  <p:cSld>
+    <p:spTree>
+      <p:nvGrpSpPr>
+        <p:cNvPr id="1" name=""/>
+        <p:cNvGrpSpPr/>
+        <p:nvPr/>
+      </p:nvGrpSpPr>
+      <p:grpSpPr>
+        <a:xfrm>
+          <a:off x="0" y="0"/>
+          <a:ext cx="0" cy="0"/>
+          <a:chOff x="0" y="0"/>
+          <a:chExt cx="0" cy="0"/>
+        </a:xfrm>
+      </p:grpSpPr>
+      <p:sp>
+        <p:nvSpPr>
+          <p:cNvPr id="2" name="Title 1"/>
+          <p:cNvSpPr>
+            <a:spLocks noGrp="1"/>
+          </p:cNvSpPr>
+          <p:nvPr>
+            <p:ph type="title"/>
+          </p:nvPr>
+        </p:nvSpPr>
+        <p:spPr/>
+        <p:txBody>
+          <a:bodyPr/>
+          <a:lstStyle/>
+          <a:p>
+            <a:endParaRPr lang="en-IN"/>
+          </a:p>
+        </p:txBody>
+      </p:sp>
+      <p:sp>
+        <p:nvSpPr>
+          <p:cNvPr id="3" name="Content Placeholder 2"/>
+          <p:cNvSpPr>
+            <a:spLocks noGrp="1"/>
+          </p:cNvSpPr>
+          <p:nvPr>
+            <p:ph idx="1"/>
+          </p:nvPr>
+        </p:nvSpPr>
+        <p:spPr/>
+        <p:txBody>
+          <a:bodyPr/>
+          <a:lstStyle/>
+          <a:p>
+            <a:endParaRPr lang="en-IN"/>
+          </a:p>
+        </p:txBody>
+      </p:sp>
+    </p:spTree>
+    <p:extLst>
+      <p:ext uri="{BB962C8B-B14F-4D97-AF65-F5344CB8AC3E}">
+        <p14:creationId xmlns:p14="http://schemas.microsoft.com/office/powerpoint/2010/main" val="681390869"/>
+      </p:ext>
+    </p:extLst>
+  </p:cSld>
+  <p:clrMapOvr>
+    <a:masterClrMapping/>
+  </p:clrMapOvr>
+  <p:timing>
+    <p:tnLst>
+      <p:par>
+        <p:cTn id="1" dur="indefinite" restart="never" nodeType="tmRoot"/>
+      </p:par>
+    </p:tnLst>
+  </p:timing>
+</p:sld>
+</file>
+
+<file path=ppt/slides/slide70.xml><?xml version="1.0" encoding="utf-8"?>
+<p:sld xmlns:a="http://schemas.openxmlformats.org/drawingml/2006/main" xmlns:r="http://schemas.openxmlformats.org/officeDocument/2006/relationships" xmlns:p="http://schemas.openxmlformats.org/presentationml/2006/main">
+  <p:cSld>
+    <p:spTree>
+      <p:nvGrpSpPr>
+        <p:cNvPr id="1" name=""/>
+        <p:cNvGrpSpPr/>
+        <p:nvPr/>
+      </p:nvGrpSpPr>
+      <p:grpSpPr>
+        <a:xfrm>
+          <a:off x="0" y="0"/>
+          <a:ext cx="0" cy="0"/>
+          <a:chOff x="0" y="0"/>
+          <a:chExt cx="0" cy="0"/>
+        </a:xfrm>
+      </p:grpSpPr>
+      <p:sp>
+        <p:nvSpPr>
+          <p:cNvPr id="2" name="Title 1"/>
+          <p:cNvSpPr>
+            <a:spLocks noGrp="1"/>
+          </p:cNvSpPr>
+          <p:nvPr>
+            <p:ph type="title"/>
+          </p:nvPr>
+        </p:nvSpPr>
+        <p:spPr/>
+        <p:txBody>
+          <a:bodyPr/>
+          <a:lstStyle/>
+          <a:p>
+            <a:endParaRPr lang="en-IN"/>
+          </a:p>
+        </p:txBody>
+      </p:sp>
+      <p:sp>
+        <p:nvSpPr>
+          <p:cNvPr id="3" name="Content Placeholder 2"/>
+          <p:cNvSpPr>
+            <a:spLocks noGrp="1"/>
+          </p:cNvSpPr>
+          <p:nvPr>
+            <p:ph idx="1"/>
+          </p:nvPr>
+        </p:nvSpPr>
+        <p:spPr/>
+        <p:txBody>
+          <a:bodyPr/>
+          <a:lstStyle/>
+          <a:p>
+            <a:endParaRPr lang="en-IN"/>
+          </a:p>
+        </p:txBody>
+      </p:sp>
+    </p:spTree>
+    <p:extLst>
+      <p:ext uri="{BB962C8B-B14F-4D97-AF65-F5344CB8AC3E}">
+        <p14:creationId xmlns:p14="http://schemas.microsoft.com/office/powerpoint/2010/main" val="3846713766"/>
+      </p:ext>
+    </p:extLst>
+  </p:cSld>
+  <p:clrMapOvr>
+    <a:masterClrMapping/>
+  </p:clrMapOvr>
+  <p:timing>
+    <p:tnLst>
+      <p:par>
+        <p:cTn id="1" dur="indefinite" restart="never" nodeType="tmRoot"/>
+      </p:par>
+    </p:tnLst>
+  </p:timing>
+</p:sld>
+</file>
+
+<file path=ppt/slides/slide71.xml><?xml version="1.0" encoding="utf-8"?>
+<p:sld xmlns:a="http://schemas.openxmlformats.org/drawingml/2006/main" xmlns:r="http://schemas.openxmlformats.org/officeDocument/2006/relationships" xmlns:p="http://schemas.openxmlformats.org/presentationml/2006/main">
+  <p:cSld>
+    <p:spTree>
+      <p:nvGrpSpPr>
+        <p:cNvPr id="1" name=""/>
+        <p:cNvGrpSpPr/>
+        <p:nvPr/>
+      </p:nvGrpSpPr>
+      <p:grpSpPr>
+        <a:xfrm>
+          <a:off x="0" y="0"/>
+          <a:ext cx="0" cy="0"/>
+          <a:chOff x="0" y="0"/>
+          <a:chExt cx="0" cy="0"/>
+        </a:xfrm>
+      </p:grpSpPr>
+      <p:sp>
+        <p:nvSpPr>
+          <p:cNvPr id="2" name="Title 1"/>
+          <p:cNvSpPr>
+            <a:spLocks noGrp="1"/>
+          </p:cNvSpPr>
+          <p:nvPr>
+            <p:ph type="title"/>
+          </p:nvPr>
+        </p:nvSpPr>
+        <p:spPr/>
+        <p:txBody>
+          <a:bodyPr/>
+          <a:lstStyle/>
+          <a:p>
+            <a:endParaRPr lang="en-IN"/>
+          </a:p>
+        </p:txBody>
+      </p:sp>
+      <p:sp>
+        <p:nvSpPr>
+          <p:cNvPr id="3" name="Content Placeholder 2"/>
+          <p:cNvSpPr>
+            <a:spLocks noGrp="1"/>
+          </p:cNvSpPr>
+          <p:nvPr>
+            <p:ph idx="1"/>
+          </p:nvPr>
+        </p:nvSpPr>
+        <p:spPr/>
+        <p:txBody>
+          <a:bodyPr/>
+          <a:lstStyle/>
+          <a:p>
+            <a:endParaRPr lang="en-IN"/>
+          </a:p>
+        </p:txBody>
+      </p:sp>
+    </p:spTree>
+    <p:extLst>
+      <p:ext uri="{BB962C8B-B14F-4D97-AF65-F5344CB8AC3E}">
+        <p14:creationId xmlns:p14="http://schemas.microsoft.com/office/powerpoint/2010/main" val="775564186"/>
+      </p:ext>
+    </p:extLst>
+  </p:cSld>
+  <p:clrMapOvr>
+    <a:masterClrMapping/>
+  </p:clrMapOvr>
+  <p:timing>
+    <p:tnLst>
+      <p:par>
+        <p:cTn id="1" dur="indefinite" restart="never" nodeType="tmRoot"/>
+      </p:par>
+    </p:tnLst>
+  </p:timing>
+</p:sld>
+</file>
+
+<file path=ppt/slides/slide72.xml><?xml version="1.0" encoding="utf-8"?>
+<p:sld xmlns:a="http://schemas.openxmlformats.org/drawingml/2006/main" xmlns:r="http://schemas.openxmlformats.org/officeDocument/2006/relationships" xmlns:p="http://schemas.openxmlformats.org/presentationml/2006/main">
+  <p:cSld>
+    <p:spTree>
+      <p:nvGrpSpPr>
+        <p:cNvPr id="1" name=""/>
+        <p:cNvGrpSpPr/>
+        <p:nvPr/>
+      </p:nvGrpSpPr>
+      <p:grpSpPr>
+        <a:xfrm>
+          <a:off x="0" y="0"/>
+          <a:ext cx="0" cy="0"/>
+          <a:chOff x="0" y="0"/>
+          <a:chExt cx="0" cy="0"/>
+        </a:xfrm>
+      </p:grpSpPr>
+      <p:sp>
+        <p:nvSpPr>
+          <p:cNvPr id="2" name="Title 1"/>
+          <p:cNvSpPr>
+            <a:spLocks noGrp="1"/>
+          </p:cNvSpPr>
+          <p:nvPr>
+            <p:ph type="title"/>
+          </p:nvPr>
+        </p:nvSpPr>
+        <p:spPr/>
+        <p:txBody>
+          <a:bodyPr/>
+          <a:lstStyle/>
+          <a:p>
+            <a:endParaRPr lang="en-IN"/>
+          </a:p>
+        </p:txBody>
+      </p:sp>
+      <p:sp>
+        <p:nvSpPr>
+          <p:cNvPr id="3" name="Content Placeholder 2"/>
+          <p:cNvSpPr>
+            <a:spLocks noGrp="1"/>
+          </p:cNvSpPr>
+          <p:nvPr>
+            <p:ph idx="1"/>
+          </p:nvPr>
+        </p:nvSpPr>
+        <p:spPr/>
+        <p:txBody>
+          <a:bodyPr/>
+          <a:lstStyle/>
+          <a:p>
+            <a:endParaRPr lang="en-IN"/>
+          </a:p>
+        </p:txBody>
+      </p:sp>
+    </p:spTree>
+    <p:extLst>
+      <p:ext uri="{BB962C8B-B14F-4D97-AF65-F5344CB8AC3E}">
+        <p14:creationId xmlns:p14="http://schemas.microsoft.com/office/powerpoint/2010/main" val="224479968"/>
+      </p:ext>
+    </p:extLst>
+  </p:cSld>
+  <p:clrMapOvr>
+    <a:masterClrMapping/>
+  </p:clrMapOvr>
+  <p:timing>
+    <p:tnLst>
+      <p:par>
+        <p:cTn id="1" dur="indefinite" restart="never" nodeType="tmRoot"/>
+      </p:par>
+    </p:tnLst>
+  </p:timing>
+</p:sld>
+</file>
+
+<file path=ppt/slides/slide73.xml><?xml version="1.0" encoding="utf-8"?>
+<p:sld xmlns:a="http://schemas.openxmlformats.org/drawingml/2006/main" xmlns:r="http://schemas.openxmlformats.org/officeDocument/2006/relationships" xmlns:p="http://schemas.openxmlformats.org/presentationml/2006/main">
+  <p:cSld>
+    <p:spTree>
+      <p:nvGrpSpPr>
+        <p:cNvPr id="1" name=""/>
+        <p:cNvGrpSpPr/>
+        <p:nvPr/>
+      </p:nvGrpSpPr>
+      <p:grpSpPr>
+        <a:xfrm>
+          <a:off x="0" y="0"/>
+          <a:ext cx="0" cy="0"/>
+          <a:chOff x="0" y="0"/>
+          <a:chExt cx="0" cy="0"/>
+        </a:xfrm>
+      </p:grpSpPr>
+      <p:sp>
+        <p:nvSpPr>
+          <p:cNvPr id="2" name="Title 1"/>
+          <p:cNvSpPr>
+            <a:spLocks noGrp="1"/>
+          </p:cNvSpPr>
+          <p:nvPr>
+            <p:ph type="title"/>
+          </p:nvPr>
+        </p:nvSpPr>
+        <p:spPr/>
+        <p:txBody>
+          <a:bodyPr/>
+          <a:lstStyle/>
+          <a:p>
+            <a:endParaRPr lang="en-IN"/>
+          </a:p>
+        </p:txBody>
+      </p:sp>
+      <p:sp>
+        <p:nvSpPr>
+          <p:cNvPr id="3" name="Content Placeholder 2"/>
+          <p:cNvSpPr>
+            <a:spLocks noGrp="1"/>
+          </p:cNvSpPr>
+          <p:nvPr>
+            <p:ph idx="1"/>
+          </p:nvPr>
+        </p:nvSpPr>
+        <p:spPr/>
+        <p:txBody>
+          <a:bodyPr/>
+          <a:lstStyle/>
+          <a:p>
+            <a:endParaRPr lang="en-IN"/>
+          </a:p>
+        </p:txBody>
+      </p:sp>
+    </p:spTree>
+    <p:extLst>
+      <p:ext uri="{BB962C8B-B14F-4D97-AF65-F5344CB8AC3E}">
+        <p14:creationId xmlns:p14="http://schemas.microsoft.com/office/powerpoint/2010/main" val="3586105241"/>
+      </p:ext>
+    </p:extLst>
+  </p:cSld>
+  <p:clrMapOvr>
+    <a:masterClrMapping/>
+  </p:clrMapOvr>
+  <p:timing>
+    <p:tnLst>
+      <p:par>
+        <p:cTn id="1" dur="indefinite" restart="never" nodeType="tmRoot"/>
+      </p:par>
+    </p:tnLst>
+  </p:timing>
+</p:sld>
+</file>
+
+<file path=ppt/slides/slide74.xml><?xml version="1.0" encoding="utf-8"?>
+<p:sld xmlns:a="http://schemas.openxmlformats.org/drawingml/2006/main" xmlns:r="http://schemas.openxmlformats.org/officeDocument/2006/relationships" xmlns:p="http://schemas.openxmlformats.org/presentationml/2006/main">
+  <p:cSld>
+    <p:spTree>
+      <p:nvGrpSpPr>
+        <p:cNvPr id="1" name=""/>
+        <p:cNvGrpSpPr/>
+        <p:nvPr/>
+      </p:nvGrpSpPr>
+      <p:grpSpPr>
+        <a:xfrm>
+          <a:off x="0" y="0"/>
+          <a:ext cx="0" cy="0"/>
+          <a:chOff x="0" y="0"/>
+          <a:chExt cx="0" cy="0"/>
+        </a:xfrm>
+      </p:grpSpPr>
+      <p:sp>
+        <p:nvSpPr>
+          <p:cNvPr id="2" name="Title 1"/>
+          <p:cNvSpPr>
+            <a:spLocks noGrp="1"/>
+          </p:cNvSpPr>
+          <p:nvPr>
+            <p:ph type="title"/>
+          </p:nvPr>
+        </p:nvSpPr>
+        <p:spPr/>
+        <p:txBody>
+          <a:bodyPr/>
+          <a:lstStyle/>
+          <a:p>
+            <a:endParaRPr lang="en-IN"/>
+          </a:p>
+        </p:txBody>
+      </p:sp>
+      <p:sp>
+        <p:nvSpPr>
+          <p:cNvPr id="3" name="Content Placeholder 2"/>
+          <p:cNvSpPr>
+            <a:spLocks noGrp="1"/>
+          </p:cNvSpPr>
+          <p:nvPr>
+            <p:ph idx="1"/>
+          </p:nvPr>
+        </p:nvSpPr>
+        <p:spPr/>
+        <p:txBody>
+          <a:bodyPr/>
+          <a:lstStyle/>
+          <a:p>
+            <a:endParaRPr lang="en-IN"/>
+          </a:p>
+        </p:txBody>
+      </p:sp>
+    </p:spTree>
+    <p:extLst>
+      <p:ext uri="{BB962C8B-B14F-4D97-AF65-F5344CB8AC3E}">
+        <p14:creationId xmlns:p14="http://schemas.microsoft.com/office/powerpoint/2010/main" val="204730518"/>
+      </p:ext>
+    </p:extLst>
+  </p:cSld>
+  <p:clrMapOvr>
+    <a:masterClrMapping/>
+  </p:clrMapOvr>
+  <p:timing>
+    <p:tnLst>
+      <p:par>
+        <p:cTn id="1" dur="indefinite" restart="never" nodeType="tmRoot"/>
+      </p:par>
+    </p:tnLst>
+  </p:timing>
+</p:sld>
+</file>
+
+<file path=ppt/slides/slide75.xml><?xml version="1.0" encoding="utf-8"?>
+<p:sld xmlns:a="http://schemas.openxmlformats.org/drawingml/2006/main" xmlns:r="http://schemas.openxmlformats.org/officeDocument/2006/relationships" xmlns:p="http://schemas.openxmlformats.org/presentationml/2006/main">
+  <p:cSld>
+    <p:spTree>
+      <p:nvGrpSpPr>
+        <p:cNvPr id="1" name=""/>
+        <p:cNvGrpSpPr/>
+        <p:nvPr/>
+      </p:nvGrpSpPr>
+      <p:grpSpPr>
+        <a:xfrm>
+          <a:off x="0" y="0"/>
+          <a:ext cx="0" cy="0"/>
+          <a:chOff x="0" y="0"/>
+          <a:chExt cx="0" cy="0"/>
+        </a:xfrm>
+      </p:grpSpPr>
+      <p:sp>
+        <p:nvSpPr>
+          <p:cNvPr id="2" name="Title 1"/>
+          <p:cNvSpPr>
+            <a:spLocks noGrp="1"/>
+          </p:cNvSpPr>
+          <p:nvPr>
+            <p:ph type="title"/>
+          </p:nvPr>
+        </p:nvSpPr>
+        <p:spPr/>
+        <p:txBody>
+          <a:bodyPr/>
+          <a:lstStyle/>
+          <a:p>
+            <a:endParaRPr lang="en-IN"/>
+          </a:p>
+        </p:txBody>
+      </p:sp>
+      <p:sp>
+        <p:nvSpPr>
+          <p:cNvPr id="3" name="Content Placeholder 2"/>
+          <p:cNvSpPr>
+            <a:spLocks noGrp="1"/>
+          </p:cNvSpPr>
+          <p:nvPr>
+            <p:ph idx="1"/>
+          </p:nvPr>
+        </p:nvSpPr>
+        <p:spPr/>
+        <p:txBody>
+          <a:bodyPr/>
+          <a:lstStyle/>
+          <a:p>
+            <a:endParaRPr lang="en-IN"/>
+          </a:p>
+        </p:txBody>
+      </p:sp>
+    </p:spTree>
+    <p:extLst>
+      <p:ext uri="{BB962C8B-B14F-4D97-AF65-F5344CB8AC3E}">
+        <p14:creationId xmlns:p14="http://schemas.microsoft.com/office/powerpoint/2010/main" val="1904523534"/>
+      </p:ext>
+    </p:extLst>
+  </p:cSld>
+  <p:clrMapOvr>
+    <a:masterClrMapping/>
+  </p:clrMapOvr>
+  <p:timing>
+    <p:tnLst>
+      <p:par>
+        <p:cTn id="1" dur="indefinite" restart="never" nodeType="tmRoot"/>
+      </p:par>
+    </p:tnLst>
+  </p:timing>
+</p:sld>
+</file>
+
+<file path=ppt/slides/slide76.xml><?xml version="1.0" encoding="utf-8"?>
+<p:sld xmlns:a="http://schemas.openxmlformats.org/drawingml/2006/main" xmlns:r="http://schemas.openxmlformats.org/officeDocument/2006/relationships" xmlns:p="http://schemas.openxmlformats.org/presentationml/2006/main">
+  <p:cSld>
+    <p:spTree>
+      <p:nvGrpSpPr>
+        <p:cNvPr id="1" name=""/>
+        <p:cNvGrpSpPr/>
+        <p:nvPr/>
+      </p:nvGrpSpPr>
+      <p:grpSpPr>
+        <a:xfrm>
+          <a:off x="0" y="0"/>
+          <a:ext cx="0" cy="0"/>
+          <a:chOff x="0" y="0"/>
+          <a:chExt cx="0" cy="0"/>
+        </a:xfrm>
+      </p:grpSpPr>
+      <p:sp>
+        <p:nvSpPr>
+          <p:cNvPr id="2" name="Title 1"/>
+          <p:cNvSpPr>
+            <a:spLocks noGrp="1"/>
+          </p:cNvSpPr>
+          <p:nvPr>
+            <p:ph type="title"/>
+          </p:nvPr>
+        </p:nvSpPr>
+        <p:spPr/>
+        <p:txBody>
+          <a:bodyPr/>
+          <a:lstStyle/>
+          <a:p>
+            <a:endParaRPr lang="en-IN"/>
+          </a:p>
+        </p:txBody>
+      </p:sp>
+      <p:sp>
+        <p:nvSpPr>
+          <p:cNvPr id="3" name="Content Placeholder 2"/>
+          <p:cNvSpPr>
+            <a:spLocks noGrp="1"/>
+          </p:cNvSpPr>
+          <p:nvPr>
+            <p:ph idx="1"/>
+          </p:nvPr>
+        </p:nvSpPr>
+        <p:spPr/>
+        <p:txBody>
+          <a:bodyPr/>
+          <a:lstStyle/>
+          <a:p>
+            <a:endParaRPr lang="en-IN"/>
+          </a:p>
+        </p:txBody>
+      </p:sp>
+    </p:spTree>
+    <p:extLst>
+      <p:ext uri="{BB962C8B-B14F-4D97-AF65-F5344CB8AC3E}">
+        <p14:creationId xmlns:p14="http://schemas.microsoft.com/office/powerpoint/2010/main" val="3318910298"/>
+      </p:ext>
+    </p:extLst>
+  </p:cSld>
+  <p:clrMapOvr>
+    <a:masterClrMapping/>
+  </p:clrMapOvr>
+  <p:timing>
+    <p:tnLst>
+      <p:par>
+        <p:cTn id="1" dur="indefinite" restart="never" nodeType="tmRoot"/>
+      </p:par>
+    </p:tnLst>
+  </p:timing>
+</p:sld>
+</file>
+
+<file path=ppt/slides/slide77.xml><?xml version="1.0" encoding="utf-8"?>
+<p:sld xmlns:a="http://schemas.openxmlformats.org/drawingml/2006/main" xmlns:r="http://schemas.openxmlformats.org/officeDocument/2006/relationships" xmlns:p="http://schemas.openxmlformats.org/presentationml/2006/main">
+  <p:cSld>
+    <p:spTree>
+      <p:nvGrpSpPr>
+        <p:cNvPr id="1" name=""/>
+        <p:cNvGrpSpPr/>
+        <p:nvPr/>
+      </p:nvGrpSpPr>
+      <p:grpSpPr>
+        <a:xfrm>
+          <a:off x="0" y="0"/>
+          <a:ext cx="0" cy="0"/>
+          <a:chOff x="0" y="0"/>
+          <a:chExt cx="0" cy="0"/>
+        </a:xfrm>
+      </p:grpSpPr>
+      <p:sp>
+        <p:nvSpPr>
+          <p:cNvPr id="2" name="Title 1"/>
+          <p:cNvSpPr>
+            <a:spLocks noGrp="1"/>
+          </p:cNvSpPr>
+          <p:nvPr>
+            <p:ph type="title"/>
+          </p:nvPr>
+        </p:nvSpPr>
+        <p:spPr/>
+        <p:txBody>
+          <a:bodyPr/>
+          <a:lstStyle/>
+          <a:p>
+            <a:endParaRPr lang="en-IN"/>
+          </a:p>
+        </p:txBody>
+      </p:sp>
+      <p:sp>
+        <p:nvSpPr>
+          <p:cNvPr id="3" name="Content Placeholder 2"/>
+          <p:cNvSpPr>
+            <a:spLocks noGrp="1"/>
+          </p:cNvSpPr>
+          <p:nvPr>
+            <p:ph idx="1"/>
+          </p:nvPr>
+        </p:nvSpPr>
+        <p:spPr/>
+        <p:txBody>
+          <a:bodyPr/>
+          <a:lstStyle/>
+          <a:p>
+            <a:endParaRPr lang="en-IN"/>
+          </a:p>
+        </p:txBody>
+      </p:sp>
+    </p:spTree>
+    <p:extLst>
+      <p:ext uri="{BB962C8B-B14F-4D97-AF65-F5344CB8AC3E}">
+        <p14:creationId xmlns:p14="http://schemas.microsoft.com/office/powerpoint/2010/main" val="113358807"/>
+      </p:ext>
+    </p:extLst>
+  </p:cSld>
+  <p:clrMapOvr>
+    <a:masterClrMapping/>
+  </p:clrMapOvr>
+  <p:timing>
+    <p:tnLst>
+      <p:par>
+        <p:cTn id="1" dur="indefinite" restart="never" nodeType="tmRoot"/>
+      </p:par>
+    </p:tnLst>
+  </p:timing>
+</p:sld>
+</file>
+
+<file path=ppt/slides/slide78.xml><?xml version="1.0" encoding="utf-8"?>
+<p:sld xmlns:a="http://schemas.openxmlformats.org/drawingml/2006/main" xmlns:r="http://schemas.openxmlformats.org/officeDocument/2006/relationships" xmlns:p="http://schemas.openxmlformats.org/presentationml/2006/main">
+  <p:cSld>
+    <p:spTree>
+      <p:nvGrpSpPr>
+        <p:cNvPr id="1" name=""/>
+        <p:cNvGrpSpPr/>
+        <p:nvPr/>
+      </p:nvGrpSpPr>
+      <p:grpSpPr>
+        <a:xfrm>
+          <a:off x="0" y="0"/>
+          <a:ext cx="0" cy="0"/>
+          <a:chOff x="0" y="0"/>
+          <a:chExt cx="0" cy="0"/>
+        </a:xfrm>
+      </p:grpSpPr>
+      <p:sp>
+        <p:nvSpPr>
+          <p:cNvPr id="2" name="Title 1"/>
+          <p:cNvSpPr>
+            <a:spLocks noGrp="1"/>
+          </p:cNvSpPr>
+          <p:nvPr>
+            <p:ph type="title"/>
+          </p:nvPr>
+        </p:nvSpPr>
+        <p:spPr/>
+        <p:txBody>
+          <a:bodyPr/>
+          <a:lstStyle/>
+          <a:p>
+            <a:endParaRPr lang="en-IN"/>
+          </a:p>
+        </p:txBody>
+      </p:sp>
+      <p:sp>
+        <p:nvSpPr>
+          <p:cNvPr id="3" name="Content Placeholder 2"/>
+          <p:cNvSpPr>
+            <a:spLocks noGrp="1"/>
+          </p:cNvSpPr>
+          <p:nvPr>
+            <p:ph idx="1"/>
+          </p:nvPr>
+        </p:nvSpPr>
+        <p:spPr/>
+        <p:txBody>
+          <a:bodyPr/>
+          <a:lstStyle/>
+          <a:p>
+            <a:endParaRPr lang="en-IN"/>
+          </a:p>
+        </p:txBody>
+      </p:sp>
+    </p:spTree>
+    <p:extLst>
+      <p:ext uri="{BB962C8B-B14F-4D97-AF65-F5344CB8AC3E}">
+        <p14:creationId xmlns:p14="http://schemas.microsoft.com/office/powerpoint/2010/main" val="338213674"/>
+      </p:ext>
+    </p:extLst>
+  </p:cSld>
+  <p:clrMapOvr>
+    <a:masterClrMapping/>
+  </p:clrMapOvr>
+  <p:timing>
+    <p:tnLst>
+      <p:par>
+        <p:cTn id="1" dur="indefinite" restart="never" nodeType="tmRoot"/>
+      </p:par>
+    </p:tnLst>
+  </p:timing>
+</p:sld>
+</file>
+
+<file path=ppt/slides/slide79.xml><?xml version="1.0" encoding="utf-8"?>
+<p:sld xmlns:a="http://schemas.openxmlformats.org/drawingml/2006/main" xmlns:r="http://schemas.openxmlformats.org/officeDocument/2006/relationships" xmlns:p="http://schemas.openxmlformats.org/presentationml/2006/main">
+  <p:cSld>
+    <p:spTree>
+      <p:nvGrpSpPr>
+        <p:cNvPr id="1" name=""/>
+        <p:cNvGrpSpPr/>
+        <p:nvPr/>
+      </p:nvGrpSpPr>
+      <p:grpSpPr>
+        <a:xfrm>
+          <a:off x="0" y="0"/>
+          <a:ext cx="0" cy="0"/>
+          <a:chOff x="0" y="0"/>
+          <a:chExt cx="0" cy="0"/>
+        </a:xfrm>
+      </p:grpSpPr>
+      <p:sp>
+        <p:nvSpPr>
+          <p:cNvPr id="2" name="Title 1"/>
+          <p:cNvSpPr>
+            <a:spLocks noGrp="1"/>
+          </p:cNvSpPr>
+          <p:nvPr>
+            <p:ph type="title"/>
+          </p:nvPr>
+        </p:nvSpPr>
+        <p:spPr/>
+        <p:txBody>
+          <a:bodyPr/>
+          <a:lstStyle/>
+          <a:p>
+            <a:endParaRPr lang="en-IN"/>
+          </a:p>
+        </p:txBody>
+      </p:sp>
+      <p:sp>
+        <p:nvSpPr>
+          <p:cNvPr id="3" name="Content Placeholder 2"/>
+          <p:cNvSpPr>
+            <a:spLocks noGrp="1"/>
+          </p:cNvSpPr>
+          <p:nvPr>
+            <p:ph idx="1"/>
+          </p:nvPr>
+        </p:nvSpPr>
+        <p:spPr/>
+        <p:txBody>
+          <a:bodyPr/>
+          <a:lstStyle/>
+          <a:p>
+            <a:endParaRPr lang="en-IN"/>
+          </a:p>
+        </p:txBody>
+      </p:sp>
+    </p:spTree>
+    <p:extLst>
+      <p:ext uri="{BB962C8B-B14F-4D97-AF65-F5344CB8AC3E}">
+        <p14:creationId xmlns:p14="http://schemas.microsoft.com/office/powerpoint/2010/main" val="1777012221"/>
+      </p:ext>
+    </p:extLst>
+  </p:cSld>
+  <p:clrMapOvr>
+    <a:masterClrMapping/>
+  </p:clrMapOvr>
+  <p:timing>
+    <p:tnLst>
+      <p:par>
+        <p:cTn id="1" dur="indefinite" restart="never" nodeType="tmRoot"/>
+      </p:par>
+    </p:tnLst>
+  </p:timing>
+</p:sld>
+</file>
+
+<file path=ppt/slides/slide8.xml><?xml version="1.0" encoding="utf-8"?>
+<p:sld xmlns:a="http://schemas.openxmlformats.org/drawingml/2006/main" xmlns:r="http://schemas.openxmlformats.org/officeDocument/2006/relationships" xmlns:p="http://schemas.openxmlformats.org/presentationml/2006/main">
+  <p:cSld>
+    <p:spTree>
+      <p:nvGrpSpPr>
+        <p:cNvPr id="1" name=""/>
+        <p:cNvGrpSpPr/>
+        <p:nvPr/>
+      </p:nvGrpSpPr>
+      <p:grpSpPr>
+        <a:xfrm>
+          <a:off x="0" y="0"/>
+          <a:ext cx="0" cy="0"/>
+          <a:chOff x="0" y="0"/>
+          <a:chExt cx="0" cy="0"/>
+        </a:xfrm>
+      </p:grpSpPr>
+      <p:sp>
+        <p:nvSpPr>
+          <p:cNvPr id="2" name="Title 1"/>
+          <p:cNvSpPr>
+            <a:spLocks noGrp="1"/>
+          </p:cNvSpPr>
+          <p:nvPr>
+            <p:ph type="title"/>
+          </p:nvPr>
+        </p:nvSpPr>
+        <p:spPr/>
+        <p:txBody>
+          <a:bodyPr/>
+          <a:lstStyle/>
+          <a:p>
+            <a:endParaRPr lang="en-IN"/>
+          </a:p>
+        </p:txBody>
+      </p:sp>
+      <p:sp>
+        <p:nvSpPr>
+          <p:cNvPr id="3" name="Content Placeholder 2"/>
+          <p:cNvSpPr>
+            <a:spLocks noGrp="1"/>
+          </p:cNvSpPr>
+          <p:nvPr>
+            <p:ph idx="1"/>
+          </p:nvPr>
+        </p:nvSpPr>
+        <p:spPr/>
+        <p:txBody>
+          <a:bodyPr/>
+          <a:lstStyle/>
+          <a:p>
+            <a:endParaRPr lang="en-IN"/>
+          </a:p>
+        </p:txBody>
+      </p:sp>
+    </p:spTree>
+    <p:extLst>
+      <p:ext uri="{BB962C8B-B14F-4D97-AF65-F5344CB8AC3E}">
+        <p14:creationId xmlns:p14="http://schemas.microsoft.com/office/powerpoint/2010/main" val="3831449569"/>
+      </p:ext>
+    </p:extLst>
+  </p:cSld>
+  <p:clrMapOvr>
+    <a:masterClrMapping/>
+  </p:clrMapOvr>
+  <p:timing>
+    <p:tnLst>
+      <p:par>
+        <p:cTn id="1" dur="indefinite" restart="never" nodeType="tmRoot"/>
+      </p:par>
+    </p:tnLst>
+  </p:timing>
+</p:sld>
+</file>
+
+<file path=ppt/slides/slide80.xml><?xml version="1.0" encoding="utf-8"?>
+<p:sld xmlns:a="http://schemas.openxmlformats.org/drawingml/2006/main" xmlns:r="http://schemas.openxmlformats.org/officeDocument/2006/relationships" xmlns:p="http://schemas.openxmlformats.org/presentationml/2006/main">
+  <p:cSld>
+    <p:spTree>
+      <p:nvGrpSpPr>
+        <p:cNvPr id="1" name=""/>
+        <p:cNvGrpSpPr/>
+        <p:nvPr/>
+      </p:nvGrpSpPr>
+      <p:grpSpPr>
+        <a:xfrm>
+          <a:off x="0" y="0"/>
+          <a:ext cx="0" cy="0"/>
+          <a:chOff x="0" y="0"/>
+          <a:chExt cx="0" cy="0"/>
+        </a:xfrm>
+      </p:grpSpPr>
+      <p:sp>
+        <p:nvSpPr>
+          <p:cNvPr id="2" name="Title 1"/>
+          <p:cNvSpPr>
+            <a:spLocks noGrp="1"/>
+          </p:cNvSpPr>
+          <p:nvPr>
+            <p:ph type="title"/>
+          </p:nvPr>
+        </p:nvSpPr>
+        <p:spPr/>
+        <p:txBody>
+          <a:bodyPr/>
+          <a:lstStyle/>
+          <a:p>
+            <a:endParaRPr lang="en-IN"/>
+          </a:p>
+        </p:txBody>
+      </p:sp>
+      <p:sp>
+        <p:nvSpPr>
+          <p:cNvPr id="3" name="Content Placeholder 2"/>
+          <p:cNvSpPr>
+            <a:spLocks noGrp="1"/>
+          </p:cNvSpPr>
+          <p:nvPr>
+            <p:ph idx="1"/>
+          </p:nvPr>
+        </p:nvSpPr>
+        <p:spPr/>
+        <p:txBody>
+          <a:bodyPr/>
+          <a:lstStyle/>
+          <a:p>
+            <a:endParaRPr lang="en-IN"/>
+          </a:p>
+        </p:txBody>
+      </p:sp>
+    </p:spTree>
+    <p:extLst>
+      <p:ext uri="{BB962C8B-B14F-4D97-AF65-F5344CB8AC3E}">
+        <p14:creationId xmlns:p14="http://schemas.microsoft.com/office/powerpoint/2010/main" val="612898585"/>
+      </p:ext>
+    </p:extLst>
+  </p:cSld>
+  <p:clrMapOvr>
+    <a:masterClrMapping/>
+  </p:clrMapOvr>
+  <p:timing>
+    <p:tnLst>
+      <p:par>
+        <p:cTn id="1" dur="indefinite" restart="never" nodeType="tmRoot"/>
+      </p:par>
+    </p:tnLst>
+  </p:timing>
+</p:sld>
+</file>
+
+<file path=ppt/slides/slide81.xml><?xml version="1.0" encoding="utf-8"?>
+<p:sld xmlns:a="http://schemas.openxmlformats.org/drawingml/2006/main" xmlns:r="http://schemas.openxmlformats.org/officeDocument/2006/relationships" xmlns:p="http://schemas.openxmlformats.org/presentationml/2006/main">
+  <p:cSld>
+    <p:spTree>
+      <p:nvGrpSpPr>
+        <p:cNvPr id="1" name=""/>
+        <p:cNvGrpSpPr/>
+        <p:nvPr/>
+      </p:nvGrpSpPr>
+      <p:grpSpPr>
+        <a:xfrm>
+          <a:off x="0" y="0"/>
+          <a:ext cx="0" cy="0"/>
+          <a:chOff x="0" y="0"/>
+          <a:chExt cx="0" cy="0"/>
+        </a:xfrm>
+      </p:grpSpPr>
+      <p:sp>
+        <p:nvSpPr>
+          <p:cNvPr id="2" name="Title 1"/>
+          <p:cNvSpPr>
+            <a:spLocks noGrp="1"/>
+          </p:cNvSpPr>
+          <p:nvPr>
+            <p:ph type="title"/>
+          </p:nvPr>
+        </p:nvSpPr>
+        <p:spPr/>
+        <p:txBody>
+          <a:bodyPr/>
+          <a:lstStyle/>
+          <a:p>
+            <a:endParaRPr lang="en-IN"/>
+          </a:p>
+        </p:txBody>
+      </p:sp>
+      <p:sp>
+        <p:nvSpPr>
+          <p:cNvPr id="3" name="Content Placeholder 2"/>
+          <p:cNvSpPr>
+            <a:spLocks noGrp="1"/>
+          </p:cNvSpPr>
+          <p:nvPr>
+            <p:ph idx="1"/>
+          </p:nvPr>
+        </p:nvSpPr>
+        <p:spPr/>
+        <p:txBody>
+          <a:bodyPr/>
+          <a:lstStyle/>
+          <a:p>
+            <a:endParaRPr lang="en-IN"/>
+          </a:p>
+        </p:txBody>
+      </p:sp>
+    </p:spTree>
+    <p:extLst>
+      <p:ext uri="{BB962C8B-B14F-4D97-AF65-F5344CB8AC3E}">
+        <p14:creationId xmlns:p14="http://schemas.microsoft.com/office/powerpoint/2010/main" val="158321251"/>
+      </p:ext>
+    </p:extLst>
+  </p:cSld>
+  <p:clrMapOvr>
+    <a:masterClrMapping/>
+  </p:clrMapOvr>
+  <p:timing>
+    <p:tnLst>
+      <p:par>
+        <p:cTn id="1" dur="indefinite" restart="never" nodeType="tmRoot"/>
+      </p:par>
+    </p:tnLst>
+  </p:timing>
+</p:sld>
+</file>
+
+<file path=ppt/slides/slide82.xml><?xml version="1.0" encoding="utf-8"?>
+<p:sld xmlns:a="http://schemas.openxmlformats.org/drawingml/2006/main" xmlns:r="http://schemas.openxmlformats.org/officeDocument/2006/relationships" xmlns:p="http://schemas.openxmlformats.org/presentationml/2006/main">
+  <p:cSld>
+    <p:spTree>
+      <p:nvGrpSpPr>
+        <p:cNvPr id="1" name=""/>
+        <p:cNvGrpSpPr/>
+        <p:nvPr/>
+      </p:nvGrpSpPr>
+      <p:grpSpPr>
+        <a:xfrm>
+          <a:off x="0" y="0"/>
+          <a:ext cx="0" cy="0"/>
+          <a:chOff x="0" y="0"/>
+          <a:chExt cx="0" cy="0"/>
+        </a:xfrm>
+      </p:grpSpPr>
+      <p:sp>
+        <p:nvSpPr>
+          <p:cNvPr id="2" name="Title 1"/>
+          <p:cNvSpPr>
+            <a:spLocks noGrp="1"/>
+          </p:cNvSpPr>
+          <p:nvPr>
+            <p:ph type="title"/>
+          </p:nvPr>
+        </p:nvSpPr>
+        <p:spPr/>
+        <p:txBody>
+          <a:bodyPr/>
+          <a:lstStyle/>
+          <a:p>
+            <a:endParaRPr lang="en-IN"/>
+          </a:p>
+        </p:txBody>
+      </p:sp>
+      <p:sp>
+        <p:nvSpPr>
+          <p:cNvPr id="3" name="Content Placeholder 2"/>
+          <p:cNvSpPr>
+            <a:spLocks noGrp="1"/>
+          </p:cNvSpPr>
+          <p:nvPr>
+            <p:ph idx="1"/>
+          </p:nvPr>
+        </p:nvSpPr>
+        <p:spPr/>
+        <p:txBody>
+          <a:bodyPr/>
+          <a:lstStyle/>
+          <a:p>
+            <a:endParaRPr lang="en-IN"/>
+          </a:p>
+        </p:txBody>
+      </p:sp>
+    </p:spTree>
+    <p:extLst>
+      <p:ext uri="{BB962C8B-B14F-4D97-AF65-F5344CB8AC3E}">
+        <p14:creationId xmlns:p14="http://schemas.microsoft.com/office/powerpoint/2010/main" val="784399728"/>
+      </p:ext>
+    </p:extLst>
+  </p:cSld>
+  <p:clrMapOvr>
+    <a:masterClrMapping/>
+  </p:clrMapOvr>
+  <p:timing>
+    <p:tnLst>
+      <p:par>
+        <p:cTn id="1" dur="indefinite" restart="never" nodeType="tmRoot"/>
+      </p:par>
+    </p:tnLst>
+  </p:timing>
+</p:sld>
+</file>
+
+<file path=ppt/slides/slide83.xml><?xml version="1.0" encoding="utf-8"?>
+<p:sld xmlns:a="http://schemas.openxmlformats.org/drawingml/2006/main" xmlns:r="http://schemas.openxmlformats.org/officeDocument/2006/relationships" xmlns:p="http://schemas.openxmlformats.org/presentationml/2006/main">
+  <p:cSld>
+    <p:spTree>
+      <p:nvGrpSpPr>
+        <p:cNvPr id="1" name=""/>
+        <p:cNvGrpSpPr/>
+        <p:nvPr/>
+      </p:nvGrpSpPr>
+      <p:grpSpPr>
+        <a:xfrm>
+          <a:off x="0" y="0"/>
+          <a:ext cx="0" cy="0"/>
+          <a:chOff x="0" y="0"/>
+          <a:chExt cx="0" cy="0"/>
+        </a:xfrm>
+      </p:grpSpPr>
+      <p:sp>
+        <p:nvSpPr>
+          <p:cNvPr id="2" name="Title 1"/>
+          <p:cNvSpPr>
+            <a:spLocks noGrp="1"/>
+          </p:cNvSpPr>
+          <p:nvPr>
+            <p:ph type="title"/>
+          </p:nvPr>
+        </p:nvSpPr>
+        <p:spPr/>
+        <p:txBody>
+          <a:bodyPr/>
+          <a:lstStyle/>
+          <a:p>
+            <a:endParaRPr lang="en-IN"/>
+          </a:p>
+        </p:txBody>
+      </p:sp>
+      <p:sp>
+        <p:nvSpPr>
+          <p:cNvPr id="3" name="Content Placeholder 2"/>
+          <p:cNvSpPr>
+            <a:spLocks noGrp="1"/>
+          </p:cNvSpPr>
+          <p:nvPr>
+            <p:ph idx="1"/>
+          </p:nvPr>
+        </p:nvSpPr>
+        <p:spPr/>
+        <p:txBody>
+          <a:bodyPr/>
+          <a:lstStyle/>
+          <a:p>
+            <a:endParaRPr lang="en-IN"/>
+          </a:p>
+        </p:txBody>
+      </p:sp>
+    </p:spTree>
+    <p:extLst>
+      <p:ext uri="{BB962C8B-B14F-4D97-AF65-F5344CB8AC3E}">
+        <p14:creationId xmlns:p14="http://schemas.microsoft.com/office/powerpoint/2010/main" val="1587276321"/>
+      </p:ext>
+    </p:extLst>
+  </p:cSld>
+  <p:clrMapOvr>
+    <a:masterClrMapping/>
+  </p:clrMapOvr>
+  <p:timing>
+    <p:tnLst>
+      <p:par>
+        <p:cTn id="1" dur="indefinite" restart="never" nodeType="tmRoot"/>
+      </p:par>
+    </p:tnLst>
+  </p:timing>
+</p:sld>
+</file>
+
+<file path=ppt/slides/slide84.xml><?xml version="1.0" encoding="utf-8"?>
+<p:sld xmlns:a="http://schemas.openxmlformats.org/drawingml/2006/main" xmlns:r="http://schemas.openxmlformats.org/officeDocument/2006/relationships" xmlns:p="http://schemas.openxmlformats.org/presentationml/2006/main">
+  <p:cSld>
+    <p:spTree>
+      <p:nvGrpSpPr>
+        <p:cNvPr id="1" name=""/>
+        <p:cNvGrpSpPr/>
+        <p:nvPr/>
+      </p:nvGrpSpPr>
+      <p:grpSpPr>
+        <a:xfrm>
+          <a:off x="0" y="0"/>
+          <a:ext cx="0" cy="0"/>
+          <a:chOff x="0" y="0"/>
+          <a:chExt cx="0" cy="0"/>
+        </a:xfrm>
+      </p:grpSpPr>
+      <p:sp>
+        <p:nvSpPr>
+          <p:cNvPr id="2" name="Title 1"/>
+          <p:cNvSpPr>
+            <a:spLocks noGrp="1"/>
+          </p:cNvSpPr>
+          <p:nvPr>
+            <p:ph type="title"/>
+          </p:nvPr>
+        </p:nvSpPr>
+        <p:spPr/>
+        <p:txBody>
+          <a:bodyPr/>
+          <a:lstStyle/>
+          <a:p>
+            <a:endParaRPr lang="en-IN"/>
+          </a:p>
+        </p:txBody>
+      </p:sp>
+      <p:sp>
+        <p:nvSpPr>
+          <p:cNvPr id="3" name="Content Placeholder 2"/>
+          <p:cNvSpPr>
+            <a:spLocks noGrp="1"/>
+          </p:cNvSpPr>
+          <p:nvPr>
+            <p:ph idx="1"/>
+          </p:nvPr>
+        </p:nvSpPr>
+        <p:spPr/>
+        <p:txBody>
+          <a:bodyPr/>
+          <a:lstStyle/>
+          <a:p>
+            <a:endParaRPr lang="en-IN"/>
+          </a:p>
+        </p:txBody>
+      </p:sp>
+    </p:spTree>
+    <p:extLst>
+      <p:ext uri="{BB962C8B-B14F-4D97-AF65-F5344CB8AC3E}">
+        <p14:creationId xmlns:p14="http://schemas.microsoft.com/office/powerpoint/2010/main" val="1655857426"/>
+      </p:ext>
+    </p:extLst>
+  </p:cSld>
+  <p:clrMapOvr>
+    <a:masterClrMapping/>
+  </p:clrMapOvr>
+  <p:timing>
+    <p:tnLst>
+      <p:par>
+        <p:cTn id="1" dur="indefinite" restart="never" nodeType="tmRoot"/>
+      </p:par>
+    </p:tnLst>
+  </p:timing>
+</p:sld>
+</file>
+
+<file path=ppt/slides/slide85.xml><?xml version="1.0" encoding="utf-8"?>
+<p:sld xmlns:a="http://schemas.openxmlformats.org/drawingml/2006/main" xmlns:r="http://schemas.openxmlformats.org/officeDocument/2006/relationships" xmlns:p="http://schemas.openxmlformats.org/presentationml/2006/main">
+  <p:cSld>
+    <p:spTree>
+      <p:nvGrpSpPr>
+        <p:cNvPr id="1" name=""/>
+        <p:cNvGrpSpPr/>
+        <p:nvPr/>
+      </p:nvGrpSpPr>
+      <p:grpSpPr>
+        <a:xfrm>
+          <a:off x="0" y="0"/>
+          <a:ext cx="0" cy="0"/>
+          <a:chOff x="0" y="0"/>
+          <a:chExt cx="0" cy="0"/>
+        </a:xfrm>
+      </p:grpSpPr>
+      <p:sp>
+        <p:nvSpPr>
+          <p:cNvPr id="2" name="Title 1"/>
+          <p:cNvSpPr>
+            <a:spLocks noGrp="1"/>
+          </p:cNvSpPr>
+          <p:nvPr>
+            <p:ph type="title"/>
+          </p:nvPr>
+        </p:nvSpPr>
+        <p:spPr/>
+        <p:txBody>
+          <a:bodyPr/>
+          <a:lstStyle/>
+          <a:p>
+            <a:endParaRPr lang="en-IN"/>
+          </a:p>
+        </p:txBody>
+      </p:sp>
+      <p:sp>
+        <p:nvSpPr>
+          <p:cNvPr id="3" name="Content Placeholder 2"/>
+          <p:cNvSpPr>
+            <a:spLocks noGrp="1"/>
+          </p:cNvSpPr>
+          <p:nvPr>
+            <p:ph idx="1"/>
+          </p:nvPr>
+        </p:nvSpPr>
+        <p:spPr/>
+        <p:txBody>
+          <a:bodyPr/>
+          <a:lstStyle/>
+          <a:p>
+            <a:endParaRPr lang="en-IN"/>
+          </a:p>
+        </p:txBody>
+      </p:sp>
+    </p:spTree>
+    <p:extLst>
+      <p:ext uri="{BB962C8B-B14F-4D97-AF65-F5344CB8AC3E}">
+        <p14:creationId xmlns:p14="http://schemas.microsoft.com/office/powerpoint/2010/main" val="551624400"/>
+      </p:ext>
+    </p:extLst>
+  </p:cSld>
+  <p:clrMapOvr>
+    <a:masterClrMapping/>
+  </p:clrMapOvr>
+  <p:timing>
+    <p:tnLst>
+      <p:par>
+        <p:cTn id="1" dur="indefinite" restart="never" nodeType="tmRoot"/>
+      </p:par>
+    </p:tnLst>
+  </p:timing>
+</p:sld>
+</file>
+
+<file path=ppt/slides/slide86.xml><?xml version="1.0" encoding="utf-8"?>
+<p:sld xmlns:a="http://schemas.openxmlformats.org/drawingml/2006/main" xmlns:r="http://schemas.openxmlformats.org/officeDocument/2006/relationships" xmlns:p="http://schemas.openxmlformats.org/presentationml/2006/main">
+  <p:cSld>
+    <p:spTree>
+      <p:nvGrpSpPr>
+        <p:cNvPr id="1" name=""/>
+        <p:cNvGrpSpPr/>
+        <p:nvPr/>
+      </p:nvGrpSpPr>
+      <p:grpSpPr>
+        <a:xfrm>
+          <a:off x="0" y="0"/>
+          <a:ext cx="0" cy="0"/>
+          <a:chOff x="0" y="0"/>
+          <a:chExt cx="0" cy="0"/>
+        </a:xfrm>
+      </p:grpSpPr>
+      <p:sp>
+        <p:nvSpPr>
+          <p:cNvPr id="2" name="Title 1"/>
+          <p:cNvSpPr>
+            <a:spLocks noGrp="1"/>
+          </p:cNvSpPr>
+          <p:nvPr>
+            <p:ph type="title"/>
+          </p:nvPr>
+        </p:nvSpPr>
+        <p:spPr/>
+        <p:txBody>
+          <a:bodyPr/>
+          <a:lstStyle/>
+          <a:p>
+            <a:endParaRPr lang="en-IN"/>
+          </a:p>
+        </p:txBody>
+      </p:sp>
+      <p:sp>
+        <p:nvSpPr>
+          <p:cNvPr id="3" name="Content Placeholder 2"/>
+          <p:cNvSpPr>
+            <a:spLocks noGrp="1"/>
+          </p:cNvSpPr>
+          <p:nvPr>
+            <p:ph idx="1"/>
+          </p:nvPr>
+        </p:nvSpPr>
+        <p:spPr/>
+        <p:txBody>
+          <a:bodyPr/>
+          <a:lstStyle/>
+          <a:p>
+            <a:endParaRPr lang="en-IN"/>
+          </a:p>
+        </p:txBody>
+      </p:sp>
+    </p:spTree>
+    <p:extLst>
+      <p:ext uri="{BB962C8B-B14F-4D97-AF65-F5344CB8AC3E}">
+        <p14:creationId xmlns:p14="http://schemas.microsoft.com/office/powerpoint/2010/main" val="1473343661"/>
+      </p:ext>
+    </p:extLst>
+  </p:cSld>
+  <p:clrMapOvr>
+    <a:masterClrMapping/>
+  </p:clrMapOvr>
+  <p:timing>
+    <p:tnLst>
+      <p:par>
+        <p:cTn id="1" dur="indefinite" restart="never" nodeType="tmRoot"/>
+      </p:par>
+    </p:tnLst>
+  </p:timing>
+</p:sld>
+</file>
+
+<file path=ppt/slides/slide87.xml><?xml version="1.0" encoding="utf-8"?>
+<p:sld xmlns:a="http://schemas.openxmlformats.org/drawingml/2006/main" xmlns:r="http://schemas.openxmlformats.org/officeDocument/2006/relationships" xmlns:p="http://schemas.openxmlformats.org/presentationml/2006/main">
+  <p:cSld>
+    <p:spTree>
+      <p:nvGrpSpPr>
+        <p:cNvPr id="1" name=""/>
+        <p:cNvGrpSpPr/>
+        <p:nvPr/>
+      </p:nvGrpSpPr>
+      <p:grpSpPr>
+        <a:xfrm>
+          <a:off x="0" y="0"/>
+          <a:ext cx="0" cy="0"/>
+          <a:chOff x="0" y="0"/>
+          <a:chExt cx="0" cy="0"/>
+        </a:xfrm>
+      </p:grpSpPr>
+      <p:sp>
+        <p:nvSpPr>
+          <p:cNvPr id="2" name="Title 1"/>
+          <p:cNvSpPr>
+            <a:spLocks noGrp="1"/>
+          </p:cNvSpPr>
+          <p:nvPr>
+            <p:ph type="title"/>
+          </p:nvPr>
+        </p:nvSpPr>
+        <p:spPr/>
+        <p:txBody>
+          <a:bodyPr/>
+          <a:lstStyle/>
+          <a:p>
+            <a:endParaRPr lang="en-IN"/>
+          </a:p>
+        </p:txBody>
+      </p:sp>
+      <p:sp>
+        <p:nvSpPr>
+          <p:cNvPr id="3" name="Content Placeholder 2"/>
+          <p:cNvSpPr>
+            <a:spLocks noGrp="1"/>
+          </p:cNvSpPr>
+          <p:nvPr>
+            <p:ph idx="1"/>
+          </p:nvPr>
+        </p:nvSpPr>
+        <p:spPr/>
+        <p:txBody>
+          <a:bodyPr/>
+          <a:lstStyle/>
+          <a:p>
+            <a:endParaRPr lang="en-IN"/>
+          </a:p>
+        </p:txBody>
+      </p:sp>
+    </p:spTree>
+    <p:extLst>
+      <p:ext uri="{BB962C8B-B14F-4D97-AF65-F5344CB8AC3E}">
+        <p14:creationId xmlns:p14="http://schemas.microsoft.com/office/powerpoint/2010/main" val="2479095076"/>
+      </p:ext>
+    </p:extLst>
+  </p:cSld>
+  <p:clrMapOvr>
+    <a:masterClrMapping/>
+  </p:clrMapOvr>
+  <p:timing>
+    <p:tnLst>
+      <p:par>
+        <p:cTn id="1" dur="indefinite" restart="never" nodeType="tmRoot"/>
+      </p:par>
+    </p:tnLst>
+  </p:timing>
+</p:sld>
+</file>
+
+<file path=ppt/slides/slide88.xml><?xml version="1.0" encoding="utf-8"?>
+<p:sld xmlns:a="http://schemas.openxmlformats.org/drawingml/2006/main" xmlns:r="http://schemas.openxmlformats.org/officeDocument/2006/relationships" xmlns:p="http://schemas.openxmlformats.org/presentationml/2006/main">
+  <p:cSld>
+    <p:spTree>
+      <p:nvGrpSpPr>
+        <p:cNvPr id="1" name=""/>
+        <p:cNvGrpSpPr/>
+        <p:nvPr/>
+      </p:nvGrpSpPr>
+      <p:grpSpPr>
+        <a:xfrm>
+          <a:off x="0" y="0"/>
+          <a:ext cx="0" cy="0"/>
+          <a:chOff x="0" y="0"/>
+          <a:chExt cx="0" cy="0"/>
+        </a:xfrm>
+      </p:grpSpPr>
+      <p:sp>
+        <p:nvSpPr>
+          <p:cNvPr id="2" name="Title 1"/>
+          <p:cNvSpPr>
+            <a:spLocks noGrp="1"/>
+          </p:cNvSpPr>
+          <p:nvPr>
+            <p:ph type="title"/>
+          </p:nvPr>
+        </p:nvSpPr>
+        <p:spPr/>
+        <p:txBody>
+          <a:bodyPr/>
+          <a:lstStyle/>
+          <a:p>
+            <a:endParaRPr lang="en-IN"/>
+          </a:p>
+        </p:txBody>
+      </p:sp>
+      <p:sp>
+        <p:nvSpPr>
+          <p:cNvPr id="3" name="Content Placeholder 2"/>
+          <p:cNvSpPr>
+            <a:spLocks noGrp="1"/>
+          </p:cNvSpPr>
+          <p:nvPr>
+            <p:ph idx="1"/>
+          </p:nvPr>
+        </p:nvSpPr>
+        <p:spPr/>
+        <p:txBody>
+          <a:bodyPr/>
+          <a:lstStyle/>
+          <a:p>
+            <a:endParaRPr lang="en-IN"/>
+          </a:p>
+        </p:txBody>
+      </p:sp>
+    </p:spTree>
+    <p:extLst>
+      <p:ext uri="{BB962C8B-B14F-4D97-AF65-F5344CB8AC3E}">
+        <p14:creationId xmlns:p14="http://schemas.microsoft.com/office/powerpoint/2010/main" val="4250469735"/>
+      </p:ext>
+    </p:extLst>
+  </p:cSld>
+  <p:clrMapOvr>
+    <a:masterClrMapping/>
+  </p:clrMapOvr>
+  <p:timing>
+    <p:tnLst>
+      <p:par>
+        <p:cTn id="1" dur="indefinite" restart="never" nodeType="tmRoot"/>
+      </p:par>
+    </p:tnLst>
+  </p:timing>
+</p:sld>
+</file>
+
+<file path=ppt/slides/slide89.xml><?xml version="1.0" encoding="utf-8"?>
+<p:sld xmlns:a="http://schemas.openxmlformats.org/drawingml/2006/main" xmlns:r="http://schemas.openxmlformats.org/officeDocument/2006/relationships" xmlns:p="http://schemas.openxmlformats.org/presentationml/2006/main">
+  <p:cSld>
+    <p:spTree>
+      <p:nvGrpSpPr>
+        <p:cNvPr id="1" name=""/>
+        <p:cNvGrpSpPr/>
+        <p:nvPr/>
+      </p:nvGrpSpPr>
+      <p:grpSpPr>
+        <a:xfrm>
+          <a:off x="0" y="0"/>
+          <a:ext cx="0" cy="0"/>
+          <a:chOff x="0" y="0"/>
+          <a:chExt cx="0" cy="0"/>
+        </a:xfrm>
+      </p:grpSpPr>
+      <p:sp>
+        <p:nvSpPr>
+          <p:cNvPr id="2" name="Title 1"/>
+          <p:cNvSpPr>
+            <a:spLocks noGrp="1"/>
+          </p:cNvSpPr>
+          <p:nvPr>
+            <p:ph type="title"/>
+          </p:nvPr>
+        </p:nvSpPr>
+        <p:spPr/>
+        <p:txBody>
+          <a:bodyPr/>
+          <a:lstStyle/>
+          <a:p>
+            <a:endParaRPr lang="en-IN"/>
+          </a:p>
+        </p:txBody>
+      </p:sp>
+      <p:sp>
+        <p:nvSpPr>
+          <p:cNvPr id="3" name="Content Placeholder 2"/>
+          <p:cNvSpPr>
+            <a:spLocks noGrp="1"/>
+          </p:cNvSpPr>
+          <p:nvPr>
+            <p:ph idx="1"/>
+          </p:nvPr>
+        </p:nvSpPr>
+        <p:spPr/>
+        <p:txBody>
+          <a:bodyPr/>
+          <a:lstStyle/>
+          <a:p>
+            <a:endParaRPr lang="en-IN"/>
+          </a:p>
+        </p:txBody>
+      </p:sp>
+    </p:spTree>
+    <p:extLst>
+      <p:ext uri="{BB962C8B-B14F-4D97-AF65-F5344CB8AC3E}">
+        <p14:creationId xmlns:p14="http://schemas.microsoft.com/office/powerpoint/2010/main" val="2351181609"/>
+      </p:ext>
+    </p:extLst>
+  </p:cSld>
+  <p:clrMapOvr>
+    <a:masterClrMapping/>
+  </p:clrMapOvr>
+  <p:timing>
+    <p:tnLst>
+      <p:par>
+        <p:cTn id="1" dur="indefinite" restart="never" nodeType="tmRoot"/>
+      </p:par>
+    </p:tnLst>
+  </p:timing>
+</p:sld>
+</file>
+
+<file path=ppt/slides/slide9.xml><?xml version="1.0" encoding="utf-8"?>
+<p:sld xmlns:a="http://schemas.openxmlformats.org/drawingml/2006/main" xmlns:r="http://schemas.openxmlformats.org/officeDocument/2006/relationships" xmlns:p="http://schemas.openxmlformats.org/presentationml/2006/main">
+  <p:cSld>
+    <p:spTree>
+      <p:nvGrpSpPr>
+        <p:cNvPr id="1" name=""/>
+        <p:cNvGrpSpPr/>
+        <p:nvPr/>
+      </p:nvGrpSpPr>
+      <p:grpSpPr>
+        <a:xfrm>
+          <a:off x="0" y="0"/>
+          <a:ext cx="0" cy="0"/>
+          <a:chOff x="0" y="0"/>
+          <a:chExt cx="0" cy="0"/>
+        </a:xfrm>
+      </p:grpSpPr>
+      <p:sp>
+        <p:nvSpPr>
+          <p:cNvPr id="2" name="Title 1"/>
+          <p:cNvSpPr>
+            <a:spLocks noGrp="1"/>
+          </p:cNvSpPr>
+          <p:nvPr>
+            <p:ph type="title"/>
+          </p:nvPr>
+        </p:nvSpPr>
+        <p:spPr/>
+        <p:txBody>
+          <a:bodyPr/>
+          <a:lstStyle/>
+          <a:p>
+            <a:endParaRPr lang="en-IN"/>
+          </a:p>
+        </p:txBody>
+      </p:sp>
+      <p:sp>
+        <p:nvSpPr>
+          <p:cNvPr id="3" name="Content Placeholder 2"/>
+          <p:cNvSpPr>
+            <a:spLocks noGrp="1"/>
+          </p:cNvSpPr>
+          <p:nvPr>
+            <p:ph idx="1"/>
+          </p:nvPr>
+        </p:nvSpPr>
+        <p:spPr/>
+        <p:txBody>
+          <a:bodyPr/>
+          <a:lstStyle/>
+          <a:p>
+            <a:endParaRPr lang="en-IN"/>
+          </a:p>
+        </p:txBody>
+      </p:sp>
+    </p:spTree>
+    <p:extLst>
+      <p:ext uri="{BB962C8B-B14F-4D97-AF65-F5344CB8AC3E}">
+        <p14:creationId xmlns:p14="http://schemas.microsoft.com/office/powerpoint/2010/main" val="1459046169"/>
+      </p:ext>
+    </p:extLst>
+  </p:cSld>
+  <p:clrMapOvr>
+    <a:masterClrMapping/>
+  </p:clrMapOvr>
+  <p:timing>
+    <p:tnLst>
+      <p:par>
+        <p:cTn id="1" dur="indefinite" restart="never" nodeType="tmRoot"/>
+      </p:par>
+    </p:tnLst>
+  </p:timing>
 </p:sld>
 </file>
 
